--- a/presentations/5 – Reading Real Data.pptx
+++ b/presentations/5 – Reading Real Data.pptx
@@ -5,7 +5,7 @@
     <p:sldMasterId id="2147483648" r:id="rId1"/>
   </p:sldMasterIdLst>
   <p:notesMasterIdLst>
-    <p:notesMasterId r:id="rId34"/>
+    <p:notesMasterId r:id="rId37"/>
   </p:notesMasterIdLst>
   <p:sldIdLst>
     <p:sldId id="256" r:id="rId2"/>
@@ -16,30 +16,33 @@
     <p:sldId id="260" r:id="rId7"/>
     <p:sldId id="262" r:id="rId8"/>
     <p:sldId id="312" r:id="rId9"/>
-    <p:sldId id="310" r:id="rId10"/>
-    <p:sldId id="400" r:id="rId11"/>
-    <p:sldId id="423" r:id="rId12"/>
-    <p:sldId id="422" r:id="rId13"/>
-    <p:sldId id="439" r:id="rId14"/>
-    <p:sldId id="440" r:id="rId15"/>
-    <p:sldId id="273" r:id="rId16"/>
-    <p:sldId id="420" r:id="rId17"/>
-    <p:sldId id="435" r:id="rId18"/>
-    <p:sldId id="307" r:id="rId19"/>
-    <p:sldId id="446" r:id="rId20"/>
-    <p:sldId id="413" r:id="rId21"/>
-    <p:sldId id="349" r:id="rId22"/>
-    <p:sldId id="442" r:id="rId23"/>
-    <p:sldId id="443" r:id="rId24"/>
-    <p:sldId id="444" r:id="rId25"/>
-    <p:sldId id="436" r:id="rId26"/>
-    <p:sldId id="437" r:id="rId27"/>
-    <p:sldId id="342" r:id="rId28"/>
-    <p:sldId id="438" r:id="rId29"/>
-    <p:sldId id="343" r:id="rId30"/>
-    <p:sldId id="447" r:id="rId31"/>
-    <p:sldId id="421" r:id="rId32"/>
-    <p:sldId id="445" r:id="rId33"/>
+    <p:sldId id="400" r:id="rId10"/>
+    <p:sldId id="423" r:id="rId11"/>
+    <p:sldId id="422" r:id="rId12"/>
+    <p:sldId id="310" r:id="rId13"/>
+    <p:sldId id="448" r:id="rId14"/>
+    <p:sldId id="449" r:id="rId15"/>
+    <p:sldId id="439" r:id="rId16"/>
+    <p:sldId id="440" r:id="rId17"/>
+    <p:sldId id="273" r:id="rId18"/>
+    <p:sldId id="420" r:id="rId19"/>
+    <p:sldId id="435" r:id="rId20"/>
+    <p:sldId id="307" r:id="rId21"/>
+    <p:sldId id="446" r:id="rId22"/>
+    <p:sldId id="413" r:id="rId23"/>
+    <p:sldId id="349" r:id="rId24"/>
+    <p:sldId id="450" r:id="rId25"/>
+    <p:sldId id="442" r:id="rId26"/>
+    <p:sldId id="443" r:id="rId27"/>
+    <p:sldId id="444" r:id="rId28"/>
+    <p:sldId id="436" r:id="rId29"/>
+    <p:sldId id="437" r:id="rId30"/>
+    <p:sldId id="342" r:id="rId31"/>
+    <p:sldId id="438" r:id="rId32"/>
+    <p:sldId id="343" r:id="rId33"/>
+    <p:sldId id="447" r:id="rId34"/>
+    <p:sldId id="421" r:id="rId35"/>
+    <p:sldId id="445" r:id="rId36"/>
   </p:sldIdLst>
   <p:sldSz cx="12192000" cy="6858000"/>
   <p:notesSz cx="6858000" cy="9144000"/>
@@ -228,7 +231,7 @@
           <a:p>
             <a:fld id="{81B7BEA3-9544-4906-8546-6FBD9CAB98EF}" type="datetimeFigureOut">
               <a:rPr lang="en-US" smtClean="0"/>
-              <a:t>9/11/2023</a:t>
+              <a:t>11/8/2023</a:t>
             </a:fld>
             <a:endParaRPr lang="en-US"/>
           </a:p>
@@ -968,79 +971,8 @@
             </a:pPr>
             <a:r>
               <a:rPr lang="en-US" dirty="0"/>
-              <a:t>Before getting your data in, you will need to make sure that it is “machine readable”</a:t>
-            </a:r>
-          </a:p>
-          <a:p>
-            <a:pPr marL="0" marR="0" lvl="0" indent="0" algn="l" defTabSz="914400" rtl="0" eaLnBrk="1" fontAlgn="auto" latinLnBrk="0" hangingPunct="1">
-              <a:lnSpc>
-                <a:spcPct val="100000"/>
-              </a:lnSpc>
-              <a:spcBef>
-                <a:spcPts val="0"/>
-              </a:spcBef>
-              <a:spcAft>
-                <a:spcPts val="0"/>
-              </a:spcAft>
-              <a:buClrTx/>
-              <a:buSzTx/>
-              <a:buFontTx/>
-              <a:buNone/>
-              <a:tabLst/>
-              <a:defRPr/>
-            </a:pPr>
-            <a:endParaRPr lang="en-US" dirty="0"/>
-          </a:p>
-          <a:p>
-            <a:pPr marL="0" marR="0" lvl="0" indent="0" algn="l" defTabSz="914400" rtl="0" eaLnBrk="1" fontAlgn="auto" latinLnBrk="0" hangingPunct="1">
-              <a:lnSpc>
-                <a:spcPct val="100000"/>
-              </a:lnSpc>
-              <a:spcBef>
-                <a:spcPts val="0"/>
-              </a:spcBef>
-              <a:spcAft>
-                <a:spcPts val="0"/>
-              </a:spcAft>
-              <a:buClrTx/>
-              <a:buSzTx/>
-              <a:buFontTx/>
-              <a:buNone/>
-              <a:tabLst/>
-              <a:defRPr/>
-            </a:pPr>
-            <a:r>
-              <a:rPr lang="en-US" dirty="0"/>
-              <a:t>Using R and the </a:t>
-            </a:r>
-            <a:r>
-              <a:rPr lang="en-US" dirty="0" err="1"/>
-              <a:t>tidyverse</a:t>
-            </a:r>
-            <a:r>
-              <a:rPr lang="en-US" dirty="0"/>
-              <a:t> will make you better with your data. While Excel is great for many things, especially quickness, it allows for bad habits. For example, it will let you combine different types of data into the same column (a column for “Length” can include 100, TRUE, “No sample here”; this is a massive data issue). </a:t>
-            </a:r>
-          </a:p>
-          <a:p>
-            <a:pPr marL="0" marR="0" lvl="0" indent="0" algn="l" defTabSz="914400" rtl="0" eaLnBrk="1" fontAlgn="auto" latinLnBrk="0" hangingPunct="1">
-              <a:lnSpc>
-                <a:spcPct val="100000"/>
-              </a:lnSpc>
-              <a:spcBef>
-                <a:spcPts val="0"/>
-              </a:spcBef>
-              <a:spcAft>
-                <a:spcPts val="0"/>
-              </a:spcAft>
-              <a:buClrTx/>
-              <a:buSzTx/>
-              <a:buFontTx/>
-              <a:buNone/>
-              <a:tabLst/>
-              <a:defRPr/>
-            </a:pPr>
-            <a:endParaRPr lang="en-US" dirty="0"/>
+              <a:t>Why isn’t this tidy? If the last column were for “comments”, which observation would the comment refer to? </a:t>
+            </a:r>
           </a:p>
           <a:p>
             <a:endParaRPr lang="en-US" dirty="0"/>
@@ -1073,7 +1005,7 @@
     </p:spTree>
     <p:extLst>
       <p:ext uri="{BB962C8B-B14F-4D97-AF65-F5344CB8AC3E}">
-        <p14:creationId xmlns:p14="http://schemas.microsoft.com/office/powerpoint/2010/main" val="2265443666"/>
+        <p14:creationId xmlns:p14="http://schemas.microsoft.com/office/powerpoint/2010/main" val="4234658825"/>
       </p:ext>
     </p:extLst>
   </p:cSld>
@@ -1146,8 +1078,79 @@
             </a:pPr>
             <a:r>
               <a:rPr lang="en-US" dirty="0"/>
-              <a:t>Why isn’t this tidy? If the last column were for “comments”, which observation would the comment refer to? </a:t>
-            </a:r>
+              <a:t>Before getting your data in, you will need to make sure that it is “machine readable”</a:t>
+            </a:r>
+          </a:p>
+          <a:p>
+            <a:pPr marL="0" marR="0" lvl="0" indent="0" algn="l" defTabSz="914400" rtl="0" eaLnBrk="1" fontAlgn="auto" latinLnBrk="0" hangingPunct="1">
+              <a:lnSpc>
+                <a:spcPct val="100000"/>
+              </a:lnSpc>
+              <a:spcBef>
+                <a:spcPts val="0"/>
+              </a:spcBef>
+              <a:spcAft>
+                <a:spcPts val="0"/>
+              </a:spcAft>
+              <a:buClrTx/>
+              <a:buSzTx/>
+              <a:buFontTx/>
+              <a:buNone/>
+              <a:tabLst/>
+              <a:defRPr/>
+            </a:pPr>
+            <a:endParaRPr lang="en-US" dirty="0"/>
+          </a:p>
+          <a:p>
+            <a:pPr marL="0" marR="0" lvl="0" indent="0" algn="l" defTabSz="914400" rtl="0" eaLnBrk="1" fontAlgn="auto" latinLnBrk="0" hangingPunct="1">
+              <a:lnSpc>
+                <a:spcPct val="100000"/>
+              </a:lnSpc>
+              <a:spcBef>
+                <a:spcPts val="0"/>
+              </a:spcBef>
+              <a:spcAft>
+                <a:spcPts val="0"/>
+              </a:spcAft>
+              <a:buClrTx/>
+              <a:buSzTx/>
+              <a:buFontTx/>
+              <a:buNone/>
+              <a:tabLst/>
+              <a:defRPr/>
+            </a:pPr>
+            <a:r>
+              <a:rPr lang="en-US" dirty="0"/>
+              <a:t>Using R and the </a:t>
+            </a:r>
+            <a:r>
+              <a:rPr lang="en-US" dirty="0" err="1"/>
+              <a:t>tidyverse</a:t>
+            </a:r>
+            <a:r>
+              <a:rPr lang="en-US" dirty="0"/>
+              <a:t> will make you better with your data. While Excel is great for many things, especially quickness, it allows for bad habits. For example, it will let you combine different types of data into the same column (a column for “Length” can include 100, TRUE, “No sample here”; this is a massive data issue). </a:t>
+            </a:r>
+          </a:p>
+          <a:p>
+            <a:pPr marL="0" marR="0" lvl="0" indent="0" algn="l" defTabSz="914400" rtl="0" eaLnBrk="1" fontAlgn="auto" latinLnBrk="0" hangingPunct="1">
+              <a:lnSpc>
+                <a:spcPct val="100000"/>
+              </a:lnSpc>
+              <a:spcBef>
+                <a:spcPts val="0"/>
+              </a:spcBef>
+              <a:spcAft>
+                <a:spcPts val="0"/>
+              </a:spcAft>
+              <a:buClrTx/>
+              <a:buSzTx/>
+              <a:buFontTx/>
+              <a:buNone/>
+              <a:tabLst/>
+              <a:defRPr/>
+            </a:pPr>
+            <a:endParaRPr lang="en-US" dirty="0"/>
           </a:p>
           <a:p>
             <a:endParaRPr lang="en-US" dirty="0"/>
@@ -1171,7 +1174,7 @@
           <a:p>
             <a:fld id="{AD86E2D3-8F12-4CB7-B6F3-018CFC08298B}" type="slidenum">
               <a:rPr lang="en-US" smtClean="0"/>
-              <a:t>10</a:t>
+              <a:t>12</a:t>
             </a:fld>
             <a:endParaRPr lang="en-US"/>
           </a:p>
@@ -1180,7 +1183,7 @@
     </p:spTree>
     <p:extLst>
       <p:ext uri="{BB962C8B-B14F-4D97-AF65-F5344CB8AC3E}">
-        <p14:creationId xmlns:p14="http://schemas.microsoft.com/office/powerpoint/2010/main" val="4234658825"/>
+        <p14:creationId xmlns:p14="http://schemas.microsoft.com/office/powerpoint/2010/main" val="2265443666"/>
       </p:ext>
     </p:extLst>
   </p:cSld>
@@ -1258,7 +1261,7 @@
           <a:p>
             <a:fld id="{996C2BAF-7A0B-47A2-A260-2C836477AD04}" type="slidenum">
               <a:rPr lang="en-US" smtClean="0"/>
-              <a:t>17</a:t>
+              <a:t>19</a:t>
             </a:fld>
             <a:endParaRPr lang="en-US"/>
           </a:p>
@@ -1345,7 +1348,7 @@
           <a:p>
             <a:fld id="{996C2BAF-7A0B-47A2-A260-2C836477AD04}" type="slidenum">
               <a:rPr lang="en-US" smtClean="0"/>
-              <a:t>20</a:t>
+              <a:t>22</a:t>
             </a:fld>
             <a:endParaRPr lang="en-US"/>
           </a:p>
@@ -1438,7 +1441,7 @@
           <a:p>
             <a:fld id="{AD86E2D3-8F12-4CB7-B6F3-018CFC08298B}" type="slidenum">
               <a:rPr lang="en-US" smtClean="0"/>
-              <a:t>29</a:t>
+              <a:t>32</a:t>
             </a:fld>
             <a:endParaRPr lang="en-US"/>
           </a:p>
@@ -1604,7 +1607,7 @@
           <a:p>
             <a:fld id="{FEC71193-596A-4812-ABA1-C558BDCA5F59}" type="datetime1">
               <a:rPr lang="en-US" smtClean="0"/>
-              <a:t>9/11/2023</a:t>
+              <a:t>11/8/2023</a:t>
             </a:fld>
             <a:endParaRPr lang="en-US"/>
           </a:p>
@@ -1802,7 +1805,7 @@
           <a:p>
             <a:fld id="{47B4EF1F-B6CA-4A89-A9ED-098417818103}" type="datetime1">
               <a:rPr lang="en-US" smtClean="0"/>
-              <a:t>9/11/2023</a:t>
+              <a:t>11/8/2023</a:t>
             </a:fld>
             <a:endParaRPr lang="en-US"/>
           </a:p>
@@ -2010,7 +2013,7 @@
           <a:p>
             <a:fld id="{0B8D3537-E7E8-4843-9B96-C400530614A1}" type="datetime1">
               <a:rPr lang="en-US" smtClean="0"/>
-              <a:t>9/11/2023</a:t>
+              <a:t>11/8/2023</a:t>
             </a:fld>
             <a:endParaRPr lang="en-US"/>
           </a:p>
@@ -2208,7 +2211,7 @@
           <a:p>
             <a:fld id="{73F7D61C-F136-42C3-9AD3-F322FADB6F0E}" type="datetime1">
               <a:rPr lang="en-US" smtClean="0"/>
-              <a:t>9/11/2023</a:t>
+              <a:t>11/8/2023</a:t>
             </a:fld>
             <a:endParaRPr lang="en-US"/>
           </a:p>
@@ -2483,7 +2486,7 @@
           <a:p>
             <a:fld id="{CBF61B42-25ED-44CA-B335-AF88334C3540}" type="datetime1">
               <a:rPr lang="en-US" smtClean="0"/>
-              <a:t>9/11/2023</a:t>
+              <a:t>11/8/2023</a:t>
             </a:fld>
             <a:endParaRPr lang="en-US"/>
           </a:p>
@@ -2748,7 +2751,7 @@
           <a:p>
             <a:fld id="{AC17FBF9-5C8A-419A-B8BB-338AE6FB1CCA}" type="datetime1">
               <a:rPr lang="en-US" smtClean="0"/>
-              <a:t>9/11/2023</a:t>
+              <a:t>11/8/2023</a:t>
             </a:fld>
             <a:endParaRPr lang="en-US"/>
           </a:p>
@@ -3160,7 +3163,7 @@
           <a:p>
             <a:fld id="{C40A4523-2AF1-4519-ACB6-5B1FA3911953}" type="datetime1">
               <a:rPr lang="en-US" smtClean="0"/>
-              <a:t>9/11/2023</a:t>
+              <a:t>11/8/2023</a:t>
             </a:fld>
             <a:endParaRPr lang="en-US"/>
           </a:p>
@@ -3301,7 +3304,7 @@
           <a:p>
             <a:fld id="{87868F0F-02A1-4F45-B4FE-65EC426E4A30}" type="datetime1">
               <a:rPr lang="en-US" smtClean="0"/>
-              <a:t>9/11/2023</a:t>
+              <a:t>11/8/2023</a:t>
             </a:fld>
             <a:endParaRPr lang="en-US"/>
           </a:p>
@@ -3414,7 +3417,7 @@
           <a:p>
             <a:fld id="{4717A988-B51F-48A9-805F-52A01A532A09}" type="datetime1">
               <a:rPr lang="en-US" smtClean="0"/>
-              <a:t>9/11/2023</a:t>
+              <a:t>11/8/2023</a:t>
             </a:fld>
             <a:endParaRPr lang="en-US"/>
           </a:p>
@@ -3725,7 +3728,7 @@
           <a:p>
             <a:fld id="{034A9627-92B4-4334-A51F-F9C01322103F}" type="datetime1">
               <a:rPr lang="en-US" smtClean="0"/>
-              <a:t>9/11/2023</a:t>
+              <a:t>11/8/2023</a:t>
             </a:fld>
             <a:endParaRPr lang="en-US"/>
           </a:p>
@@ -4013,7 +4016,7 @@
           <a:p>
             <a:fld id="{C6151107-00C7-414D-9842-67165919901C}" type="datetime1">
               <a:rPr lang="en-US" smtClean="0"/>
-              <a:t>9/11/2023</a:t>
+              <a:t>11/8/2023</a:t>
             </a:fld>
             <a:endParaRPr lang="en-US"/>
           </a:p>
@@ -4254,7 +4257,7 @@
           <a:p>
             <a:fld id="{F60AD008-BAC9-41F6-B071-3935D5ABE43C}" type="datetime1">
               <a:rPr lang="en-US" smtClean="0"/>
-              <a:t>9/11/2023</a:t>
+              <a:t>11/8/2023</a:t>
             </a:fld>
             <a:endParaRPr lang="en-US"/>
           </a:p>
@@ -4789,7 +4792,7 @@
           <p:cNvPr id="2" name="Title 1">
             <a:extLst>
               <a:ext uri="{FF2B5EF4-FFF2-40B4-BE49-F238E27FC236}">
-                <a16:creationId xmlns:a16="http://schemas.microsoft.com/office/drawing/2014/main" id="{72AA742C-98C0-466E-AB32-364388FD03C7}"/>
+                <a16:creationId xmlns:a16="http://schemas.microsoft.com/office/drawing/2014/main" id="{67A4FBFC-FCEE-4C79-84B0-769850141E1D}"/>
               </a:ext>
             </a:extLst>
           </p:cNvPr>
@@ -4807,7 +4810,7 @@
           <a:p>
             <a:r>
               <a:rPr lang="en-US" dirty="0"/>
-              <a:t>Tidy vs non-tidy data</a:t>
+              <a:t>Tidy Data</a:t>
             </a:r>
           </a:p>
         </p:txBody>
@@ -4817,7 +4820,7 @@
           <p:cNvPr id="4" name="Slide Number Placeholder 3">
             <a:extLst>
               <a:ext uri="{FF2B5EF4-FFF2-40B4-BE49-F238E27FC236}">
-                <a16:creationId xmlns:a16="http://schemas.microsoft.com/office/drawing/2014/main" id="{30BB3C7C-3161-44C6-868B-6EE71E908460}"/>
+                <a16:creationId xmlns:a16="http://schemas.microsoft.com/office/drawing/2014/main" id="{DC6D67EA-EE5B-493D-A381-97373ECEA1F6}"/>
               </a:ext>
             </a:extLst>
           </p:cNvPr>
@@ -4836,1638 +4839,6 @@
             <a:fld id="{6D95AE55-B5F4-483D-AEFF-E8059F5502F5}" type="slidenum">
               <a:rPr lang="en-US" smtClean="0"/>
               <a:t>10</a:t>
-            </a:fld>
-            <a:endParaRPr lang="en-US"/>
-          </a:p>
-        </p:txBody>
-      </p:sp>
-      <p:graphicFrame>
-        <p:nvGraphicFramePr>
-          <p:cNvPr id="3" name="Table 4">
-            <a:extLst>
-              <a:ext uri="{FF2B5EF4-FFF2-40B4-BE49-F238E27FC236}">
-                <a16:creationId xmlns:a16="http://schemas.microsoft.com/office/drawing/2014/main" id="{7114020E-8AB5-4878-8ACD-F37DCC6D37B1}"/>
-              </a:ext>
-            </a:extLst>
-          </p:cNvPr>
-          <p:cNvGraphicFramePr>
-            <a:graphicFrameLocks noGrp="1"/>
-          </p:cNvGraphicFramePr>
-          <p:nvPr/>
-        </p:nvGraphicFramePr>
-        <p:xfrm>
-          <a:off x="267635" y="2484120"/>
-          <a:ext cx="5937222" cy="1889760"/>
-        </p:xfrm>
-        <a:graphic>
-          <a:graphicData uri="http://schemas.openxmlformats.org/drawingml/2006/table">
-            <a:tbl>
-              <a:tblPr firstRow="1" bandRow="1">
-                <a:tableStyleId>{9D7B26C5-4107-4FEC-AEDC-1716B250A1EF}</a:tableStyleId>
-              </a:tblPr>
-              <a:tblGrid>
-                <a:gridCol w="814090">
-                  <a:extLst>
-                    <a:ext uri="{9D8B030D-6E8A-4147-A177-3AD203B41FA5}">
-                      <a16:colId xmlns:a16="http://schemas.microsoft.com/office/drawing/2014/main" val="640234232"/>
-                    </a:ext>
-                  </a:extLst>
-                </a:gridCol>
-                <a:gridCol w="879730">
-                  <a:extLst>
-                    <a:ext uri="{9D8B030D-6E8A-4147-A177-3AD203B41FA5}">
-                      <a16:colId xmlns:a16="http://schemas.microsoft.com/office/drawing/2014/main" val="519276145"/>
-                    </a:ext>
-                  </a:extLst>
-                </a:gridCol>
-                <a:gridCol w="1075659">
-                  <a:extLst>
-                    <a:ext uri="{9D8B030D-6E8A-4147-A177-3AD203B41FA5}">
-                      <a16:colId xmlns:a16="http://schemas.microsoft.com/office/drawing/2014/main" val="1879728500"/>
-                    </a:ext>
-                  </a:extLst>
-                </a:gridCol>
-                <a:gridCol w="1502229">
-                  <a:extLst>
-                    <a:ext uri="{9D8B030D-6E8A-4147-A177-3AD203B41FA5}">
-                      <a16:colId xmlns:a16="http://schemas.microsoft.com/office/drawing/2014/main" val="2037657942"/>
-                    </a:ext>
-                  </a:extLst>
-                </a:gridCol>
-                <a:gridCol w="1665514">
-                  <a:extLst>
-                    <a:ext uri="{9D8B030D-6E8A-4147-A177-3AD203B41FA5}">
-                      <a16:colId xmlns:a16="http://schemas.microsoft.com/office/drawing/2014/main" val="238880982"/>
-                    </a:ext>
-                  </a:extLst>
-                </a:gridCol>
-              </a:tblGrid>
-              <a:tr h="370840">
-                <a:tc>
-                  <a:txBody>
-                    <a:bodyPr/>
-                    <a:lstStyle/>
-                    <a:p>
-                      <a:pPr algn="ctr"/>
-                      <a:r>
-                        <a:rPr lang="en-US" sz="2000" dirty="0"/>
-                        <a:t>Year</a:t>
-                      </a:r>
-                      <a:endParaRPr lang="en-US" sz="2000" dirty="0">
-                        <a:latin typeface="+mn-lt"/>
-                      </a:endParaRPr>
-                    </a:p>
-                  </a:txBody>
-                  <a:tcPr anchor="b"/>
-                </a:tc>
-                <a:tc>
-                  <a:txBody>
-                    <a:bodyPr/>
-                    <a:lstStyle/>
-                    <a:p>
-                      <a:pPr algn="ctr"/>
-                      <a:r>
-                        <a:rPr lang="en-US" sz="2000" dirty="0"/>
-                        <a:t>Auke Creek</a:t>
-                      </a:r>
-                      <a:endParaRPr lang="en-US" sz="2000" dirty="0">
-                        <a:latin typeface="+mn-lt"/>
-                      </a:endParaRPr>
-                    </a:p>
-                  </a:txBody>
-                  <a:tcPr anchor="b"/>
-                </a:tc>
-                <a:tc>
-                  <a:txBody>
-                    <a:bodyPr/>
-                    <a:lstStyle/>
-                    <a:p>
-                      <a:pPr algn="ctr">
-                        <a:tabLst>
-                          <a:tab pos="800100" algn="l"/>
-                        </a:tabLst>
-                      </a:pPr>
-                      <a:r>
-                        <a:rPr lang="en-US" sz="2000" dirty="0"/>
-                        <a:t>Berners River</a:t>
-                      </a:r>
-                      <a:endParaRPr lang="en-US" sz="2000" dirty="0">
-                        <a:latin typeface="+mn-lt"/>
-                      </a:endParaRPr>
-                    </a:p>
-                  </a:txBody>
-                  <a:tcPr anchor="b"/>
-                </a:tc>
-                <a:tc>
-                  <a:txBody>
-                    <a:bodyPr/>
-                    <a:lstStyle/>
-                    <a:p>
-                      <a:pPr algn="ctr"/>
-                      <a:r>
-                        <a:rPr lang="en-US" sz="2000" dirty="0"/>
-                        <a:t>Hugh Smith Lake</a:t>
-                      </a:r>
-                      <a:endParaRPr lang="en-US" sz="2000" dirty="0">
-                        <a:latin typeface="+mn-lt"/>
-                      </a:endParaRPr>
-                    </a:p>
-                  </a:txBody>
-                  <a:tcPr anchor="b"/>
-                </a:tc>
-                <a:tc>
-                  <a:txBody>
-                    <a:bodyPr/>
-                    <a:lstStyle/>
-                    <a:p>
-                      <a:pPr algn="ctr"/>
-                      <a:r>
-                        <a:rPr lang="en-US" sz="2000" dirty="0">
-                          <a:latin typeface="+mn-lt"/>
-                        </a:rPr>
-                        <a:t>Comment</a:t>
-                      </a:r>
-                    </a:p>
-                  </a:txBody>
-                  <a:tcPr anchor="b"/>
-                </a:tc>
-                <a:extLst>
-                  <a:ext uri="{0D108BD9-81ED-4DB2-BD59-A6C34878D82A}">
-                    <a16:rowId xmlns:a16="http://schemas.microsoft.com/office/drawing/2014/main" val="3732537577"/>
-                  </a:ext>
-                </a:extLst>
-              </a:tr>
-              <a:tr h="370840">
-                <a:tc>
-                  <a:txBody>
-                    <a:bodyPr/>
-                    <a:lstStyle/>
-                    <a:p>
-                      <a:pPr algn="ctr"/>
-                      <a:r>
-                        <a:rPr lang="en-US" sz="2000" dirty="0"/>
-                        <a:t>2018</a:t>
-                      </a:r>
-                      <a:endParaRPr lang="en-US" sz="2000" dirty="0">
-                        <a:latin typeface="+mn-lt"/>
-                      </a:endParaRPr>
-                    </a:p>
-                  </a:txBody>
-                  <a:tcPr/>
-                </a:tc>
-                <a:tc>
-                  <a:txBody>
-                    <a:bodyPr/>
-                    <a:lstStyle/>
-                    <a:p>
-                      <a:pPr algn="ctr" fontAlgn="b"/>
-                      <a:r>
-                        <a:rPr lang="en-US" sz="2000" b="0" u="none" strike="noStrike">
-                          <a:solidFill>
-                            <a:srgbClr val="000000"/>
-                          </a:solidFill>
-                          <a:effectLst/>
-                        </a:rPr>
-                        <a:t>146</a:t>
-                      </a:r>
-                      <a:endParaRPr lang="en-US" sz="2000" b="0" i="0" u="none" strike="noStrike">
-                        <a:solidFill>
-                          <a:srgbClr val="000000"/>
-                        </a:solidFill>
-                        <a:effectLst/>
-                        <a:latin typeface="+mn-lt"/>
-                      </a:endParaRPr>
-                    </a:p>
-                  </a:txBody>
-                  <a:tcPr marL="7620" marR="7620" marT="7620" marB="0" anchor="b"/>
-                </a:tc>
-                <a:tc>
-                  <a:txBody>
-                    <a:bodyPr/>
-                    <a:lstStyle/>
-                    <a:p>
-                      <a:pPr algn="ctr" fontAlgn="b"/>
-                      <a:r>
-                        <a:rPr lang="en-US" sz="2000" b="0" u="none" strike="noStrike">
-                          <a:solidFill>
-                            <a:srgbClr val="000000"/>
-                          </a:solidFill>
-                          <a:effectLst/>
-                        </a:rPr>
-                        <a:t>3550</a:t>
-                      </a:r>
-                      <a:endParaRPr lang="en-US" sz="2000" b="0" i="0" u="none" strike="noStrike">
-                        <a:solidFill>
-                          <a:srgbClr val="000000"/>
-                        </a:solidFill>
-                        <a:effectLst/>
-                        <a:latin typeface="+mn-lt"/>
-                      </a:endParaRPr>
-                    </a:p>
-                  </a:txBody>
-                  <a:tcPr marL="7620" marR="7620" marT="7620" marB="0" anchor="b"/>
-                </a:tc>
-                <a:tc>
-                  <a:txBody>
-                    <a:bodyPr/>
-                    <a:lstStyle/>
-                    <a:p>
-                      <a:pPr algn="ctr" fontAlgn="b"/>
-                      <a:r>
-                        <a:rPr lang="en-US" sz="2000" b="0" u="none" strike="noStrike" dirty="0">
-                          <a:solidFill>
-                            <a:srgbClr val="000000"/>
-                          </a:solidFill>
-                          <a:effectLst/>
-                        </a:rPr>
-                        <a:t>619</a:t>
-                      </a:r>
-                      <a:endParaRPr lang="en-US" sz="2000" b="0" i="0" u="none" strike="noStrike" dirty="0">
-                        <a:solidFill>
-                          <a:srgbClr val="000000"/>
-                        </a:solidFill>
-                        <a:effectLst/>
-                        <a:latin typeface="+mn-lt"/>
-                      </a:endParaRPr>
-                    </a:p>
-                  </a:txBody>
-                  <a:tcPr marL="7620" marR="7620" marT="7620" marB="0" anchor="b"/>
-                </a:tc>
-                <a:tc>
-                  <a:txBody>
-                    <a:bodyPr/>
-                    <a:lstStyle/>
-                    <a:p>
-                      <a:pPr algn="ctr" fontAlgn="b"/>
-                      <a:r>
-                        <a:rPr lang="en-US" sz="1600" b="0" i="0" u="none" strike="noStrike" dirty="0">
-                          <a:solidFill>
-                            <a:srgbClr val="000000"/>
-                          </a:solidFill>
-                          <a:effectLst/>
-                          <a:latin typeface="+mn-lt"/>
-                        </a:rPr>
-                        <a:t>No fish 7/24-8/25</a:t>
-                      </a:r>
-                    </a:p>
-                  </a:txBody>
-                  <a:tcPr marL="7620" marR="7620" marT="7620" marB="0" anchor="b"/>
-                </a:tc>
-                <a:extLst>
-                  <a:ext uri="{0D108BD9-81ED-4DB2-BD59-A6C34878D82A}">
-                    <a16:rowId xmlns:a16="http://schemas.microsoft.com/office/drawing/2014/main" val="3353214748"/>
-                  </a:ext>
-                </a:extLst>
-              </a:tr>
-              <a:tr h="370840">
-                <a:tc>
-                  <a:txBody>
-                    <a:bodyPr/>
-                    <a:lstStyle/>
-                    <a:p>
-                      <a:pPr algn="ctr"/>
-                      <a:r>
-                        <a:rPr lang="en-US" sz="2000" dirty="0"/>
-                        <a:t>2019</a:t>
-                      </a:r>
-                      <a:endParaRPr lang="en-US" sz="2000" dirty="0">
-                        <a:latin typeface="+mn-lt"/>
-                      </a:endParaRPr>
-                    </a:p>
-                  </a:txBody>
-                  <a:tcPr/>
-                </a:tc>
-                <a:tc>
-                  <a:txBody>
-                    <a:bodyPr/>
-                    <a:lstStyle/>
-                    <a:p>
-                      <a:pPr algn="ctr" fontAlgn="b"/>
-                      <a:r>
-                        <a:rPr lang="en-US" sz="2000" b="0" u="none" strike="noStrike" dirty="0">
-                          <a:solidFill>
-                            <a:srgbClr val="000000"/>
-                          </a:solidFill>
-                          <a:effectLst/>
-                        </a:rPr>
-                        <a:t>345</a:t>
-                      </a:r>
-                      <a:endParaRPr lang="en-US" sz="2000" b="0" i="0" u="none" strike="noStrike" dirty="0">
-                        <a:solidFill>
-                          <a:srgbClr val="000000"/>
-                        </a:solidFill>
-                        <a:effectLst/>
-                        <a:latin typeface="+mn-lt"/>
-                      </a:endParaRPr>
-                    </a:p>
-                  </a:txBody>
-                  <a:tcPr marL="7620" marR="7620" marT="7620" marB="0" anchor="b"/>
-                </a:tc>
-                <a:tc>
-                  <a:txBody>
-                    <a:bodyPr/>
-                    <a:lstStyle/>
-                    <a:p>
-                      <a:pPr algn="ctr" fontAlgn="b"/>
-                      <a:r>
-                        <a:rPr lang="en-US" sz="2000" b="0" u="none" strike="noStrike" dirty="0">
-                          <a:solidFill>
-                            <a:srgbClr val="000000"/>
-                          </a:solidFill>
-                          <a:effectLst/>
-                        </a:rPr>
-                        <a:t>9405</a:t>
-                      </a:r>
-                      <a:endParaRPr lang="en-US" sz="2000" b="0" i="0" u="none" strike="noStrike" dirty="0">
-                        <a:solidFill>
-                          <a:srgbClr val="000000"/>
-                        </a:solidFill>
-                        <a:effectLst/>
-                        <a:latin typeface="+mn-lt"/>
-                      </a:endParaRPr>
-                    </a:p>
-                  </a:txBody>
-                  <a:tcPr marL="7620" marR="7620" marT="7620" marB="0" anchor="b"/>
-                </a:tc>
-                <a:tc>
-                  <a:txBody>
-                    <a:bodyPr/>
-                    <a:lstStyle/>
-                    <a:p>
-                      <a:pPr algn="ctr" fontAlgn="b"/>
-                      <a:r>
-                        <a:rPr lang="en-US" sz="2000" b="0" u="none" strike="noStrike" dirty="0">
-                          <a:solidFill>
-                            <a:srgbClr val="000000"/>
-                          </a:solidFill>
-                          <a:effectLst/>
-                        </a:rPr>
-                        <a:t>1235</a:t>
-                      </a:r>
-                      <a:endParaRPr lang="en-US" sz="2000" b="0" i="0" u="none" strike="noStrike" dirty="0">
-                        <a:solidFill>
-                          <a:srgbClr val="000000"/>
-                        </a:solidFill>
-                        <a:effectLst/>
-                        <a:latin typeface="+mn-lt"/>
-                      </a:endParaRPr>
-                    </a:p>
-                  </a:txBody>
-                  <a:tcPr marL="7620" marR="7620" marT="7620" marB="0" anchor="b"/>
-                </a:tc>
-                <a:tc>
-                  <a:txBody>
-                    <a:bodyPr/>
-                    <a:lstStyle/>
-                    <a:p>
-                      <a:pPr algn="ctr" fontAlgn="b"/>
-                      <a:r>
-                        <a:rPr lang="en-US" sz="1600" b="0" i="0" u="none" strike="noStrike" dirty="0">
-                          <a:solidFill>
-                            <a:srgbClr val="000000"/>
-                          </a:solidFill>
-                          <a:effectLst/>
-                          <a:latin typeface="+mn-lt"/>
-                        </a:rPr>
-                        <a:t>Andy quit counting</a:t>
-                      </a:r>
-                    </a:p>
-                  </a:txBody>
-                  <a:tcPr marL="7620" marR="7620" marT="7620" marB="0" anchor="b"/>
-                </a:tc>
-                <a:extLst>
-                  <a:ext uri="{0D108BD9-81ED-4DB2-BD59-A6C34878D82A}">
-                    <a16:rowId xmlns:a16="http://schemas.microsoft.com/office/drawing/2014/main" val="1503242982"/>
-                  </a:ext>
-                </a:extLst>
-              </a:tr>
-              <a:tr h="370840">
-                <a:tc>
-                  <a:txBody>
-                    <a:bodyPr/>
-                    <a:lstStyle/>
-                    <a:p>
-                      <a:pPr algn="ctr"/>
-                      <a:r>
-                        <a:rPr lang="en-US" sz="2000" dirty="0"/>
-                        <a:t>2020</a:t>
-                      </a:r>
-                      <a:endParaRPr lang="en-US" sz="2000" dirty="0">
-                        <a:latin typeface="+mn-lt"/>
-                      </a:endParaRPr>
-                    </a:p>
-                  </a:txBody>
-                  <a:tcPr/>
-                </a:tc>
-                <a:tc>
-                  <a:txBody>
-                    <a:bodyPr/>
-                    <a:lstStyle/>
-                    <a:p>
-                      <a:pPr algn="ctr"/>
-                      <a:r>
-                        <a:rPr lang="en-US" sz="2000" dirty="0"/>
-                        <a:t>173</a:t>
-                      </a:r>
-                      <a:endParaRPr lang="en-US" sz="2000" dirty="0">
-                        <a:latin typeface="+mn-lt"/>
-                      </a:endParaRPr>
-                    </a:p>
-                  </a:txBody>
-                  <a:tcPr/>
-                </a:tc>
-                <a:tc>
-                  <a:txBody>
-                    <a:bodyPr/>
-                    <a:lstStyle/>
-                    <a:p>
-                      <a:pPr algn="ctr"/>
-                      <a:r>
-                        <a:rPr lang="en-US" sz="2000" dirty="0"/>
-                        <a:t>3296</a:t>
-                      </a:r>
-                      <a:endParaRPr lang="en-US" sz="2000" dirty="0">
-                        <a:latin typeface="+mn-lt"/>
-                      </a:endParaRPr>
-                    </a:p>
-                  </a:txBody>
-                  <a:tcPr/>
-                </a:tc>
-                <a:tc>
-                  <a:txBody>
-                    <a:bodyPr/>
-                    <a:lstStyle/>
-                    <a:p>
-                      <a:pPr algn="ctr"/>
-                      <a:r>
-                        <a:rPr lang="en-US" sz="2000" dirty="0"/>
-                        <a:t>634</a:t>
-                      </a:r>
-                      <a:endParaRPr lang="en-US" sz="2000" dirty="0">
-                        <a:latin typeface="+mn-lt"/>
-                      </a:endParaRPr>
-                    </a:p>
-                  </a:txBody>
-                  <a:tcPr/>
-                </a:tc>
-                <a:tc>
-                  <a:txBody>
-                    <a:bodyPr/>
-                    <a:lstStyle/>
-                    <a:p>
-                      <a:pPr algn="ctr"/>
-                      <a:r>
-                        <a:rPr lang="en-US" sz="1600" dirty="0">
-                          <a:latin typeface="+mn-lt"/>
-                        </a:rPr>
-                        <a:t>Prob 100 fish low</a:t>
-                      </a:r>
-                    </a:p>
-                  </a:txBody>
-                  <a:tcPr/>
-                </a:tc>
-                <a:extLst>
-                  <a:ext uri="{0D108BD9-81ED-4DB2-BD59-A6C34878D82A}">
-                    <a16:rowId xmlns:a16="http://schemas.microsoft.com/office/drawing/2014/main" val="2258635586"/>
-                  </a:ext>
-                </a:extLst>
-              </a:tr>
-            </a:tbl>
-          </a:graphicData>
-        </a:graphic>
-      </p:graphicFrame>
-      <p:graphicFrame>
-        <p:nvGraphicFramePr>
-          <p:cNvPr id="11" name="Table 4">
-            <a:extLst>
-              <a:ext uri="{FF2B5EF4-FFF2-40B4-BE49-F238E27FC236}">
-                <a16:creationId xmlns:a16="http://schemas.microsoft.com/office/drawing/2014/main" id="{C0655233-AA30-4E91-A597-5F4A89E2F6BD}"/>
-              </a:ext>
-            </a:extLst>
-          </p:cNvPr>
-          <p:cNvGraphicFramePr>
-            <a:graphicFrameLocks noGrp="1"/>
-          </p:cNvGraphicFramePr>
-          <p:nvPr/>
-        </p:nvGraphicFramePr>
-        <p:xfrm>
-          <a:off x="6760498" y="2135724"/>
-          <a:ext cx="5075902" cy="4084320"/>
-        </p:xfrm>
-        <a:graphic>
-          <a:graphicData uri="http://schemas.openxmlformats.org/drawingml/2006/table">
-            <a:tbl>
-              <a:tblPr firstRow="1" bandRow="1">
-                <a:tableStyleId>{9D7B26C5-4107-4FEC-AEDC-1716B250A1EF}</a:tableStyleId>
-              </a:tblPr>
-              <a:tblGrid>
-                <a:gridCol w="796002">
-                  <a:extLst>
-                    <a:ext uri="{9D8B030D-6E8A-4147-A177-3AD203B41FA5}">
-                      <a16:colId xmlns:a16="http://schemas.microsoft.com/office/drawing/2014/main" val="640234232"/>
-                    </a:ext>
-                  </a:extLst>
-                </a:gridCol>
-                <a:gridCol w="1854200">
-                  <a:extLst>
-                    <a:ext uri="{9D8B030D-6E8A-4147-A177-3AD203B41FA5}">
-                      <a16:colId xmlns:a16="http://schemas.microsoft.com/office/drawing/2014/main" val="519276145"/>
-                    </a:ext>
-                  </a:extLst>
-                </a:gridCol>
-                <a:gridCol w="1003300">
-                  <a:extLst>
-                    <a:ext uri="{9D8B030D-6E8A-4147-A177-3AD203B41FA5}">
-                      <a16:colId xmlns:a16="http://schemas.microsoft.com/office/drawing/2014/main" val="2037657942"/>
-                    </a:ext>
-                  </a:extLst>
-                </a:gridCol>
-                <a:gridCol w="1422400">
-                  <a:extLst>
-                    <a:ext uri="{9D8B030D-6E8A-4147-A177-3AD203B41FA5}">
-                      <a16:colId xmlns:a16="http://schemas.microsoft.com/office/drawing/2014/main" val="4009930242"/>
-                    </a:ext>
-                  </a:extLst>
-                </a:gridCol>
-              </a:tblGrid>
-              <a:tr h="370840">
-                <a:tc>
-                  <a:txBody>
-                    <a:bodyPr/>
-                    <a:lstStyle/>
-                    <a:p>
-                      <a:pPr algn="ctr"/>
-                      <a:r>
-                        <a:rPr lang="en-US" sz="2000" dirty="0"/>
-                        <a:t>Year</a:t>
-                      </a:r>
-                      <a:endParaRPr lang="en-US" sz="2000" dirty="0">
-                        <a:latin typeface="+mn-lt"/>
-                      </a:endParaRPr>
-                    </a:p>
-                  </a:txBody>
-                  <a:tcPr/>
-                </a:tc>
-                <a:tc>
-                  <a:txBody>
-                    <a:bodyPr/>
-                    <a:lstStyle/>
-                    <a:p>
-                      <a:pPr algn="ctr"/>
-                      <a:r>
-                        <a:rPr lang="en-US" sz="2000" dirty="0"/>
-                        <a:t>River</a:t>
-                      </a:r>
-                      <a:endParaRPr lang="en-US" sz="2000" dirty="0">
-                        <a:latin typeface="+mn-lt"/>
-                      </a:endParaRPr>
-                    </a:p>
-                  </a:txBody>
-                  <a:tcPr/>
-                </a:tc>
-                <a:tc>
-                  <a:txBody>
-                    <a:bodyPr/>
-                    <a:lstStyle/>
-                    <a:p>
-                      <a:pPr algn="ctr"/>
-                      <a:r>
-                        <a:rPr lang="en-US" sz="2000" dirty="0"/>
-                        <a:t>Count</a:t>
-                      </a:r>
-                      <a:endParaRPr lang="en-US" sz="2000" dirty="0">
-                        <a:latin typeface="+mn-lt"/>
-                      </a:endParaRPr>
-                    </a:p>
-                  </a:txBody>
-                  <a:tcPr/>
-                </a:tc>
-                <a:tc>
-                  <a:txBody>
-                    <a:bodyPr/>
-                    <a:lstStyle/>
-                    <a:p>
-                      <a:pPr algn="ctr"/>
-                      <a:r>
-                        <a:rPr lang="en-US" sz="2000" dirty="0">
-                          <a:latin typeface="+mn-lt"/>
-                        </a:rPr>
-                        <a:t>Comment</a:t>
-                      </a:r>
-                    </a:p>
-                  </a:txBody>
-                  <a:tcPr/>
-                </a:tc>
-                <a:extLst>
-                  <a:ext uri="{0D108BD9-81ED-4DB2-BD59-A6C34878D82A}">
-                    <a16:rowId xmlns:a16="http://schemas.microsoft.com/office/drawing/2014/main" val="3732537577"/>
-                  </a:ext>
-                </a:extLst>
-              </a:tr>
-              <a:tr h="370840">
-                <a:tc>
-                  <a:txBody>
-                    <a:bodyPr/>
-                    <a:lstStyle/>
-                    <a:p>
-                      <a:pPr algn="ctr"/>
-                      <a:r>
-                        <a:rPr lang="en-US" sz="2000" dirty="0"/>
-                        <a:t>2018</a:t>
-                      </a:r>
-                      <a:endParaRPr lang="en-US" sz="2000" dirty="0">
-                        <a:latin typeface="+mn-lt"/>
-                      </a:endParaRPr>
-                    </a:p>
-                  </a:txBody>
-                  <a:tcPr/>
-                </a:tc>
-                <a:tc>
-                  <a:txBody>
-                    <a:bodyPr/>
-                    <a:lstStyle/>
-                    <a:p>
-                      <a:pPr algn="ctr" fontAlgn="b"/>
-                      <a:r>
-                        <a:rPr lang="en-US" sz="2000" b="0" u="none" strike="noStrike" dirty="0">
-                          <a:solidFill>
-                            <a:srgbClr val="000000"/>
-                          </a:solidFill>
-                          <a:effectLst/>
-                        </a:rPr>
-                        <a:t>Auke Creek</a:t>
-                      </a:r>
-                      <a:endParaRPr lang="en-US" sz="2000" b="0" i="0" u="none" strike="noStrike" dirty="0">
-                        <a:solidFill>
-                          <a:srgbClr val="000000"/>
-                        </a:solidFill>
-                        <a:effectLst/>
-                        <a:latin typeface="+mn-lt"/>
-                      </a:endParaRPr>
-                    </a:p>
-                  </a:txBody>
-                  <a:tcPr marL="7620" marR="7620" marT="7620" marB="0" anchor="b"/>
-                </a:tc>
-                <a:tc>
-                  <a:txBody>
-                    <a:bodyPr/>
-                    <a:lstStyle/>
-                    <a:p>
-                      <a:pPr algn="ctr" fontAlgn="b"/>
-                      <a:r>
-                        <a:rPr lang="en-US" sz="2000" b="0" u="none" strike="noStrike" dirty="0">
-                          <a:solidFill>
-                            <a:srgbClr val="000000"/>
-                          </a:solidFill>
-                          <a:effectLst/>
-                        </a:rPr>
-                        <a:t>619</a:t>
-                      </a:r>
-                      <a:endParaRPr lang="en-US" sz="2000" b="0" i="0" u="none" strike="noStrike" dirty="0">
-                        <a:solidFill>
-                          <a:srgbClr val="000000"/>
-                        </a:solidFill>
-                        <a:effectLst/>
-                        <a:latin typeface="+mn-lt"/>
-                      </a:endParaRPr>
-                    </a:p>
-                  </a:txBody>
-                  <a:tcPr marL="7620" marR="7620" marT="7620" marB="0" anchor="b"/>
-                </a:tc>
-                <a:tc>
-                  <a:txBody>
-                    <a:bodyPr/>
-                    <a:lstStyle/>
-                    <a:p>
-                      <a:pPr algn="ctr" fontAlgn="b"/>
-                      <a:r>
-                        <a:rPr lang="en-US" sz="1400" b="0" i="0" u="none" strike="noStrike" dirty="0">
-                          <a:solidFill>
-                            <a:srgbClr val="000000"/>
-                          </a:solidFill>
-                          <a:effectLst/>
-                          <a:latin typeface="+mn-lt"/>
-                        </a:rPr>
-                        <a:t>No fish 7/24-8/25</a:t>
-                      </a:r>
-                    </a:p>
-                  </a:txBody>
-                  <a:tcPr marL="7620" marR="7620" marT="7620" marB="0" anchor="ctr"/>
-                </a:tc>
-                <a:extLst>
-                  <a:ext uri="{0D108BD9-81ED-4DB2-BD59-A6C34878D82A}">
-                    <a16:rowId xmlns:a16="http://schemas.microsoft.com/office/drawing/2014/main" val="3353214748"/>
-                  </a:ext>
-                </a:extLst>
-              </a:tr>
-              <a:tr h="370840">
-                <a:tc>
-                  <a:txBody>
-                    <a:bodyPr/>
-                    <a:lstStyle/>
-                    <a:p>
-                      <a:pPr algn="ctr"/>
-                      <a:r>
-                        <a:rPr lang="en-US" sz="2000" dirty="0"/>
-                        <a:t>2019</a:t>
-                      </a:r>
-                      <a:endParaRPr lang="en-US" sz="2000" dirty="0">
-                        <a:latin typeface="+mn-lt"/>
-                      </a:endParaRPr>
-                    </a:p>
-                  </a:txBody>
-                  <a:tcPr/>
-                </a:tc>
-                <a:tc>
-                  <a:txBody>
-                    <a:bodyPr/>
-                    <a:lstStyle/>
-                    <a:p>
-                      <a:pPr algn="ctr" fontAlgn="b"/>
-                      <a:r>
-                        <a:rPr lang="en-US" sz="2000" b="0" u="none" strike="noStrike" dirty="0">
-                          <a:solidFill>
-                            <a:srgbClr val="000000"/>
-                          </a:solidFill>
-                          <a:effectLst/>
-                        </a:rPr>
-                        <a:t>Auke Creek</a:t>
-                      </a:r>
-                    </a:p>
-                  </a:txBody>
-                  <a:tcPr marL="7620" marR="7620" marT="7620" marB="0" anchor="b"/>
-                </a:tc>
-                <a:tc>
-                  <a:txBody>
-                    <a:bodyPr/>
-                    <a:lstStyle/>
-                    <a:p>
-                      <a:pPr algn="ctr" fontAlgn="b"/>
-                      <a:r>
-                        <a:rPr lang="en-US" sz="2000" b="0" u="none" strike="noStrike" dirty="0">
-                          <a:solidFill>
-                            <a:srgbClr val="000000"/>
-                          </a:solidFill>
-                          <a:effectLst/>
-                        </a:rPr>
-                        <a:t>1235</a:t>
-                      </a:r>
-                      <a:endParaRPr lang="en-US" sz="2000" b="0" i="0" u="none" strike="noStrike" dirty="0">
-                        <a:solidFill>
-                          <a:srgbClr val="000000"/>
-                        </a:solidFill>
-                        <a:effectLst/>
-                        <a:latin typeface="+mn-lt"/>
-                      </a:endParaRPr>
-                    </a:p>
-                  </a:txBody>
-                  <a:tcPr marL="7620" marR="7620" marT="7620" marB="0" anchor="b"/>
-                </a:tc>
-                <a:tc>
-                  <a:txBody>
-                    <a:bodyPr/>
-                    <a:lstStyle/>
-                    <a:p>
-                      <a:pPr algn="ctr" fontAlgn="b"/>
-                      <a:r>
-                        <a:rPr lang="en-US" sz="1400" b="0" i="0" u="none" strike="noStrike" dirty="0">
-                          <a:solidFill>
-                            <a:srgbClr val="000000"/>
-                          </a:solidFill>
-                          <a:effectLst/>
-                          <a:latin typeface="+mn-lt"/>
-                        </a:rPr>
-                        <a:t>Andy quit counting</a:t>
-                      </a:r>
-                    </a:p>
-                  </a:txBody>
-                  <a:tcPr marL="7620" marR="7620" marT="7620" marB="0" anchor="ctr"/>
-                </a:tc>
-                <a:extLst>
-                  <a:ext uri="{0D108BD9-81ED-4DB2-BD59-A6C34878D82A}">
-                    <a16:rowId xmlns:a16="http://schemas.microsoft.com/office/drawing/2014/main" val="1503242982"/>
-                  </a:ext>
-                </a:extLst>
-              </a:tr>
-              <a:tr h="370840">
-                <a:tc>
-                  <a:txBody>
-                    <a:bodyPr/>
-                    <a:lstStyle/>
-                    <a:p>
-                      <a:pPr algn="ctr"/>
-                      <a:r>
-                        <a:rPr lang="en-US" sz="2000" dirty="0"/>
-                        <a:t>2020</a:t>
-                      </a:r>
-                      <a:endParaRPr lang="en-US" sz="2000" dirty="0">
-                        <a:latin typeface="+mn-lt"/>
-                      </a:endParaRPr>
-                    </a:p>
-                  </a:txBody>
-                  <a:tcPr/>
-                </a:tc>
-                <a:tc>
-                  <a:txBody>
-                    <a:bodyPr/>
-                    <a:lstStyle/>
-                    <a:p>
-                      <a:pPr algn="ctr"/>
-                      <a:r>
-                        <a:rPr lang="en-US" sz="2000" dirty="0"/>
-                        <a:t>Auke Creek</a:t>
-                      </a:r>
-                      <a:endParaRPr lang="en-US" sz="2000" dirty="0">
-                        <a:latin typeface="+mn-lt"/>
-                      </a:endParaRPr>
-                    </a:p>
-                  </a:txBody>
-                  <a:tcPr/>
-                </a:tc>
-                <a:tc>
-                  <a:txBody>
-                    <a:bodyPr/>
-                    <a:lstStyle/>
-                    <a:p>
-                      <a:pPr algn="ctr"/>
-                      <a:r>
-                        <a:rPr lang="en-US" sz="2000" dirty="0"/>
-                        <a:t>634</a:t>
-                      </a:r>
-                      <a:endParaRPr lang="en-US" sz="2000" dirty="0">
-                        <a:latin typeface="+mn-lt"/>
-                      </a:endParaRPr>
-                    </a:p>
-                  </a:txBody>
-                  <a:tcPr/>
-                </a:tc>
-                <a:tc>
-                  <a:txBody>
-                    <a:bodyPr/>
-                    <a:lstStyle/>
-                    <a:p>
-                      <a:pPr algn="ctr"/>
-                      <a:r>
-                        <a:rPr lang="en-US" sz="1400" dirty="0">
-                          <a:latin typeface="+mn-lt"/>
-                        </a:rPr>
-                        <a:t>High water 8/30</a:t>
-                      </a:r>
-                    </a:p>
-                  </a:txBody>
-                  <a:tcPr anchor="ctr"/>
-                </a:tc>
-                <a:extLst>
-                  <a:ext uri="{0D108BD9-81ED-4DB2-BD59-A6C34878D82A}">
-                    <a16:rowId xmlns:a16="http://schemas.microsoft.com/office/drawing/2014/main" val="2258635586"/>
-                  </a:ext>
-                </a:extLst>
-              </a:tr>
-              <a:tr h="370840">
-                <a:tc>
-                  <a:txBody>
-                    <a:bodyPr/>
-                    <a:lstStyle/>
-                    <a:p>
-                      <a:pPr algn="ctr"/>
-                      <a:r>
-                        <a:rPr lang="en-US" sz="2000" dirty="0"/>
-                        <a:t>2018</a:t>
-                      </a:r>
-                      <a:endParaRPr lang="en-US" sz="2000" dirty="0">
-                        <a:latin typeface="+mn-lt"/>
-                      </a:endParaRPr>
-                    </a:p>
-                  </a:txBody>
-                  <a:tcPr/>
-                </a:tc>
-                <a:tc>
-                  <a:txBody>
-                    <a:bodyPr/>
-                    <a:lstStyle/>
-                    <a:p>
-                      <a:pPr algn="ctr"/>
-                      <a:r>
-                        <a:rPr lang="en-US" sz="2000" dirty="0">
-                          <a:latin typeface="+mn-lt"/>
-                        </a:rPr>
-                        <a:t>Berners River</a:t>
-                      </a:r>
-                    </a:p>
-                  </a:txBody>
-                  <a:tcPr/>
-                </a:tc>
-                <a:tc>
-                  <a:txBody>
-                    <a:bodyPr/>
-                    <a:lstStyle/>
-                    <a:p>
-                      <a:pPr algn="ctr" fontAlgn="b"/>
-                      <a:r>
-                        <a:rPr lang="en-US" sz="2000" b="0" u="none" strike="noStrike" dirty="0">
-                          <a:solidFill>
-                            <a:srgbClr val="000000"/>
-                          </a:solidFill>
-                          <a:effectLst/>
-                        </a:rPr>
-                        <a:t>3550</a:t>
-                      </a:r>
-                      <a:endParaRPr lang="en-US" sz="2000" b="0" i="0" u="none" strike="noStrike" dirty="0">
-                        <a:solidFill>
-                          <a:srgbClr val="000000"/>
-                        </a:solidFill>
-                        <a:effectLst/>
-                        <a:latin typeface="+mn-lt"/>
-                      </a:endParaRPr>
-                    </a:p>
-                  </a:txBody>
-                  <a:tcPr marL="7620" marR="7620" marT="7620" marB="0" anchor="b"/>
-                </a:tc>
-                <a:tc>
-                  <a:txBody>
-                    <a:bodyPr/>
-                    <a:lstStyle/>
-                    <a:p>
-                      <a:pPr algn="ctr" fontAlgn="b"/>
-                      <a:endParaRPr lang="en-US" sz="1400" b="0" i="0" u="none" strike="noStrike" dirty="0">
-                        <a:solidFill>
-                          <a:srgbClr val="000000"/>
-                        </a:solidFill>
-                        <a:effectLst/>
-                        <a:latin typeface="+mn-lt"/>
-                      </a:endParaRPr>
-                    </a:p>
-                  </a:txBody>
-                  <a:tcPr marL="7620" marR="7620" marT="7620" marB="0" anchor="ctr"/>
-                </a:tc>
-                <a:extLst>
-                  <a:ext uri="{0D108BD9-81ED-4DB2-BD59-A6C34878D82A}">
-                    <a16:rowId xmlns:a16="http://schemas.microsoft.com/office/drawing/2014/main" val="4061931577"/>
-                  </a:ext>
-                </a:extLst>
-              </a:tr>
-              <a:tr h="370840">
-                <a:tc>
-                  <a:txBody>
-                    <a:bodyPr/>
-                    <a:lstStyle/>
-                    <a:p>
-                      <a:pPr algn="ctr"/>
-                      <a:r>
-                        <a:rPr lang="en-US" sz="2000" dirty="0"/>
-                        <a:t>2019</a:t>
-                      </a:r>
-                      <a:endParaRPr lang="en-US" sz="2000" dirty="0">
-                        <a:latin typeface="+mn-lt"/>
-                      </a:endParaRPr>
-                    </a:p>
-                  </a:txBody>
-                  <a:tcPr/>
-                </a:tc>
-                <a:tc>
-                  <a:txBody>
-                    <a:bodyPr/>
-                    <a:lstStyle/>
-                    <a:p>
-                      <a:pPr algn="ctr"/>
-                      <a:r>
-                        <a:rPr lang="en-US" sz="2000" dirty="0">
-                          <a:latin typeface="+mn-lt"/>
-                        </a:rPr>
-                        <a:t>Berners River</a:t>
-                      </a:r>
-                    </a:p>
-                  </a:txBody>
-                  <a:tcPr/>
-                </a:tc>
-                <a:tc>
-                  <a:txBody>
-                    <a:bodyPr/>
-                    <a:lstStyle/>
-                    <a:p>
-                      <a:pPr algn="ctr" fontAlgn="b"/>
-                      <a:r>
-                        <a:rPr lang="en-US" sz="2000" b="0" u="none" strike="noStrike" dirty="0">
-                          <a:solidFill>
-                            <a:srgbClr val="000000"/>
-                          </a:solidFill>
-                          <a:effectLst/>
-                        </a:rPr>
-                        <a:t>9405</a:t>
-                      </a:r>
-                      <a:endParaRPr lang="en-US" sz="2000" b="0" i="0" u="none" strike="noStrike" dirty="0">
-                        <a:solidFill>
-                          <a:srgbClr val="000000"/>
-                        </a:solidFill>
-                        <a:effectLst/>
-                        <a:latin typeface="+mn-lt"/>
-                      </a:endParaRPr>
-                    </a:p>
-                  </a:txBody>
-                  <a:tcPr marL="7620" marR="7620" marT="7620" marB="0" anchor="b"/>
-                </a:tc>
-                <a:tc>
-                  <a:txBody>
-                    <a:bodyPr/>
-                    <a:lstStyle/>
-                    <a:p>
-                      <a:pPr algn="ctr" fontAlgn="b"/>
-                      <a:endParaRPr lang="en-US" sz="1400" b="0" i="0" u="none" strike="noStrike" dirty="0">
-                        <a:solidFill>
-                          <a:srgbClr val="000000"/>
-                        </a:solidFill>
-                        <a:effectLst/>
-                        <a:latin typeface="+mn-lt"/>
-                      </a:endParaRPr>
-                    </a:p>
-                  </a:txBody>
-                  <a:tcPr marL="7620" marR="7620" marT="7620" marB="0" anchor="ctr"/>
-                </a:tc>
-                <a:extLst>
-                  <a:ext uri="{0D108BD9-81ED-4DB2-BD59-A6C34878D82A}">
-                    <a16:rowId xmlns:a16="http://schemas.microsoft.com/office/drawing/2014/main" val="2959572238"/>
-                  </a:ext>
-                </a:extLst>
-              </a:tr>
-              <a:tr h="370840">
-                <a:tc>
-                  <a:txBody>
-                    <a:bodyPr/>
-                    <a:lstStyle/>
-                    <a:p>
-                      <a:pPr algn="ctr"/>
-                      <a:r>
-                        <a:rPr lang="en-US" sz="2000" dirty="0"/>
-                        <a:t>2020</a:t>
-                      </a:r>
-                      <a:endParaRPr lang="en-US" sz="2000" dirty="0">
-                        <a:latin typeface="+mn-lt"/>
-                      </a:endParaRPr>
-                    </a:p>
-                  </a:txBody>
-                  <a:tcPr/>
-                </a:tc>
-                <a:tc>
-                  <a:txBody>
-                    <a:bodyPr/>
-                    <a:lstStyle/>
-                    <a:p>
-                      <a:pPr algn="ctr"/>
-                      <a:r>
-                        <a:rPr lang="en-US" sz="2000" dirty="0">
-                          <a:latin typeface="+mn-lt"/>
-                        </a:rPr>
-                        <a:t>Berners River</a:t>
-                      </a:r>
-                    </a:p>
-                  </a:txBody>
-                  <a:tcPr/>
-                </a:tc>
-                <a:tc>
-                  <a:txBody>
-                    <a:bodyPr/>
-                    <a:lstStyle/>
-                    <a:p>
-                      <a:pPr algn="ctr"/>
-                      <a:r>
-                        <a:rPr lang="en-US" sz="2000" dirty="0"/>
-                        <a:t>3296</a:t>
-                      </a:r>
-                      <a:endParaRPr lang="en-US" sz="2000" dirty="0">
-                        <a:latin typeface="+mn-lt"/>
-                      </a:endParaRPr>
-                    </a:p>
-                  </a:txBody>
-                  <a:tcPr/>
-                </a:tc>
-                <a:tc>
-                  <a:txBody>
-                    <a:bodyPr/>
-                    <a:lstStyle/>
-                    <a:p>
-                      <a:pPr algn="ctr"/>
-                      <a:r>
-                        <a:rPr lang="en-US" sz="1400" dirty="0">
-                          <a:latin typeface="+mn-lt"/>
-                        </a:rPr>
-                        <a:t>Not a peak count</a:t>
-                      </a:r>
-                    </a:p>
-                  </a:txBody>
-                  <a:tcPr anchor="ctr"/>
-                </a:tc>
-                <a:extLst>
-                  <a:ext uri="{0D108BD9-81ED-4DB2-BD59-A6C34878D82A}">
-                    <a16:rowId xmlns:a16="http://schemas.microsoft.com/office/drawing/2014/main" val="1714161499"/>
-                  </a:ext>
-                </a:extLst>
-              </a:tr>
-              <a:tr h="370840">
-                <a:tc>
-                  <a:txBody>
-                    <a:bodyPr/>
-                    <a:lstStyle/>
-                    <a:p>
-                      <a:pPr algn="ctr"/>
-                      <a:r>
-                        <a:rPr lang="en-US" sz="2000" dirty="0"/>
-                        <a:t>2018</a:t>
-                      </a:r>
-                      <a:endParaRPr lang="en-US" sz="2000" dirty="0">
-                        <a:latin typeface="+mn-lt"/>
-                      </a:endParaRPr>
-                    </a:p>
-                  </a:txBody>
-                  <a:tcPr/>
-                </a:tc>
-                <a:tc>
-                  <a:txBody>
-                    <a:bodyPr/>
-                    <a:lstStyle/>
-                    <a:p>
-                      <a:pPr algn="ctr"/>
-                      <a:r>
-                        <a:rPr lang="en-US" sz="2000" dirty="0">
-                          <a:latin typeface="+mn-lt"/>
-                        </a:rPr>
-                        <a:t>Hugh Smith</a:t>
-                      </a:r>
-                    </a:p>
-                  </a:txBody>
-                  <a:tcPr/>
-                </a:tc>
-                <a:tc>
-                  <a:txBody>
-                    <a:bodyPr/>
-                    <a:lstStyle/>
-                    <a:p>
-                      <a:pPr algn="ctr" fontAlgn="b"/>
-                      <a:r>
-                        <a:rPr lang="en-US" sz="2000" b="0" u="none" strike="noStrike" dirty="0">
-                          <a:solidFill>
-                            <a:srgbClr val="000000"/>
-                          </a:solidFill>
-                          <a:effectLst/>
-                        </a:rPr>
-                        <a:t>619</a:t>
-                      </a:r>
-                      <a:endParaRPr lang="en-US" sz="2000" b="0" i="0" u="none" strike="noStrike" dirty="0">
-                        <a:solidFill>
-                          <a:srgbClr val="000000"/>
-                        </a:solidFill>
-                        <a:effectLst/>
-                        <a:latin typeface="+mn-lt"/>
-                      </a:endParaRPr>
-                    </a:p>
-                  </a:txBody>
-                  <a:tcPr marL="7620" marR="7620" marT="7620" marB="0" anchor="b"/>
-                </a:tc>
-                <a:tc>
-                  <a:txBody>
-                    <a:bodyPr/>
-                    <a:lstStyle/>
-                    <a:p>
-                      <a:pPr algn="ctr" fontAlgn="b"/>
-                      <a:endParaRPr lang="en-US" sz="1400" b="0" i="0" u="none" strike="noStrike" dirty="0">
-                        <a:solidFill>
-                          <a:srgbClr val="000000"/>
-                        </a:solidFill>
-                        <a:effectLst/>
-                        <a:latin typeface="+mn-lt"/>
-                      </a:endParaRPr>
-                    </a:p>
-                  </a:txBody>
-                  <a:tcPr marL="7620" marR="7620" marT="7620" marB="0" anchor="ctr"/>
-                </a:tc>
-                <a:extLst>
-                  <a:ext uri="{0D108BD9-81ED-4DB2-BD59-A6C34878D82A}">
-                    <a16:rowId xmlns:a16="http://schemas.microsoft.com/office/drawing/2014/main" val="2881580272"/>
-                  </a:ext>
-                </a:extLst>
-              </a:tr>
-              <a:tr h="370840">
-                <a:tc>
-                  <a:txBody>
-                    <a:bodyPr/>
-                    <a:lstStyle/>
-                    <a:p>
-                      <a:pPr algn="ctr"/>
-                      <a:r>
-                        <a:rPr lang="en-US" sz="2000" dirty="0"/>
-                        <a:t>2019</a:t>
-                      </a:r>
-                      <a:endParaRPr lang="en-US" sz="2000" dirty="0">
-                        <a:latin typeface="+mn-lt"/>
-                      </a:endParaRPr>
-                    </a:p>
-                  </a:txBody>
-                  <a:tcPr/>
-                </a:tc>
-                <a:tc>
-                  <a:txBody>
-                    <a:bodyPr/>
-                    <a:lstStyle/>
-                    <a:p>
-                      <a:pPr algn="ctr"/>
-                      <a:r>
-                        <a:rPr lang="en-US" sz="2000" dirty="0">
-                          <a:latin typeface="+mn-lt"/>
-                        </a:rPr>
-                        <a:t>Hugh Smith</a:t>
-                      </a:r>
-                    </a:p>
-                  </a:txBody>
-                  <a:tcPr/>
-                </a:tc>
-                <a:tc>
-                  <a:txBody>
-                    <a:bodyPr/>
-                    <a:lstStyle/>
-                    <a:p>
-                      <a:pPr algn="ctr" fontAlgn="b"/>
-                      <a:r>
-                        <a:rPr lang="en-US" sz="2000" b="0" u="none" strike="noStrike" dirty="0">
-                          <a:solidFill>
-                            <a:srgbClr val="000000"/>
-                          </a:solidFill>
-                          <a:effectLst/>
-                        </a:rPr>
-                        <a:t>1235</a:t>
-                      </a:r>
-                      <a:endParaRPr lang="en-US" sz="2000" b="0" i="0" u="none" strike="noStrike" dirty="0">
-                        <a:solidFill>
-                          <a:srgbClr val="000000"/>
-                        </a:solidFill>
-                        <a:effectLst/>
-                        <a:latin typeface="+mn-lt"/>
-                      </a:endParaRPr>
-                    </a:p>
-                  </a:txBody>
-                  <a:tcPr marL="7620" marR="7620" marT="7620" marB="0" anchor="b"/>
-                </a:tc>
-                <a:tc>
-                  <a:txBody>
-                    <a:bodyPr/>
-                    <a:lstStyle/>
-                    <a:p>
-                      <a:pPr marL="0" marR="0" lvl="0" indent="0" algn="ctr" defTabSz="914400" rtl="0" eaLnBrk="1" fontAlgn="b" latinLnBrk="0" hangingPunct="1">
-                        <a:lnSpc>
-                          <a:spcPct val="100000"/>
-                        </a:lnSpc>
-                        <a:spcBef>
-                          <a:spcPts val="0"/>
-                        </a:spcBef>
-                        <a:spcAft>
-                          <a:spcPts val="0"/>
-                        </a:spcAft>
-                        <a:buClrTx/>
-                        <a:buSzTx/>
-                        <a:buFontTx/>
-                        <a:buNone/>
-                        <a:tabLst/>
-                        <a:defRPr/>
-                      </a:pPr>
-                      <a:r>
-                        <a:rPr lang="en-US" sz="1400" dirty="0">
-                          <a:latin typeface="+mn-lt"/>
-                        </a:rPr>
-                        <a:t>Prob 100 fish low</a:t>
-                      </a:r>
-                    </a:p>
-                  </a:txBody>
-                  <a:tcPr marL="7620" marR="7620" marT="7620" marB="0" anchor="ctr"/>
-                </a:tc>
-                <a:extLst>
-                  <a:ext uri="{0D108BD9-81ED-4DB2-BD59-A6C34878D82A}">
-                    <a16:rowId xmlns:a16="http://schemas.microsoft.com/office/drawing/2014/main" val="2152170278"/>
-                  </a:ext>
-                </a:extLst>
-              </a:tr>
-              <a:tr h="370840">
-                <a:tc>
-                  <a:txBody>
-                    <a:bodyPr/>
-                    <a:lstStyle/>
-                    <a:p>
-                      <a:pPr algn="ctr"/>
-                      <a:r>
-                        <a:rPr lang="en-US" sz="2000" dirty="0"/>
-                        <a:t>2020</a:t>
-                      </a:r>
-                      <a:endParaRPr lang="en-US" sz="2000" dirty="0">
-                        <a:latin typeface="+mn-lt"/>
-                      </a:endParaRPr>
-                    </a:p>
-                  </a:txBody>
-                  <a:tcPr/>
-                </a:tc>
-                <a:tc>
-                  <a:txBody>
-                    <a:bodyPr/>
-                    <a:lstStyle/>
-                    <a:p>
-                      <a:pPr algn="ctr"/>
-                      <a:r>
-                        <a:rPr lang="en-US" sz="2000" dirty="0">
-                          <a:latin typeface="+mn-lt"/>
-                        </a:rPr>
-                        <a:t>Hugh Smith</a:t>
-                      </a:r>
-                    </a:p>
-                  </a:txBody>
-                  <a:tcPr/>
-                </a:tc>
-                <a:tc>
-                  <a:txBody>
-                    <a:bodyPr/>
-                    <a:lstStyle/>
-                    <a:p>
-                      <a:pPr algn="ctr"/>
-                      <a:r>
-                        <a:rPr lang="en-US" sz="2000" dirty="0"/>
-                        <a:t>634</a:t>
-                      </a:r>
-                      <a:endParaRPr lang="en-US" sz="2000" dirty="0">
-                        <a:latin typeface="+mn-lt"/>
-                      </a:endParaRPr>
-                    </a:p>
-                  </a:txBody>
-                  <a:tcPr/>
-                </a:tc>
-                <a:tc>
-                  <a:txBody>
-                    <a:bodyPr/>
-                    <a:lstStyle/>
-                    <a:p>
-                      <a:pPr algn="ctr"/>
-                      <a:r>
-                        <a:rPr lang="en-US" sz="1400" dirty="0">
-                          <a:latin typeface="+mn-lt"/>
-                        </a:rPr>
-                        <a:t>Andy didn’t count jacks</a:t>
-                      </a:r>
-                    </a:p>
-                  </a:txBody>
-                  <a:tcPr anchor="ctr"/>
-                </a:tc>
-                <a:extLst>
-                  <a:ext uri="{0D108BD9-81ED-4DB2-BD59-A6C34878D82A}">
-                    <a16:rowId xmlns:a16="http://schemas.microsoft.com/office/drawing/2014/main" val="1645221756"/>
-                  </a:ext>
-                </a:extLst>
-              </a:tr>
-            </a:tbl>
-          </a:graphicData>
-        </a:graphic>
-      </p:graphicFrame>
-      <p:sp>
-        <p:nvSpPr>
-          <p:cNvPr id="9" name="TextBox 8">
-            <a:extLst>
-              <a:ext uri="{FF2B5EF4-FFF2-40B4-BE49-F238E27FC236}">
-                <a16:creationId xmlns:a16="http://schemas.microsoft.com/office/drawing/2014/main" id="{FA1FB079-744E-47C5-8873-12A2B57385C8}"/>
-              </a:ext>
-            </a:extLst>
-          </p:cNvPr>
-          <p:cNvSpPr txBox="1"/>
-          <p:nvPr/>
-        </p:nvSpPr>
-        <p:spPr>
-          <a:xfrm>
-            <a:off x="817652" y="1462948"/>
-            <a:ext cx="10341204" cy="584775"/>
-          </a:xfrm>
-          <a:prstGeom prst="rect">
-            <a:avLst/>
-          </a:prstGeom>
-          <a:noFill/>
-          <a:ln>
-            <a:solidFill>
-              <a:srgbClr val="38D7EC"/>
-            </a:solidFill>
-          </a:ln>
-          <a:effectLst>
-            <a:glow rad="38100">
-              <a:srgbClr val="38D7EC"/>
-            </a:glow>
-          </a:effectLst>
-        </p:spPr>
-        <p:txBody>
-          <a:bodyPr wrap="square" rtlCol="0">
-            <a:spAutoFit/>
-          </a:bodyPr>
-          <a:lstStyle/>
-          <a:p>
-            <a:pPr algn="ctr"/>
-            <a:r>
-              <a:rPr lang="en-US" sz="3200" dirty="0"/>
-              <a:t>To see why: if there were a comment, which does it refer to? </a:t>
-            </a:r>
-          </a:p>
-        </p:txBody>
-      </p:sp>
-    </p:spTree>
-    <p:extLst>
-      <p:ext uri="{BB962C8B-B14F-4D97-AF65-F5344CB8AC3E}">
-        <p14:creationId xmlns:p14="http://schemas.microsoft.com/office/powerpoint/2010/main" val="567591901"/>
-      </p:ext>
-    </p:extLst>
-  </p:cSld>
-  <p:clrMapOvr>
-    <a:masterClrMapping/>
-  </p:clrMapOvr>
-  <p:timing>
-    <p:tnLst>
-      <p:par>
-        <p:cTn id="1" dur="indefinite" restart="never" nodeType="tmRoot">
-          <p:childTnLst>
-            <p:seq concurrent="1" nextAc="seek">
-              <p:cTn id="2" dur="indefinite" nodeType="mainSeq">
-                <p:childTnLst>
-                  <p:par>
-                    <p:cTn id="3" fill="hold">
-                      <p:stCondLst>
-                        <p:cond delay="indefinite"/>
-                      </p:stCondLst>
-                      <p:childTnLst>
-                        <p:par>
-                          <p:cTn id="4" fill="hold">
-                            <p:stCondLst>
-                              <p:cond delay="0"/>
-                            </p:stCondLst>
-                            <p:childTnLst>
-                              <p:par>
-                                <p:cTn id="5" presetID="1" presetClass="entr" presetSubtype="0" fill="hold" nodeType="clickEffect">
-                                  <p:stCondLst>
-                                    <p:cond delay="0"/>
-                                  </p:stCondLst>
-                                  <p:childTnLst>
-                                    <p:set>
-                                      <p:cBhvr>
-                                        <p:cTn id="6" dur="1" fill="hold">
-                                          <p:stCondLst>
-                                            <p:cond delay="0"/>
-                                          </p:stCondLst>
-                                        </p:cTn>
-                                        <p:tgtEl>
-                                          <p:spTgt spid="3"/>
-                                        </p:tgtEl>
-                                        <p:attrNameLst>
-                                          <p:attrName>style.visibility</p:attrName>
-                                        </p:attrNameLst>
-                                      </p:cBhvr>
-                                      <p:to>
-                                        <p:strVal val="visible"/>
-                                      </p:to>
-                                    </p:set>
-                                  </p:childTnLst>
-                                </p:cTn>
-                              </p:par>
-                            </p:childTnLst>
-                          </p:cTn>
-                        </p:par>
-                      </p:childTnLst>
-                    </p:cTn>
-                  </p:par>
-                  <p:par>
-                    <p:cTn id="7" fill="hold">
-                      <p:stCondLst>
-                        <p:cond delay="indefinite"/>
-                      </p:stCondLst>
-                      <p:childTnLst>
-                        <p:par>
-                          <p:cTn id="8" fill="hold">
-                            <p:stCondLst>
-                              <p:cond delay="0"/>
-                            </p:stCondLst>
-                            <p:childTnLst>
-                              <p:par>
-                                <p:cTn id="9" presetID="1" presetClass="entr" presetSubtype="0" fill="hold" nodeType="clickEffect">
-                                  <p:stCondLst>
-                                    <p:cond delay="0"/>
-                                  </p:stCondLst>
-                                  <p:childTnLst>
-                                    <p:set>
-                                      <p:cBhvr>
-                                        <p:cTn id="10" dur="1" fill="hold">
-                                          <p:stCondLst>
-                                            <p:cond delay="0"/>
-                                          </p:stCondLst>
-                                        </p:cTn>
-                                        <p:tgtEl>
-                                          <p:spTgt spid="11"/>
-                                        </p:tgtEl>
-                                        <p:attrNameLst>
-                                          <p:attrName>style.visibility</p:attrName>
-                                        </p:attrNameLst>
-                                      </p:cBhvr>
-                                      <p:to>
-                                        <p:strVal val="visible"/>
-                                      </p:to>
-                                    </p:set>
-                                  </p:childTnLst>
-                                </p:cTn>
-                              </p:par>
-                            </p:childTnLst>
-                          </p:cTn>
-                        </p:par>
-                      </p:childTnLst>
-                    </p:cTn>
-                  </p:par>
-                </p:childTnLst>
-              </p:cTn>
-              <p:prevCondLst>
-                <p:cond evt="onPrev" delay="0">
-                  <p:tgtEl>
-                    <p:sldTgt/>
-                  </p:tgtEl>
-                </p:cond>
-              </p:prevCondLst>
-              <p:nextCondLst>
-                <p:cond evt="onNext" delay="0">
-                  <p:tgtEl>
-                    <p:sldTgt/>
-                  </p:tgtEl>
-                </p:cond>
-              </p:nextCondLst>
-            </p:seq>
-          </p:childTnLst>
-        </p:cTn>
-      </p:par>
-    </p:tnLst>
-  </p:timing>
-</p:sld>
-</file>
-
-<file path=ppt/slides/slide11.xml><?xml version="1.0" encoding="utf-8"?>
-<p:sld xmlns:a="http://schemas.openxmlformats.org/drawingml/2006/main" xmlns:r="http://schemas.openxmlformats.org/officeDocument/2006/relationships" xmlns:p="http://schemas.openxmlformats.org/presentationml/2006/main">
-  <p:cSld>
-    <p:spTree>
-      <p:nvGrpSpPr>
-        <p:cNvPr id="1" name=""/>
-        <p:cNvGrpSpPr/>
-        <p:nvPr/>
-      </p:nvGrpSpPr>
-      <p:grpSpPr>
-        <a:xfrm>
-          <a:off x="0" y="0"/>
-          <a:ext cx="0" cy="0"/>
-          <a:chOff x="0" y="0"/>
-          <a:chExt cx="0" cy="0"/>
-        </a:xfrm>
-      </p:grpSpPr>
-      <p:sp>
-        <p:nvSpPr>
-          <p:cNvPr id="2" name="Title 1">
-            <a:extLst>
-              <a:ext uri="{FF2B5EF4-FFF2-40B4-BE49-F238E27FC236}">
-                <a16:creationId xmlns:a16="http://schemas.microsoft.com/office/drawing/2014/main" id="{67A4FBFC-FCEE-4C79-84B0-769850141E1D}"/>
-              </a:ext>
-            </a:extLst>
-          </p:cNvPr>
-          <p:cNvSpPr>
-            <a:spLocks noGrp="1"/>
-          </p:cNvSpPr>
-          <p:nvPr>
-            <p:ph type="title"/>
-          </p:nvPr>
-        </p:nvSpPr>
-        <p:spPr/>
-        <p:txBody>
-          <a:bodyPr/>
-          <a:lstStyle/>
-          <a:p>
-            <a:r>
-              <a:rPr lang="en-US" dirty="0"/>
-              <a:t>Tidy Data</a:t>
-            </a:r>
-          </a:p>
-        </p:txBody>
-      </p:sp>
-      <p:sp>
-        <p:nvSpPr>
-          <p:cNvPr id="4" name="Slide Number Placeholder 3">
-            <a:extLst>
-              <a:ext uri="{FF2B5EF4-FFF2-40B4-BE49-F238E27FC236}">
-                <a16:creationId xmlns:a16="http://schemas.microsoft.com/office/drawing/2014/main" id="{DC6D67EA-EE5B-493D-A381-97373ECEA1F6}"/>
-              </a:ext>
-            </a:extLst>
-          </p:cNvPr>
-          <p:cNvSpPr>
-            <a:spLocks noGrp="1"/>
-          </p:cNvSpPr>
-          <p:nvPr>
-            <p:ph type="sldNum" sz="quarter" idx="12"/>
-          </p:nvPr>
-        </p:nvSpPr>
-        <p:spPr/>
-        <p:txBody>
-          <a:bodyPr/>
-          <a:lstStyle/>
-          <a:p>
-            <a:fld id="{6D95AE55-B5F4-483D-AEFF-E8059F5502F5}" type="slidenum">
-              <a:rPr lang="en-US" smtClean="0"/>
-              <a:t>11</a:t>
             </a:fld>
             <a:endParaRPr lang="en-US"/>
           </a:p>
@@ -10375,7 +8746,7 @@
 </p:sld>
 </file>
 
-<file path=ppt/slides/slide12.xml><?xml version="1.0" encoding="utf-8"?>
+<file path=ppt/slides/slide11.xml><?xml version="1.0" encoding="utf-8"?>
 <p:sld xmlns:a="http://schemas.openxmlformats.org/drawingml/2006/main" xmlns:r="http://schemas.openxmlformats.org/officeDocument/2006/relationships" xmlns:p="http://schemas.openxmlformats.org/presentationml/2006/main">
   <p:cSld>
     <p:spTree>
@@ -10517,7 +8888,7 @@
           <a:p>
             <a:fld id="{6D95AE55-B5F4-483D-AEFF-E8059F5502F5}" type="slidenum">
               <a:rPr lang="en-US" smtClean="0"/>
-              <a:t>12</a:t>
+              <a:t>11</a:t>
             </a:fld>
             <a:endParaRPr lang="en-US"/>
           </a:p>
@@ -10779,7 +9150,860 @@
 </p:sld>
 </file>
 
+<file path=ppt/slides/slide12.xml><?xml version="1.0" encoding="utf-8"?>
+<p:sld xmlns:a="http://schemas.openxmlformats.org/drawingml/2006/main" xmlns:r="http://schemas.openxmlformats.org/officeDocument/2006/relationships" xmlns:p="http://schemas.openxmlformats.org/presentationml/2006/main">
+  <p:cSld>
+    <p:spTree>
+      <p:nvGrpSpPr>
+        <p:cNvPr id="1" name=""/>
+        <p:cNvGrpSpPr/>
+        <p:nvPr/>
+      </p:nvGrpSpPr>
+      <p:grpSpPr>
+        <a:xfrm>
+          <a:off x="0" y="0"/>
+          <a:ext cx="0" cy="0"/>
+          <a:chOff x="0" y="0"/>
+          <a:chExt cx="0" cy="0"/>
+        </a:xfrm>
+      </p:grpSpPr>
+      <p:sp>
+        <p:nvSpPr>
+          <p:cNvPr id="3" name="Title 2">
+            <a:extLst>
+              <a:ext uri="{FF2B5EF4-FFF2-40B4-BE49-F238E27FC236}">
+                <a16:creationId xmlns:a16="http://schemas.microsoft.com/office/drawing/2014/main" id="{CBD51126-A266-41EC-95BB-BDE3FDB21AAF}"/>
+              </a:ext>
+            </a:extLst>
+          </p:cNvPr>
+          <p:cNvSpPr>
+            <a:spLocks noGrp="1"/>
+          </p:cNvSpPr>
+          <p:nvPr>
+            <p:ph type="title"/>
+          </p:nvPr>
+        </p:nvSpPr>
+        <p:spPr/>
+        <p:txBody>
+          <a:bodyPr/>
+          <a:lstStyle/>
+          <a:p>
+            <a:r>
+              <a:rPr lang="en-US" dirty="0"/>
+              <a:t>Data Do’s &amp; Data Don’ts </a:t>
+            </a:r>
+          </a:p>
+        </p:txBody>
+      </p:sp>
+      <p:sp>
+        <p:nvSpPr>
+          <p:cNvPr id="4" name="Content Placeholder 3">
+            <a:extLst>
+              <a:ext uri="{FF2B5EF4-FFF2-40B4-BE49-F238E27FC236}">
+                <a16:creationId xmlns:a16="http://schemas.microsoft.com/office/drawing/2014/main" id="{622526AC-7E7A-498F-9751-BA674743F594}"/>
+              </a:ext>
+            </a:extLst>
+          </p:cNvPr>
+          <p:cNvSpPr>
+            <a:spLocks noGrp="1"/>
+          </p:cNvSpPr>
+          <p:nvPr>
+            <p:ph idx="1"/>
+          </p:nvPr>
+        </p:nvSpPr>
+        <p:spPr>
+          <a:xfrm>
+            <a:off x="446567" y="1616149"/>
+            <a:ext cx="11355573" cy="5056382"/>
+          </a:xfrm>
+        </p:spPr>
+        <p:txBody>
+          <a:bodyPr>
+            <a:normAutofit fontScale="92500" lnSpcReduction="10000"/>
+          </a:bodyPr>
+          <a:lstStyle/>
+          <a:p>
+            <a:r>
+              <a:rPr lang="en-US" dirty="0"/>
+              <a:t>Use </a:t>
+            </a:r>
+            <a:r>
+              <a:rPr lang="en-US" dirty="0" err="1"/>
+              <a:t>unsummarized</a:t>
+            </a:r>
+            <a:r>
+              <a:rPr lang="en-US" dirty="0"/>
+              <a:t> data (if possible)</a:t>
+            </a:r>
+          </a:p>
+          <a:p>
+            <a:pPr>
+              <a:spcBef>
+                <a:spcPts val="3600"/>
+              </a:spcBef>
+            </a:pPr>
+            <a:r>
+              <a:rPr lang="en-US" dirty="0"/>
+              <a:t>To the extent possible, do cleanup in R so that if you re-download from your database (e.g., </a:t>
+            </a:r>
+            <a:r>
+              <a:rPr lang="en-US" dirty="0" err="1"/>
+              <a:t>OceanAK</a:t>
+            </a:r>
+            <a:r>
+              <a:rPr lang="en-US" dirty="0"/>
+              <a:t>) you don’t have to spend time changing things</a:t>
+            </a:r>
+          </a:p>
+          <a:p>
+            <a:pPr lvl="1"/>
+            <a:r>
+              <a:rPr lang="en-US" dirty="0"/>
+              <a:t>Starting out, you can “cheat” and clean up in Excel first</a:t>
+            </a:r>
+          </a:p>
+          <a:p>
+            <a:pPr lvl="1"/>
+            <a:r>
+              <a:rPr lang="en-US" dirty="0"/>
+              <a:t>It is </a:t>
+            </a:r>
+            <a:r>
+              <a:rPr lang="en-US" i="1" dirty="0"/>
+              <a:t>highly </a:t>
+            </a:r>
+            <a:r>
+              <a:rPr lang="en-US" dirty="0"/>
+              <a:t>recommended to bite the bullet and do all of this in R!</a:t>
+            </a:r>
+          </a:p>
+          <a:p>
+            <a:pPr>
+              <a:spcBef>
+                <a:spcPts val="3600"/>
+              </a:spcBef>
+            </a:pPr>
+            <a:r>
+              <a:rPr lang="en-US" dirty="0"/>
+              <a:t>Don’t use “tabled” data, e.g., Year by Stream</a:t>
+            </a:r>
+          </a:p>
+          <a:p>
+            <a:pPr lvl="1"/>
+            <a:r>
+              <a:rPr lang="en-US" dirty="0"/>
+              <a:t>Use “long” format with many rows where each row is a year and a stream</a:t>
+            </a:r>
+          </a:p>
+          <a:p>
+            <a:pPr>
+              <a:spcBef>
+                <a:spcPts val="3600"/>
+              </a:spcBef>
+            </a:pPr>
+            <a:r>
+              <a:rPr lang="en-US" dirty="0"/>
+              <a:t>Use “tidy” data where:</a:t>
+            </a:r>
+          </a:p>
+          <a:p>
+            <a:pPr marL="457200" lvl="1" indent="0">
+              <a:buNone/>
+            </a:pPr>
+            <a:r>
+              <a:rPr lang="en-US" dirty="0"/>
+              <a:t>- Every column is variable.   - Every row is an observation.    - Every cell is a single value.</a:t>
+            </a:r>
+            <a:endParaRPr lang="en-US" dirty="0">
+              <a:hlinkClick r:id="rId3"/>
+            </a:endParaRPr>
+          </a:p>
+          <a:p>
+            <a:pPr lvl="1"/>
+            <a:r>
+              <a:rPr lang="en-US" dirty="0">
+                <a:hlinkClick r:id="rId3"/>
+              </a:rPr>
+              <a:t>More info here</a:t>
+            </a:r>
+            <a:endParaRPr lang="en-US" dirty="0"/>
+          </a:p>
+          <a:p>
+            <a:endParaRPr lang="en-US" dirty="0"/>
+          </a:p>
+        </p:txBody>
+      </p:sp>
+      <p:sp>
+        <p:nvSpPr>
+          <p:cNvPr id="5" name="Slide Number Placeholder 4">
+            <a:extLst>
+              <a:ext uri="{FF2B5EF4-FFF2-40B4-BE49-F238E27FC236}">
+                <a16:creationId xmlns:a16="http://schemas.microsoft.com/office/drawing/2014/main" id="{E96AE24A-84E8-40ED-95ED-2E44A87F9D8D}"/>
+              </a:ext>
+            </a:extLst>
+          </p:cNvPr>
+          <p:cNvSpPr>
+            <a:spLocks noGrp="1"/>
+          </p:cNvSpPr>
+          <p:nvPr>
+            <p:ph type="sldNum" sz="quarter" idx="12"/>
+          </p:nvPr>
+        </p:nvSpPr>
+        <p:spPr/>
+        <p:txBody>
+          <a:bodyPr/>
+          <a:lstStyle/>
+          <a:p>
+            <a:fld id="{6D95AE55-B5F4-483D-AEFF-E8059F5502F5}" type="slidenum">
+              <a:rPr lang="en-US" smtClean="0"/>
+              <a:t>12</a:t>
+            </a:fld>
+            <a:endParaRPr lang="en-US"/>
+          </a:p>
+        </p:txBody>
+      </p:sp>
+    </p:spTree>
+    <p:extLst>
+      <p:ext uri="{BB962C8B-B14F-4D97-AF65-F5344CB8AC3E}">
+        <p14:creationId xmlns:p14="http://schemas.microsoft.com/office/powerpoint/2010/main" val="3581434168"/>
+      </p:ext>
+    </p:extLst>
+  </p:cSld>
+  <p:clrMapOvr>
+    <a:masterClrMapping/>
+  </p:clrMapOvr>
+  <p:timing>
+    <p:tnLst>
+      <p:par>
+        <p:cTn id="1" dur="indefinite" restart="never" nodeType="tmRoot">
+          <p:childTnLst>
+            <p:seq concurrent="1" nextAc="seek">
+              <p:cTn id="2" dur="indefinite" nodeType="mainSeq">
+                <p:childTnLst>
+                  <p:par>
+                    <p:cTn id="3" fill="hold">
+                      <p:stCondLst>
+                        <p:cond delay="indefinite"/>
+                      </p:stCondLst>
+                      <p:childTnLst>
+                        <p:par>
+                          <p:cTn id="4" fill="hold">
+                            <p:stCondLst>
+                              <p:cond delay="0"/>
+                            </p:stCondLst>
+                            <p:childTnLst>
+                              <p:par>
+                                <p:cTn id="5" presetID="1" presetClass="entr" presetSubtype="0" fill="hold" nodeType="clickEffect">
+                                  <p:stCondLst>
+                                    <p:cond delay="0"/>
+                                  </p:stCondLst>
+                                  <p:childTnLst>
+                                    <p:set>
+                                      <p:cBhvr>
+                                        <p:cTn id="6" dur="1" fill="hold">
+                                          <p:stCondLst>
+                                            <p:cond delay="0"/>
+                                          </p:stCondLst>
+                                        </p:cTn>
+                                        <p:tgtEl>
+                                          <p:spTgt spid="4">
+                                            <p:txEl>
+                                              <p:pRg st="1" end="1"/>
+                                            </p:txEl>
+                                          </p:spTgt>
+                                        </p:tgtEl>
+                                        <p:attrNameLst>
+                                          <p:attrName>style.visibility</p:attrName>
+                                        </p:attrNameLst>
+                                      </p:cBhvr>
+                                      <p:to>
+                                        <p:strVal val="visible"/>
+                                      </p:to>
+                                    </p:set>
+                                  </p:childTnLst>
+                                </p:cTn>
+                              </p:par>
+                              <p:par>
+                                <p:cTn id="7" presetID="1" presetClass="entr" presetSubtype="0" fill="hold" nodeType="withEffect">
+                                  <p:stCondLst>
+                                    <p:cond delay="0"/>
+                                  </p:stCondLst>
+                                  <p:childTnLst>
+                                    <p:set>
+                                      <p:cBhvr>
+                                        <p:cTn id="8" dur="1" fill="hold">
+                                          <p:stCondLst>
+                                            <p:cond delay="0"/>
+                                          </p:stCondLst>
+                                        </p:cTn>
+                                        <p:tgtEl>
+                                          <p:spTgt spid="4">
+                                            <p:txEl>
+                                              <p:pRg st="2" end="2"/>
+                                            </p:txEl>
+                                          </p:spTgt>
+                                        </p:tgtEl>
+                                        <p:attrNameLst>
+                                          <p:attrName>style.visibility</p:attrName>
+                                        </p:attrNameLst>
+                                      </p:cBhvr>
+                                      <p:to>
+                                        <p:strVal val="visible"/>
+                                      </p:to>
+                                    </p:set>
+                                  </p:childTnLst>
+                                </p:cTn>
+                              </p:par>
+                              <p:par>
+                                <p:cTn id="9" presetID="1" presetClass="entr" presetSubtype="0" fill="hold" nodeType="withEffect">
+                                  <p:stCondLst>
+                                    <p:cond delay="0"/>
+                                  </p:stCondLst>
+                                  <p:childTnLst>
+                                    <p:set>
+                                      <p:cBhvr>
+                                        <p:cTn id="10" dur="1" fill="hold">
+                                          <p:stCondLst>
+                                            <p:cond delay="0"/>
+                                          </p:stCondLst>
+                                        </p:cTn>
+                                        <p:tgtEl>
+                                          <p:spTgt spid="4">
+                                            <p:txEl>
+                                              <p:pRg st="3" end="3"/>
+                                            </p:txEl>
+                                          </p:spTgt>
+                                        </p:tgtEl>
+                                        <p:attrNameLst>
+                                          <p:attrName>style.visibility</p:attrName>
+                                        </p:attrNameLst>
+                                      </p:cBhvr>
+                                      <p:to>
+                                        <p:strVal val="visible"/>
+                                      </p:to>
+                                    </p:set>
+                                  </p:childTnLst>
+                                </p:cTn>
+                              </p:par>
+                            </p:childTnLst>
+                          </p:cTn>
+                        </p:par>
+                      </p:childTnLst>
+                    </p:cTn>
+                  </p:par>
+                  <p:par>
+                    <p:cTn id="11" fill="hold">
+                      <p:stCondLst>
+                        <p:cond delay="indefinite"/>
+                      </p:stCondLst>
+                      <p:childTnLst>
+                        <p:par>
+                          <p:cTn id="12" fill="hold">
+                            <p:stCondLst>
+                              <p:cond delay="0"/>
+                            </p:stCondLst>
+                            <p:childTnLst>
+                              <p:par>
+                                <p:cTn id="13" presetID="1" presetClass="entr" presetSubtype="0" fill="hold" nodeType="clickEffect">
+                                  <p:stCondLst>
+                                    <p:cond delay="0"/>
+                                  </p:stCondLst>
+                                  <p:childTnLst>
+                                    <p:set>
+                                      <p:cBhvr>
+                                        <p:cTn id="14" dur="1" fill="hold">
+                                          <p:stCondLst>
+                                            <p:cond delay="0"/>
+                                          </p:stCondLst>
+                                        </p:cTn>
+                                        <p:tgtEl>
+                                          <p:spTgt spid="4">
+                                            <p:txEl>
+                                              <p:pRg st="4" end="4"/>
+                                            </p:txEl>
+                                          </p:spTgt>
+                                        </p:tgtEl>
+                                        <p:attrNameLst>
+                                          <p:attrName>style.visibility</p:attrName>
+                                        </p:attrNameLst>
+                                      </p:cBhvr>
+                                      <p:to>
+                                        <p:strVal val="visible"/>
+                                      </p:to>
+                                    </p:set>
+                                  </p:childTnLst>
+                                </p:cTn>
+                              </p:par>
+                              <p:par>
+                                <p:cTn id="15" presetID="1" presetClass="entr" presetSubtype="0" fill="hold" nodeType="withEffect">
+                                  <p:stCondLst>
+                                    <p:cond delay="0"/>
+                                  </p:stCondLst>
+                                  <p:childTnLst>
+                                    <p:set>
+                                      <p:cBhvr>
+                                        <p:cTn id="16" dur="1" fill="hold">
+                                          <p:stCondLst>
+                                            <p:cond delay="0"/>
+                                          </p:stCondLst>
+                                        </p:cTn>
+                                        <p:tgtEl>
+                                          <p:spTgt spid="4">
+                                            <p:txEl>
+                                              <p:pRg st="5" end="5"/>
+                                            </p:txEl>
+                                          </p:spTgt>
+                                        </p:tgtEl>
+                                        <p:attrNameLst>
+                                          <p:attrName>style.visibility</p:attrName>
+                                        </p:attrNameLst>
+                                      </p:cBhvr>
+                                      <p:to>
+                                        <p:strVal val="visible"/>
+                                      </p:to>
+                                    </p:set>
+                                  </p:childTnLst>
+                                </p:cTn>
+                              </p:par>
+                            </p:childTnLst>
+                          </p:cTn>
+                        </p:par>
+                      </p:childTnLst>
+                    </p:cTn>
+                  </p:par>
+                  <p:par>
+                    <p:cTn id="17" fill="hold">
+                      <p:stCondLst>
+                        <p:cond delay="indefinite"/>
+                      </p:stCondLst>
+                      <p:childTnLst>
+                        <p:par>
+                          <p:cTn id="18" fill="hold">
+                            <p:stCondLst>
+                              <p:cond delay="0"/>
+                            </p:stCondLst>
+                            <p:childTnLst>
+                              <p:par>
+                                <p:cTn id="19" presetID="1" presetClass="entr" presetSubtype="0" fill="hold" nodeType="clickEffect">
+                                  <p:stCondLst>
+                                    <p:cond delay="0"/>
+                                  </p:stCondLst>
+                                  <p:childTnLst>
+                                    <p:set>
+                                      <p:cBhvr>
+                                        <p:cTn id="20" dur="1" fill="hold">
+                                          <p:stCondLst>
+                                            <p:cond delay="0"/>
+                                          </p:stCondLst>
+                                        </p:cTn>
+                                        <p:tgtEl>
+                                          <p:spTgt spid="4">
+                                            <p:txEl>
+                                              <p:pRg st="6" end="6"/>
+                                            </p:txEl>
+                                          </p:spTgt>
+                                        </p:tgtEl>
+                                        <p:attrNameLst>
+                                          <p:attrName>style.visibility</p:attrName>
+                                        </p:attrNameLst>
+                                      </p:cBhvr>
+                                      <p:to>
+                                        <p:strVal val="visible"/>
+                                      </p:to>
+                                    </p:set>
+                                  </p:childTnLst>
+                                </p:cTn>
+                              </p:par>
+                              <p:par>
+                                <p:cTn id="21" presetID="1" presetClass="entr" presetSubtype="0" fill="hold" nodeType="withEffect">
+                                  <p:stCondLst>
+                                    <p:cond delay="0"/>
+                                  </p:stCondLst>
+                                  <p:childTnLst>
+                                    <p:set>
+                                      <p:cBhvr>
+                                        <p:cTn id="22" dur="1" fill="hold">
+                                          <p:stCondLst>
+                                            <p:cond delay="0"/>
+                                          </p:stCondLst>
+                                        </p:cTn>
+                                        <p:tgtEl>
+                                          <p:spTgt spid="4">
+                                            <p:txEl>
+                                              <p:pRg st="7" end="7"/>
+                                            </p:txEl>
+                                          </p:spTgt>
+                                        </p:tgtEl>
+                                        <p:attrNameLst>
+                                          <p:attrName>style.visibility</p:attrName>
+                                        </p:attrNameLst>
+                                      </p:cBhvr>
+                                      <p:to>
+                                        <p:strVal val="visible"/>
+                                      </p:to>
+                                    </p:set>
+                                  </p:childTnLst>
+                                </p:cTn>
+                              </p:par>
+                              <p:par>
+                                <p:cTn id="23" presetID="1" presetClass="entr" presetSubtype="0" fill="hold" nodeType="withEffect">
+                                  <p:stCondLst>
+                                    <p:cond delay="0"/>
+                                  </p:stCondLst>
+                                  <p:childTnLst>
+                                    <p:set>
+                                      <p:cBhvr>
+                                        <p:cTn id="24" dur="1" fill="hold">
+                                          <p:stCondLst>
+                                            <p:cond delay="0"/>
+                                          </p:stCondLst>
+                                        </p:cTn>
+                                        <p:tgtEl>
+                                          <p:spTgt spid="4">
+                                            <p:txEl>
+                                              <p:pRg st="8" end="8"/>
+                                            </p:txEl>
+                                          </p:spTgt>
+                                        </p:tgtEl>
+                                        <p:attrNameLst>
+                                          <p:attrName>style.visibility</p:attrName>
+                                        </p:attrNameLst>
+                                      </p:cBhvr>
+                                      <p:to>
+                                        <p:strVal val="visible"/>
+                                      </p:to>
+                                    </p:set>
+                                  </p:childTnLst>
+                                </p:cTn>
+                              </p:par>
+                            </p:childTnLst>
+                          </p:cTn>
+                        </p:par>
+                      </p:childTnLst>
+                    </p:cTn>
+                  </p:par>
+                </p:childTnLst>
+              </p:cTn>
+              <p:prevCondLst>
+                <p:cond evt="onPrev" delay="0">
+                  <p:tgtEl>
+                    <p:sldTgt/>
+                  </p:tgtEl>
+                </p:cond>
+              </p:prevCondLst>
+              <p:nextCondLst>
+                <p:cond evt="onNext" delay="0">
+                  <p:tgtEl>
+                    <p:sldTgt/>
+                  </p:tgtEl>
+                </p:cond>
+              </p:nextCondLst>
+            </p:seq>
+          </p:childTnLst>
+        </p:cTn>
+      </p:par>
+    </p:tnLst>
+  </p:timing>
+</p:sld>
+</file>
+
 <file path=ppt/slides/slide13.xml><?xml version="1.0" encoding="utf-8"?>
+<p:sld xmlns:a="http://schemas.openxmlformats.org/drawingml/2006/main" xmlns:r="http://schemas.openxmlformats.org/officeDocument/2006/relationships" xmlns:p="http://schemas.openxmlformats.org/presentationml/2006/main">
+  <p:cSld>
+    <p:spTree>
+      <p:nvGrpSpPr>
+        <p:cNvPr id="1" name=""/>
+        <p:cNvGrpSpPr/>
+        <p:nvPr/>
+      </p:nvGrpSpPr>
+      <p:grpSpPr>
+        <a:xfrm>
+          <a:off x="0" y="0"/>
+          <a:ext cx="0" cy="0"/>
+          <a:chOff x="0" y="0"/>
+          <a:chExt cx="0" cy="0"/>
+        </a:xfrm>
+      </p:grpSpPr>
+      <p:sp>
+        <p:nvSpPr>
+          <p:cNvPr id="2" name="Title 1">
+            <a:extLst>
+              <a:ext uri="{FF2B5EF4-FFF2-40B4-BE49-F238E27FC236}">
+                <a16:creationId xmlns:a16="http://schemas.microsoft.com/office/drawing/2014/main" id="{E5892ABD-FAA9-5513-0098-6143EC292C20}"/>
+              </a:ext>
+            </a:extLst>
+          </p:cNvPr>
+          <p:cNvSpPr>
+            <a:spLocks noGrp="1"/>
+          </p:cNvSpPr>
+          <p:nvPr>
+            <p:ph type="title"/>
+          </p:nvPr>
+        </p:nvSpPr>
+        <p:spPr/>
+        <p:txBody>
+          <a:bodyPr/>
+          <a:lstStyle/>
+          <a:p>
+            <a:r>
+              <a:rPr lang="en-US" dirty="0"/>
+              <a:t>“Machine Readable”</a:t>
+            </a:r>
+          </a:p>
+        </p:txBody>
+      </p:sp>
+      <p:sp>
+        <p:nvSpPr>
+          <p:cNvPr id="3" name="Content Placeholder 2">
+            <a:extLst>
+              <a:ext uri="{FF2B5EF4-FFF2-40B4-BE49-F238E27FC236}">
+                <a16:creationId xmlns:a16="http://schemas.microsoft.com/office/drawing/2014/main" id="{CB1C33A6-6C8A-BEE2-F8B9-EB7A9C8418D0}"/>
+              </a:ext>
+            </a:extLst>
+          </p:cNvPr>
+          <p:cNvSpPr>
+            <a:spLocks noGrp="1"/>
+          </p:cNvSpPr>
+          <p:nvPr>
+            <p:ph idx="1"/>
+          </p:nvPr>
+        </p:nvSpPr>
+        <p:spPr/>
+        <p:txBody>
+          <a:bodyPr/>
+          <a:lstStyle/>
+          <a:p>
+            <a:r>
+              <a:rPr lang="en-US" dirty="0"/>
+              <a:t>Last data import point! We will be importing data to a machine, so think like one. What are some problems with importing this data?</a:t>
+            </a:r>
+          </a:p>
+        </p:txBody>
+      </p:sp>
+      <p:sp>
+        <p:nvSpPr>
+          <p:cNvPr id="4" name="Slide Number Placeholder 3">
+            <a:extLst>
+              <a:ext uri="{FF2B5EF4-FFF2-40B4-BE49-F238E27FC236}">
+                <a16:creationId xmlns:a16="http://schemas.microsoft.com/office/drawing/2014/main" id="{B961CBA1-ADD8-E193-CA49-6C213575536C}"/>
+              </a:ext>
+            </a:extLst>
+          </p:cNvPr>
+          <p:cNvSpPr>
+            <a:spLocks noGrp="1"/>
+          </p:cNvSpPr>
+          <p:nvPr>
+            <p:ph type="sldNum" sz="quarter" idx="12"/>
+          </p:nvPr>
+        </p:nvSpPr>
+        <p:spPr/>
+        <p:txBody>
+          <a:bodyPr/>
+          <a:lstStyle/>
+          <a:p>
+            <a:fld id="{AAD8A31E-A4F3-4577-8E71-C696B2CAECD5}" type="slidenum">
+              <a:rPr lang="en-US" smtClean="0"/>
+              <a:t>13</a:t>
+            </a:fld>
+            <a:endParaRPr lang="en-US"/>
+          </a:p>
+        </p:txBody>
+      </p:sp>
+      <p:pic>
+        <p:nvPicPr>
+          <p:cNvPr id="7" name="Picture 6">
+            <a:extLst>
+              <a:ext uri="{FF2B5EF4-FFF2-40B4-BE49-F238E27FC236}">
+                <a16:creationId xmlns:a16="http://schemas.microsoft.com/office/drawing/2014/main" id="{39D69AAA-7543-69B3-B353-428306DC71D0}"/>
+              </a:ext>
+            </a:extLst>
+          </p:cNvPr>
+          <p:cNvPicPr>
+            <a:picLocks noChangeAspect="1"/>
+          </p:cNvPicPr>
+          <p:nvPr/>
+        </p:nvPicPr>
+        <p:blipFill>
+          <a:blip r:embed="rId2"/>
+          <a:stretch>
+            <a:fillRect/>
+          </a:stretch>
+        </p:blipFill>
+        <p:spPr>
+          <a:xfrm>
+            <a:off x="2555495" y="2995478"/>
+            <a:ext cx="7081010" cy="3360872"/>
+          </a:xfrm>
+          <a:prstGeom prst="rect">
+            <a:avLst/>
+          </a:prstGeom>
+        </p:spPr>
+      </p:pic>
+    </p:spTree>
+    <p:extLst>
+      <p:ext uri="{BB962C8B-B14F-4D97-AF65-F5344CB8AC3E}">
+        <p14:creationId xmlns:p14="http://schemas.microsoft.com/office/powerpoint/2010/main" val="2998878194"/>
+      </p:ext>
+    </p:extLst>
+  </p:cSld>
+  <p:clrMapOvr>
+    <a:masterClrMapping/>
+  </p:clrMapOvr>
+</p:sld>
+</file>
+
+<file path=ppt/slides/slide14.xml><?xml version="1.0" encoding="utf-8"?>
+<p:sld xmlns:a="http://schemas.openxmlformats.org/drawingml/2006/main" xmlns:r="http://schemas.openxmlformats.org/officeDocument/2006/relationships" xmlns:p="http://schemas.openxmlformats.org/presentationml/2006/main">
+  <p:cSld>
+    <p:spTree>
+      <p:nvGrpSpPr>
+        <p:cNvPr id="1" name=""/>
+        <p:cNvGrpSpPr/>
+        <p:nvPr/>
+      </p:nvGrpSpPr>
+      <p:grpSpPr>
+        <a:xfrm>
+          <a:off x="0" y="0"/>
+          <a:ext cx="0" cy="0"/>
+          <a:chOff x="0" y="0"/>
+          <a:chExt cx="0" cy="0"/>
+        </a:xfrm>
+      </p:grpSpPr>
+      <p:sp>
+        <p:nvSpPr>
+          <p:cNvPr id="2" name="Title 1">
+            <a:extLst>
+              <a:ext uri="{FF2B5EF4-FFF2-40B4-BE49-F238E27FC236}">
+                <a16:creationId xmlns:a16="http://schemas.microsoft.com/office/drawing/2014/main" id="{99F4B44F-24D0-7F85-7BAF-24DA3F7BDEDF}"/>
+              </a:ext>
+            </a:extLst>
+          </p:cNvPr>
+          <p:cNvSpPr>
+            <a:spLocks noGrp="1"/>
+          </p:cNvSpPr>
+          <p:nvPr>
+            <p:ph type="title"/>
+          </p:nvPr>
+        </p:nvSpPr>
+        <p:spPr/>
+        <p:txBody>
+          <a:bodyPr/>
+          <a:lstStyle/>
+          <a:p>
+            <a:r>
+              <a:rPr lang="en-US" dirty="0"/>
+              <a:t>Machine Readable</a:t>
+            </a:r>
+          </a:p>
+        </p:txBody>
+      </p:sp>
+      <p:sp>
+        <p:nvSpPr>
+          <p:cNvPr id="3" name="Content Placeholder 2">
+            <a:extLst>
+              <a:ext uri="{FF2B5EF4-FFF2-40B4-BE49-F238E27FC236}">
+                <a16:creationId xmlns:a16="http://schemas.microsoft.com/office/drawing/2014/main" id="{D27B5B7B-6916-4E47-341D-F9B90DB326B4}"/>
+              </a:ext>
+            </a:extLst>
+          </p:cNvPr>
+          <p:cNvSpPr>
+            <a:spLocks noGrp="1"/>
+          </p:cNvSpPr>
+          <p:nvPr>
+            <p:ph idx="1"/>
+          </p:nvPr>
+        </p:nvSpPr>
+        <p:spPr/>
+        <p:txBody>
+          <a:bodyPr/>
+          <a:lstStyle/>
+          <a:p>
+            <a:r>
+              <a:rPr lang="en-US" dirty="0"/>
+              <a:t>Don’t use color/formatting; have columns for variables; don’t have hidden data; be consistent about blanks vs NA vs 0; start at cell A1</a:t>
+            </a:r>
+          </a:p>
+          <a:p>
+            <a:pPr marL="0" indent="0">
+              <a:buNone/>
+            </a:pPr>
+            <a:endParaRPr lang="en-US" dirty="0"/>
+          </a:p>
+        </p:txBody>
+      </p:sp>
+      <p:sp>
+        <p:nvSpPr>
+          <p:cNvPr id="4" name="Slide Number Placeholder 3">
+            <a:extLst>
+              <a:ext uri="{FF2B5EF4-FFF2-40B4-BE49-F238E27FC236}">
+                <a16:creationId xmlns:a16="http://schemas.microsoft.com/office/drawing/2014/main" id="{86D12766-04AF-06EA-AC40-EE0DEC608FCF}"/>
+              </a:ext>
+            </a:extLst>
+          </p:cNvPr>
+          <p:cNvSpPr>
+            <a:spLocks noGrp="1"/>
+          </p:cNvSpPr>
+          <p:nvPr>
+            <p:ph type="sldNum" sz="quarter" idx="12"/>
+          </p:nvPr>
+        </p:nvSpPr>
+        <p:spPr/>
+        <p:txBody>
+          <a:bodyPr/>
+          <a:lstStyle/>
+          <a:p>
+            <a:fld id="{AAD8A31E-A4F3-4577-8E71-C696B2CAECD5}" type="slidenum">
+              <a:rPr lang="en-US" smtClean="0"/>
+              <a:t>14</a:t>
+            </a:fld>
+            <a:endParaRPr lang="en-US"/>
+          </a:p>
+        </p:txBody>
+      </p:sp>
+      <p:pic>
+        <p:nvPicPr>
+          <p:cNvPr id="6" name="Picture 5">
+            <a:extLst>
+              <a:ext uri="{FF2B5EF4-FFF2-40B4-BE49-F238E27FC236}">
+                <a16:creationId xmlns:a16="http://schemas.microsoft.com/office/drawing/2014/main" id="{4DC03EFA-CB1E-8912-72D1-34A135567E94}"/>
+              </a:ext>
+            </a:extLst>
+          </p:cNvPr>
+          <p:cNvPicPr>
+            <a:picLocks noChangeAspect="1"/>
+          </p:cNvPicPr>
+          <p:nvPr/>
+        </p:nvPicPr>
+        <p:blipFill>
+          <a:blip r:embed="rId2"/>
+          <a:stretch>
+            <a:fillRect/>
+          </a:stretch>
+        </p:blipFill>
+        <p:spPr>
+          <a:xfrm>
+            <a:off x="1772685" y="2833687"/>
+            <a:ext cx="8010525" cy="3705225"/>
+          </a:xfrm>
+          <a:prstGeom prst="rect">
+            <a:avLst/>
+          </a:prstGeom>
+        </p:spPr>
+      </p:pic>
+    </p:spTree>
+    <p:extLst>
+      <p:ext uri="{BB962C8B-B14F-4D97-AF65-F5344CB8AC3E}">
+        <p14:creationId xmlns:p14="http://schemas.microsoft.com/office/powerpoint/2010/main" val="1920858129"/>
+      </p:ext>
+    </p:extLst>
+  </p:cSld>
+  <p:clrMapOvr>
+    <a:masterClrMapping/>
+  </p:clrMapOvr>
+</p:sld>
+</file>
+
+<file path=ppt/slides/slide15.xml><?xml version="1.0" encoding="utf-8"?>
 <p:sld xmlns:a="http://schemas.openxmlformats.org/drawingml/2006/main" xmlns:r="http://schemas.openxmlformats.org/officeDocument/2006/relationships" xmlns:p="http://schemas.openxmlformats.org/presentationml/2006/main">
   <p:cSld>
     <p:spTree>
@@ -10985,7 +10209,7 @@
           <a:p>
             <a:fld id="{6D95AE55-B5F4-483D-AEFF-E8059F5502F5}" type="slidenum">
               <a:rPr lang="en-US" smtClean="0"/>
-              <a:t>13</a:t>
+              <a:t>15</a:t>
             </a:fld>
             <a:endParaRPr lang="en-US"/>
           </a:p>
@@ -11371,7 +10595,7 @@
 </p:sld>
 </file>
 
-<file path=ppt/slides/slide14.xml><?xml version="1.0" encoding="utf-8"?>
+<file path=ppt/slides/slide16.xml><?xml version="1.0" encoding="utf-8"?>
 <p:sld xmlns:a="http://schemas.openxmlformats.org/drawingml/2006/main" xmlns:r="http://schemas.openxmlformats.org/officeDocument/2006/relationships" xmlns:p="http://schemas.openxmlformats.org/presentationml/2006/main">
   <p:cSld>
     <p:spTree>
@@ -11577,7 +10801,7 @@
           <a:p>
             <a:fld id="{6D95AE55-B5F4-483D-AEFF-E8059F5502F5}" type="slidenum">
               <a:rPr lang="en-US" smtClean="0"/>
-              <a:t>14</a:t>
+              <a:t>16</a:t>
             </a:fld>
             <a:endParaRPr lang="en-US"/>
           </a:p>
@@ -12119,7 +11343,7 @@
 </p:sld>
 </file>
 
-<file path=ppt/slides/slide15.xml><?xml version="1.0" encoding="utf-8"?>
+<file path=ppt/slides/slide17.xml><?xml version="1.0" encoding="utf-8"?>
 <p:sld xmlns:a="http://schemas.openxmlformats.org/drawingml/2006/main" xmlns:r="http://schemas.openxmlformats.org/officeDocument/2006/relationships" xmlns:p="http://schemas.openxmlformats.org/presentationml/2006/main">
   <p:cSld>
     <p:spTree>
@@ -12307,7 +11531,7 @@
           <a:p>
             <a:fld id="{6D95AE55-B5F4-483D-AEFF-E8059F5502F5}" type="slidenum">
               <a:rPr lang="en-US" smtClean="0"/>
-              <a:t>15</a:t>
+              <a:t>17</a:t>
             </a:fld>
             <a:endParaRPr lang="en-US"/>
           </a:p>
@@ -12532,7 +11756,7 @@
 </p:sld>
 </file>
 
-<file path=ppt/slides/slide16.xml><?xml version="1.0" encoding="utf-8"?>
+<file path=ppt/slides/slide18.xml><?xml version="1.0" encoding="utf-8"?>
 <p:sld xmlns:a="http://schemas.openxmlformats.org/drawingml/2006/main" xmlns:r="http://schemas.openxmlformats.org/officeDocument/2006/relationships" xmlns:p="http://schemas.openxmlformats.org/presentationml/2006/main">
   <p:cSld>
     <p:spTree>
@@ -12768,7 +11992,7 @@
           <a:p>
             <a:fld id="{6D95AE55-B5F4-483D-AEFF-E8059F5502F5}" type="slidenum">
               <a:rPr lang="en-US" smtClean="0"/>
-              <a:t>16</a:t>
+              <a:t>18</a:t>
             </a:fld>
             <a:endParaRPr lang="en-US"/>
           </a:p>
@@ -14275,7 +13499,7 @@
 </p:sld>
 </file>
 
-<file path=ppt/slides/slide17.xml><?xml version="1.0" encoding="utf-8"?>
+<file path=ppt/slides/slide19.xml><?xml version="1.0" encoding="utf-8"?>
 <p:sld xmlns:a="http://schemas.openxmlformats.org/drawingml/2006/main" xmlns:r="http://schemas.openxmlformats.org/officeDocument/2006/relationships" xmlns:p="http://schemas.openxmlformats.org/presentationml/2006/main">
   <p:cSld>
     <p:spTree>
@@ -14339,7 +13563,7 @@
         <p:spPr>
           <a:xfrm>
             <a:off x="1400295" y="2400299"/>
-            <a:ext cx="4390905" cy="3776663"/>
+            <a:ext cx="4553244" cy="3776663"/>
           </a:xfrm>
         </p:spPr>
         <p:txBody>
@@ -14402,7 +13626,7 @@
           <a:p>
             <a:fld id="{6D95AE55-B5F4-483D-AEFF-E8059F5502F5}" type="slidenum">
               <a:rPr lang="en-US" smtClean="0"/>
-              <a:t>17</a:t>
+              <a:t>19</a:t>
             </a:fld>
             <a:endParaRPr lang="en-US"/>
           </a:p>
@@ -14530,546 +13754,6 @@
 </p:sld>
 </file>
 
-<file path=ppt/slides/slide18.xml><?xml version="1.0" encoding="utf-8"?>
-<p:sld xmlns:a="http://schemas.openxmlformats.org/drawingml/2006/main" xmlns:r="http://schemas.openxmlformats.org/officeDocument/2006/relationships" xmlns:p="http://schemas.openxmlformats.org/presentationml/2006/main">
-  <p:cSld>
-    <p:spTree>
-      <p:nvGrpSpPr>
-        <p:cNvPr id="1" name=""/>
-        <p:cNvGrpSpPr/>
-        <p:nvPr/>
-      </p:nvGrpSpPr>
-      <p:grpSpPr>
-        <a:xfrm>
-          <a:off x="0" y="0"/>
-          <a:ext cx="0" cy="0"/>
-          <a:chOff x="0" y="0"/>
-          <a:chExt cx="0" cy="0"/>
-        </a:xfrm>
-      </p:grpSpPr>
-      <p:sp>
-        <p:nvSpPr>
-          <p:cNvPr id="2" name="Title 1">
-            <a:extLst>
-              <a:ext uri="{FF2B5EF4-FFF2-40B4-BE49-F238E27FC236}">
-                <a16:creationId xmlns:a16="http://schemas.microsoft.com/office/drawing/2014/main" id="{F570527E-8F61-4812-8774-1C976F22017F}"/>
-              </a:ext>
-            </a:extLst>
-          </p:cNvPr>
-          <p:cNvSpPr>
-            <a:spLocks noGrp="1"/>
-          </p:cNvSpPr>
-          <p:nvPr>
-            <p:ph type="title"/>
-          </p:nvPr>
-        </p:nvSpPr>
-        <p:spPr/>
-        <p:txBody>
-          <a:bodyPr/>
-          <a:lstStyle/>
-          <a:p>
-            <a:r>
-              <a:rPr lang="en-US" b="1" dirty="0"/>
-              <a:t>SHOW ME THE DATA</a:t>
-            </a:r>
-            <a:endParaRPr lang="en-US" dirty="0"/>
-          </a:p>
-        </p:txBody>
-      </p:sp>
-      <p:sp>
-        <p:nvSpPr>
-          <p:cNvPr id="3" name="Content Placeholder 2">
-            <a:extLst>
-              <a:ext uri="{FF2B5EF4-FFF2-40B4-BE49-F238E27FC236}">
-                <a16:creationId xmlns:a16="http://schemas.microsoft.com/office/drawing/2014/main" id="{16E9C79C-FF11-487F-AB92-E658AEB28375}"/>
-              </a:ext>
-            </a:extLst>
-          </p:cNvPr>
-          <p:cNvSpPr>
-            <a:spLocks noGrp="1"/>
-          </p:cNvSpPr>
-          <p:nvPr>
-            <p:ph idx="1"/>
-          </p:nvPr>
-        </p:nvSpPr>
-        <p:spPr/>
-        <p:txBody>
-          <a:bodyPr>
-            <a:normAutofit lnSpcReduction="10000"/>
-          </a:bodyPr>
-          <a:lstStyle/>
-          <a:p>
-            <a:pPr marL="0" indent="0">
-              <a:buNone/>
-            </a:pPr>
-            <a:r>
-              <a:rPr lang="en-US" dirty="0"/>
-              <a:t>OK so you have your data in. How can we look at it?</a:t>
-            </a:r>
-          </a:p>
-          <a:p>
-            <a:r>
-              <a:rPr lang="en-US" dirty="0"/>
-              <a:t>Type the name in console (shows first few rows/columns)</a:t>
-            </a:r>
-          </a:p>
-          <a:p>
-            <a:endParaRPr lang="en-US" dirty="0"/>
-          </a:p>
-          <a:p>
-            <a:r>
-              <a:rPr lang="en-US" dirty="0"/>
-              <a:t>Type </a:t>
-            </a:r>
-            <a:r>
-              <a:rPr lang="en-US" sz="2400" b="1" dirty="0">
-                <a:latin typeface="Consolas" panose="020B0609020204030204" pitchFamily="49" charset="0"/>
-              </a:rPr>
-              <a:t>View(</a:t>
-            </a:r>
-            <a:r>
-              <a:rPr lang="en-US" sz="2400" b="1" dirty="0" err="1">
-                <a:latin typeface="Consolas" panose="020B0609020204030204" pitchFamily="49" charset="0"/>
-              </a:rPr>
-              <a:t>dataframe_name</a:t>
-            </a:r>
-            <a:r>
-              <a:rPr lang="en-US" sz="2400" b="1" dirty="0">
-                <a:latin typeface="Consolas" panose="020B0609020204030204" pitchFamily="49" charset="0"/>
-              </a:rPr>
-              <a:t>)</a:t>
-            </a:r>
-            <a:r>
-              <a:rPr lang="en-US" sz="2400" dirty="0"/>
-              <a:t> </a:t>
-            </a:r>
-            <a:r>
-              <a:rPr lang="en-US" dirty="0"/>
-              <a:t>or click on the dataframe name in the top right pane (shows same thing). </a:t>
-            </a:r>
-          </a:p>
-          <a:p>
-            <a:pPr lvl="1"/>
-            <a:r>
-              <a:rPr lang="en-US" dirty="0"/>
-              <a:t>Once opened, you can now filter, sort, scroll, etc. </a:t>
-            </a:r>
-          </a:p>
-          <a:p>
-            <a:endParaRPr lang="en-US" dirty="0"/>
-          </a:p>
-          <a:p>
-            <a:r>
-              <a:rPr lang="en-US" dirty="0"/>
-              <a:t>Check structure: </a:t>
-            </a:r>
-            <a:r>
-              <a:rPr lang="en-US" sz="2400" dirty="0">
-                <a:latin typeface="Consolas" panose="020B0609020204030204" pitchFamily="49" charset="0"/>
-              </a:rPr>
-              <a:t>str(</a:t>
-            </a:r>
-            <a:r>
-              <a:rPr lang="en-US" sz="2400" dirty="0" err="1">
-                <a:latin typeface="Consolas" panose="020B0609020204030204" pitchFamily="49" charset="0"/>
-              </a:rPr>
-              <a:t>dataframe_name</a:t>
-            </a:r>
-            <a:r>
-              <a:rPr lang="en-US" sz="2400" dirty="0">
-                <a:latin typeface="Consolas" panose="020B0609020204030204" pitchFamily="49" charset="0"/>
-              </a:rPr>
-              <a:t>)</a:t>
-            </a:r>
-          </a:p>
-          <a:p>
-            <a:endParaRPr lang="en-US" sz="2400" dirty="0">
-              <a:latin typeface="Consolas" panose="020B0609020204030204" pitchFamily="49" charset="0"/>
-            </a:endParaRPr>
-          </a:p>
-          <a:p>
-            <a:r>
-              <a:rPr lang="en-US" sz="2400" dirty="0">
-                <a:latin typeface="Consolas" panose="020B0609020204030204" pitchFamily="49" charset="0"/>
-              </a:rPr>
-              <a:t>summary(</a:t>
-            </a:r>
-            <a:r>
-              <a:rPr lang="en-US" sz="2400" dirty="0" err="1">
-                <a:latin typeface="Consolas" panose="020B0609020204030204" pitchFamily="49" charset="0"/>
-              </a:rPr>
-              <a:t>dataframe_name</a:t>
-            </a:r>
-            <a:r>
-              <a:rPr lang="en-US" sz="2400" dirty="0">
-                <a:latin typeface="Consolas" panose="020B0609020204030204" pitchFamily="49" charset="0"/>
-              </a:rPr>
-              <a:t>)</a:t>
-            </a:r>
-            <a:r>
-              <a:rPr lang="en-US" sz="2400" dirty="0"/>
-              <a:t> to see info about dataframe</a:t>
-            </a:r>
-          </a:p>
-        </p:txBody>
-      </p:sp>
-      <p:sp>
-        <p:nvSpPr>
-          <p:cNvPr id="4" name="Slide Number Placeholder 3">
-            <a:extLst>
-              <a:ext uri="{FF2B5EF4-FFF2-40B4-BE49-F238E27FC236}">
-                <a16:creationId xmlns:a16="http://schemas.microsoft.com/office/drawing/2014/main" id="{57D3CF63-7725-491C-96C7-C255B59E13CA}"/>
-              </a:ext>
-            </a:extLst>
-          </p:cNvPr>
-          <p:cNvSpPr>
-            <a:spLocks noGrp="1"/>
-          </p:cNvSpPr>
-          <p:nvPr>
-            <p:ph type="sldNum" sz="quarter" idx="12"/>
-          </p:nvPr>
-        </p:nvSpPr>
-        <p:spPr/>
-        <p:txBody>
-          <a:bodyPr/>
-          <a:lstStyle/>
-          <a:p>
-            <a:fld id="{6D95AE55-B5F4-483D-AEFF-E8059F5502F5}" type="slidenum">
-              <a:rPr lang="en-US" smtClean="0"/>
-              <a:t>18</a:t>
-            </a:fld>
-            <a:endParaRPr lang="en-US"/>
-          </a:p>
-        </p:txBody>
-      </p:sp>
-    </p:spTree>
-    <p:extLst>
-      <p:ext uri="{BB962C8B-B14F-4D97-AF65-F5344CB8AC3E}">
-        <p14:creationId xmlns:p14="http://schemas.microsoft.com/office/powerpoint/2010/main" val="591044940"/>
-      </p:ext>
-    </p:extLst>
-  </p:cSld>
-  <p:clrMapOvr>
-    <a:masterClrMapping/>
-  </p:clrMapOvr>
-</p:sld>
-</file>
-
-<file path=ppt/slides/slide19.xml><?xml version="1.0" encoding="utf-8"?>
-<p:sld xmlns:a="http://schemas.openxmlformats.org/drawingml/2006/main" xmlns:r="http://schemas.openxmlformats.org/officeDocument/2006/relationships" xmlns:p="http://schemas.openxmlformats.org/presentationml/2006/main">
-  <p:cSld>
-    <p:spTree>
-      <p:nvGrpSpPr>
-        <p:cNvPr id="1" name=""/>
-        <p:cNvGrpSpPr/>
-        <p:nvPr/>
-      </p:nvGrpSpPr>
-      <p:grpSpPr>
-        <a:xfrm>
-          <a:off x="0" y="0"/>
-          <a:ext cx="0" cy="0"/>
-          <a:chOff x="0" y="0"/>
-          <a:chExt cx="0" cy="0"/>
-        </a:xfrm>
-      </p:grpSpPr>
-      <p:sp>
-        <p:nvSpPr>
-          <p:cNvPr id="2" name="Title 1">
-            <a:extLst>
-              <a:ext uri="{FF2B5EF4-FFF2-40B4-BE49-F238E27FC236}">
-                <a16:creationId xmlns:a16="http://schemas.microsoft.com/office/drawing/2014/main" id="{AFCE09E3-01F4-0928-BC30-A26B574509E9}"/>
-              </a:ext>
-            </a:extLst>
-          </p:cNvPr>
-          <p:cNvSpPr>
-            <a:spLocks noGrp="1"/>
-          </p:cNvSpPr>
-          <p:nvPr>
-            <p:ph type="title"/>
-          </p:nvPr>
-        </p:nvSpPr>
-        <p:spPr/>
-        <p:txBody>
-          <a:bodyPr/>
-          <a:lstStyle/>
-          <a:p>
-            <a:r>
-              <a:rPr lang="en-US" dirty="0"/>
-              <a:t>SHOW ME THE DATA IN RSTUDIO</a:t>
-            </a:r>
-          </a:p>
-        </p:txBody>
-      </p:sp>
-      <p:pic>
-        <p:nvPicPr>
-          <p:cNvPr id="8" name="Content Placeholder 7">
-            <a:extLst>
-              <a:ext uri="{FF2B5EF4-FFF2-40B4-BE49-F238E27FC236}">
-                <a16:creationId xmlns:a16="http://schemas.microsoft.com/office/drawing/2014/main" id="{8826BEDF-FCA3-B25B-DB30-5CD2A184D8D6}"/>
-              </a:ext>
-            </a:extLst>
-          </p:cNvPr>
-          <p:cNvPicPr>
-            <a:picLocks noGrp="1" noChangeAspect="1"/>
-          </p:cNvPicPr>
-          <p:nvPr>
-            <p:ph idx="1"/>
-          </p:nvPr>
-        </p:nvPicPr>
-        <p:blipFill>
-          <a:blip r:embed="rId2"/>
-          <a:stretch>
-            <a:fillRect/>
-          </a:stretch>
-        </p:blipFill>
-        <p:spPr>
-          <a:xfrm>
-            <a:off x="1500809" y="2476672"/>
-            <a:ext cx="8077200" cy="2333625"/>
-          </a:xfrm>
-          <a:ln>
-            <a:solidFill>
-              <a:schemeClr val="tx1"/>
-            </a:solidFill>
-          </a:ln>
-        </p:spPr>
-      </p:pic>
-      <p:sp>
-        <p:nvSpPr>
-          <p:cNvPr id="4" name="Slide Number Placeholder 3">
-            <a:extLst>
-              <a:ext uri="{FF2B5EF4-FFF2-40B4-BE49-F238E27FC236}">
-                <a16:creationId xmlns:a16="http://schemas.microsoft.com/office/drawing/2014/main" id="{1B3C6F39-E084-8968-7A95-EE4733A09E1E}"/>
-              </a:ext>
-            </a:extLst>
-          </p:cNvPr>
-          <p:cNvSpPr>
-            <a:spLocks noGrp="1"/>
-          </p:cNvSpPr>
-          <p:nvPr>
-            <p:ph type="sldNum" sz="quarter" idx="12"/>
-          </p:nvPr>
-        </p:nvSpPr>
-        <p:spPr/>
-        <p:txBody>
-          <a:bodyPr/>
-          <a:lstStyle/>
-          <a:p>
-            <a:fld id="{AAD8A31E-A4F3-4577-8E71-C696B2CAECD5}" type="slidenum">
-              <a:rPr lang="en-US" smtClean="0"/>
-              <a:t>19</a:t>
-            </a:fld>
-            <a:endParaRPr lang="en-US"/>
-          </a:p>
-        </p:txBody>
-      </p:sp>
-      <p:pic>
-        <p:nvPicPr>
-          <p:cNvPr id="10" name="Graphic 9" descr="Arrow: Counter-clockwise curve with solid fill">
-            <a:extLst>
-              <a:ext uri="{FF2B5EF4-FFF2-40B4-BE49-F238E27FC236}">
-                <a16:creationId xmlns:a16="http://schemas.microsoft.com/office/drawing/2014/main" id="{A6C2F95D-C45C-A695-E5BF-E4E03995580D}"/>
-              </a:ext>
-            </a:extLst>
-          </p:cNvPr>
-          <p:cNvPicPr>
-            <a:picLocks noChangeAspect="1"/>
-          </p:cNvPicPr>
-          <p:nvPr/>
-        </p:nvPicPr>
-        <p:blipFill>
-          <a:blip r:embed="rId3">
-            <a:extLst>
-              <a:ext uri="{28A0092B-C50C-407E-A947-70E740481C1C}">
-                <a14:useLocalDpi xmlns:a14="http://schemas.microsoft.com/office/drawing/2010/main" val="0"/>
-              </a:ext>
-              <a:ext uri="{96DAC541-7B7A-43D3-8B79-37D633B846F1}">
-                <asvg:svgBlip xmlns:asvg="http://schemas.microsoft.com/office/drawing/2016/SVG/main" r:embed="rId4"/>
-              </a:ext>
-            </a:extLst>
-          </a:blip>
-          <a:stretch>
-            <a:fillRect/>
-          </a:stretch>
-        </p:blipFill>
-        <p:spPr>
-          <a:xfrm rot="20742636">
-            <a:off x="3385055" y="3630798"/>
-            <a:ext cx="1027284" cy="1639930"/>
-          </a:xfrm>
-          <a:prstGeom prst="rect">
-            <a:avLst/>
-          </a:prstGeom>
-        </p:spPr>
-      </p:pic>
-      <p:pic>
-        <p:nvPicPr>
-          <p:cNvPr id="15" name="Graphic 14" descr="Arrow: Counter-clockwise curve with solid fill">
-            <a:extLst>
-              <a:ext uri="{FF2B5EF4-FFF2-40B4-BE49-F238E27FC236}">
-                <a16:creationId xmlns:a16="http://schemas.microsoft.com/office/drawing/2014/main" id="{ED176BCB-BC12-C2A4-B901-10D93A5CBDFD}"/>
-              </a:ext>
-            </a:extLst>
-          </p:cNvPr>
-          <p:cNvPicPr>
-            <a:picLocks noChangeAspect="1"/>
-          </p:cNvPicPr>
-          <p:nvPr/>
-        </p:nvPicPr>
-        <p:blipFill>
-          <a:blip r:embed="rId3">
-            <a:extLst>
-              <a:ext uri="{28A0092B-C50C-407E-A947-70E740481C1C}">
-                <a14:useLocalDpi xmlns:a14="http://schemas.microsoft.com/office/drawing/2010/main" val="0"/>
-              </a:ext>
-              <a:ext uri="{96DAC541-7B7A-43D3-8B79-37D633B846F1}">
-                <asvg:svgBlip xmlns:asvg="http://schemas.microsoft.com/office/drawing/2016/SVG/main" r:embed="rId4"/>
-              </a:ext>
-            </a:extLst>
-          </a:blip>
-          <a:stretch>
-            <a:fillRect/>
-          </a:stretch>
-        </p:blipFill>
-        <p:spPr>
-          <a:xfrm rot="20731892" flipH="1">
-            <a:off x="1353244" y="4383164"/>
-            <a:ext cx="1194883" cy="1136814"/>
-          </a:xfrm>
-          <a:prstGeom prst="rect">
-            <a:avLst/>
-          </a:prstGeom>
-        </p:spPr>
-      </p:pic>
-      <p:sp>
-        <p:nvSpPr>
-          <p:cNvPr id="16" name="TextBox 15">
-            <a:extLst>
-              <a:ext uri="{FF2B5EF4-FFF2-40B4-BE49-F238E27FC236}">
-                <a16:creationId xmlns:a16="http://schemas.microsoft.com/office/drawing/2014/main" id="{EBE0E17D-FFEA-30CD-C9CE-8312CB8389A7}"/>
-              </a:ext>
-            </a:extLst>
-          </p:cNvPr>
-          <p:cNvSpPr txBox="1"/>
-          <p:nvPr/>
-        </p:nvSpPr>
-        <p:spPr>
-          <a:xfrm>
-            <a:off x="1879600" y="4951571"/>
-            <a:ext cx="5372099" cy="954107"/>
-          </a:xfrm>
-          <a:prstGeom prst="rect">
-            <a:avLst/>
-          </a:prstGeom>
-          <a:noFill/>
-        </p:spPr>
-        <p:txBody>
-          <a:bodyPr wrap="square" rtlCol="0">
-            <a:spAutoFit/>
-          </a:bodyPr>
-          <a:lstStyle/>
-          <a:p>
-            <a:r>
-              <a:rPr lang="en-US" sz="2800" dirty="0"/>
-              <a:t>Run line 3 (show first part of data)</a:t>
-            </a:r>
-            <a:br>
-              <a:rPr lang="en-US" sz="2800" dirty="0"/>
-            </a:br>
-            <a:r>
-              <a:rPr lang="en-US" sz="2800" dirty="0"/>
-              <a:t>Run line 6 (show all rows)</a:t>
-            </a:r>
-          </a:p>
-        </p:txBody>
-      </p:sp>
-      <p:pic>
-        <p:nvPicPr>
-          <p:cNvPr id="18" name="Graphic 17" descr="Arrow: Counter-clockwise curve with solid fill">
-            <a:extLst>
-              <a:ext uri="{FF2B5EF4-FFF2-40B4-BE49-F238E27FC236}">
-                <a16:creationId xmlns:a16="http://schemas.microsoft.com/office/drawing/2014/main" id="{69E44CA9-B575-64BD-F0AB-FE674873733F}"/>
-              </a:ext>
-            </a:extLst>
-          </p:cNvPr>
-          <p:cNvPicPr>
-            <a:picLocks noChangeAspect="1"/>
-          </p:cNvPicPr>
-          <p:nvPr/>
-        </p:nvPicPr>
-        <p:blipFill>
-          <a:blip r:embed="rId3">
-            <a:extLst>
-              <a:ext uri="{28A0092B-C50C-407E-A947-70E740481C1C}">
-                <a14:useLocalDpi xmlns:a14="http://schemas.microsoft.com/office/drawing/2010/main" val="0"/>
-              </a:ext>
-              <a:ext uri="{96DAC541-7B7A-43D3-8B79-37D633B846F1}">
-                <asvg:svgBlip xmlns:asvg="http://schemas.microsoft.com/office/drawing/2016/SVG/main" r:embed="rId4"/>
-              </a:ext>
-            </a:extLst>
-          </a:blip>
-          <a:stretch>
-            <a:fillRect/>
-          </a:stretch>
-        </p:blipFill>
-        <p:spPr>
-          <a:xfrm rot="18894788" flipH="1">
-            <a:off x="7188812" y="4035807"/>
-            <a:ext cx="1194883" cy="1136814"/>
-          </a:xfrm>
-          <a:prstGeom prst="rect">
-            <a:avLst/>
-          </a:prstGeom>
-        </p:spPr>
-      </p:pic>
-      <p:sp>
-        <p:nvSpPr>
-          <p:cNvPr id="19" name="TextBox 18">
-            <a:extLst>
-              <a:ext uri="{FF2B5EF4-FFF2-40B4-BE49-F238E27FC236}">
-                <a16:creationId xmlns:a16="http://schemas.microsoft.com/office/drawing/2014/main" id="{D70FB02E-9A39-2DDF-9DC8-A4A9BDB5812C}"/>
-              </a:ext>
-            </a:extLst>
-          </p:cNvPr>
-          <p:cNvSpPr txBox="1"/>
-          <p:nvPr/>
-        </p:nvSpPr>
-        <p:spPr>
-          <a:xfrm>
-            <a:off x="7762254" y="4951571"/>
-            <a:ext cx="4136837" cy="954107"/>
-          </a:xfrm>
-          <a:prstGeom prst="rect">
-            <a:avLst/>
-          </a:prstGeom>
-          <a:noFill/>
-        </p:spPr>
-        <p:txBody>
-          <a:bodyPr wrap="square" rtlCol="0">
-            <a:spAutoFit/>
-          </a:bodyPr>
-          <a:lstStyle/>
-          <a:p>
-            <a:r>
-              <a:rPr lang="en-US" sz="2800" dirty="0"/>
-              <a:t>Click here to show all rows, same as View()</a:t>
-            </a:r>
-          </a:p>
-        </p:txBody>
-      </p:sp>
-    </p:spTree>
-    <p:extLst>
-      <p:ext uri="{BB962C8B-B14F-4D97-AF65-F5344CB8AC3E}">
-        <p14:creationId xmlns:p14="http://schemas.microsoft.com/office/powerpoint/2010/main" val="1820640988"/>
-      </p:ext>
-    </p:extLst>
-  </p:cSld>
-  <p:clrMapOvr>
-    <a:masterClrMapping/>
-  </p:clrMapOvr>
-</p:sld>
-</file>
-
 <file path=ppt/slides/slide2.xml><?xml version="1.0" encoding="utf-8"?>
 <p:sld xmlns:a="http://schemas.openxmlformats.org/drawingml/2006/main" xmlns:r="http://schemas.openxmlformats.org/officeDocument/2006/relationships" xmlns:p="http://schemas.openxmlformats.org/presentationml/2006/main">
   <p:cSld>
@@ -15141,6 +13825,9 @@
           <a:bodyPr/>
           <a:lstStyle/>
           <a:p>
+            <a:pPr marL="0" indent="0">
+              <a:buNone/>
+            </a:pPr>
             <a:r>
               <a:rPr lang="en-US" dirty="0"/>
               <a:t>Spending time at the outset thinking about folder structure and data setup will save you LOTS of time later on. So we’ll review:</a:t>
@@ -15239,6 +13926,546 @@
           <p:cNvPr id="2" name="Title 1">
             <a:extLst>
               <a:ext uri="{FF2B5EF4-FFF2-40B4-BE49-F238E27FC236}">
+                <a16:creationId xmlns:a16="http://schemas.microsoft.com/office/drawing/2014/main" id="{F570527E-8F61-4812-8774-1C976F22017F}"/>
+              </a:ext>
+            </a:extLst>
+          </p:cNvPr>
+          <p:cNvSpPr>
+            <a:spLocks noGrp="1"/>
+          </p:cNvSpPr>
+          <p:nvPr>
+            <p:ph type="title"/>
+          </p:nvPr>
+        </p:nvSpPr>
+        <p:spPr/>
+        <p:txBody>
+          <a:bodyPr/>
+          <a:lstStyle/>
+          <a:p>
+            <a:r>
+              <a:rPr lang="en-US" b="1" dirty="0"/>
+              <a:t>SHOW ME THE DATA</a:t>
+            </a:r>
+            <a:endParaRPr lang="en-US" dirty="0"/>
+          </a:p>
+        </p:txBody>
+      </p:sp>
+      <p:sp>
+        <p:nvSpPr>
+          <p:cNvPr id="3" name="Content Placeholder 2">
+            <a:extLst>
+              <a:ext uri="{FF2B5EF4-FFF2-40B4-BE49-F238E27FC236}">
+                <a16:creationId xmlns:a16="http://schemas.microsoft.com/office/drawing/2014/main" id="{16E9C79C-FF11-487F-AB92-E658AEB28375}"/>
+              </a:ext>
+            </a:extLst>
+          </p:cNvPr>
+          <p:cNvSpPr>
+            <a:spLocks noGrp="1"/>
+          </p:cNvSpPr>
+          <p:nvPr>
+            <p:ph idx="1"/>
+          </p:nvPr>
+        </p:nvSpPr>
+        <p:spPr/>
+        <p:txBody>
+          <a:bodyPr>
+            <a:normAutofit lnSpcReduction="10000"/>
+          </a:bodyPr>
+          <a:lstStyle/>
+          <a:p>
+            <a:pPr marL="0" indent="0">
+              <a:buNone/>
+            </a:pPr>
+            <a:r>
+              <a:rPr lang="en-US" dirty="0"/>
+              <a:t>OK so you have your data in. How can we look at it?</a:t>
+            </a:r>
+          </a:p>
+          <a:p>
+            <a:r>
+              <a:rPr lang="en-US" dirty="0"/>
+              <a:t>Type the name in console (shows first few rows/columns)</a:t>
+            </a:r>
+          </a:p>
+          <a:p>
+            <a:endParaRPr lang="en-US" dirty="0"/>
+          </a:p>
+          <a:p>
+            <a:r>
+              <a:rPr lang="en-US" dirty="0"/>
+              <a:t>Type </a:t>
+            </a:r>
+            <a:r>
+              <a:rPr lang="en-US" sz="2400" b="1" dirty="0">
+                <a:latin typeface="Consolas" panose="020B0609020204030204" pitchFamily="49" charset="0"/>
+              </a:rPr>
+              <a:t>View(</a:t>
+            </a:r>
+            <a:r>
+              <a:rPr lang="en-US" sz="2400" b="1" dirty="0" err="1">
+                <a:latin typeface="Consolas" panose="020B0609020204030204" pitchFamily="49" charset="0"/>
+              </a:rPr>
+              <a:t>dataframe_name</a:t>
+            </a:r>
+            <a:r>
+              <a:rPr lang="en-US" sz="2400" b="1" dirty="0">
+                <a:latin typeface="Consolas" panose="020B0609020204030204" pitchFamily="49" charset="0"/>
+              </a:rPr>
+              <a:t>)</a:t>
+            </a:r>
+            <a:r>
+              <a:rPr lang="en-US" sz="2400" dirty="0"/>
+              <a:t> </a:t>
+            </a:r>
+            <a:r>
+              <a:rPr lang="en-US" dirty="0"/>
+              <a:t>or click on the dataframe name in the top right pane (shows same thing). </a:t>
+            </a:r>
+          </a:p>
+          <a:p>
+            <a:pPr lvl="1"/>
+            <a:r>
+              <a:rPr lang="en-US" dirty="0"/>
+              <a:t>Once opened, you can now filter, sort, scroll, etc. </a:t>
+            </a:r>
+          </a:p>
+          <a:p>
+            <a:endParaRPr lang="en-US" dirty="0"/>
+          </a:p>
+          <a:p>
+            <a:r>
+              <a:rPr lang="en-US" dirty="0"/>
+              <a:t>Check structure: </a:t>
+            </a:r>
+            <a:r>
+              <a:rPr lang="en-US" sz="2400" dirty="0">
+                <a:latin typeface="Consolas" panose="020B0609020204030204" pitchFamily="49" charset="0"/>
+              </a:rPr>
+              <a:t>str(</a:t>
+            </a:r>
+            <a:r>
+              <a:rPr lang="en-US" sz="2400" dirty="0" err="1">
+                <a:latin typeface="Consolas" panose="020B0609020204030204" pitchFamily="49" charset="0"/>
+              </a:rPr>
+              <a:t>dataframe_name</a:t>
+            </a:r>
+            <a:r>
+              <a:rPr lang="en-US" sz="2400" dirty="0">
+                <a:latin typeface="Consolas" panose="020B0609020204030204" pitchFamily="49" charset="0"/>
+              </a:rPr>
+              <a:t>)</a:t>
+            </a:r>
+          </a:p>
+          <a:p>
+            <a:endParaRPr lang="en-US" sz="2400" dirty="0">
+              <a:latin typeface="Consolas" panose="020B0609020204030204" pitchFamily="49" charset="0"/>
+            </a:endParaRPr>
+          </a:p>
+          <a:p>
+            <a:r>
+              <a:rPr lang="en-US" sz="2400" dirty="0">
+                <a:latin typeface="Consolas" panose="020B0609020204030204" pitchFamily="49" charset="0"/>
+              </a:rPr>
+              <a:t>summary(</a:t>
+            </a:r>
+            <a:r>
+              <a:rPr lang="en-US" sz="2400" dirty="0" err="1">
+                <a:latin typeface="Consolas" panose="020B0609020204030204" pitchFamily="49" charset="0"/>
+              </a:rPr>
+              <a:t>dataframe_name</a:t>
+            </a:r>
+            <a:r>
+              <a:rPr lang="en-US" sz="2400" dirty="0">
+                <a:latin typeface="Consolas" panose="020B0609020204030204" pitchFamily="49" charset="0"/>
+              </a:rPr>
+              <a:t>)</a:t>
+            </a:r>
+            <a:r>
+              <a:rPr lang="en-US" sz="2400" dirty="0"/>
+              <a:t> to see info about dataframe</a:t>
+            </a:r>
+          </a:p>
+        </p:txBody>
+      </p:sp>
+      <p:sp>
+        <p:nvSpPr>
+          <p:cNvPr id="4" name="Slide Number Placeholder 3">
+            <a:extLst>
+              <a:ext uri="{FF2B5EF4-FFF2-40B4-BE49-F238E27FC236}">
+                <a16:creationId xmlns:a16="http://schemas.microsoft.com/office/drawing/2014/main" id="{57D3CF63-7725-491C-96C7-C255B59E13CA}"/>
+              </a:ext>
+            </a:extLst>
+          </p:cNvPr>
+          <p:cNvSpPr>
+            <a:spLocks noGrp="1"/>
+          </p:cNvSpPr>
+          <p:nvPr>
+            <p:ph type="sldNum" sz="quarter" idx="12"/>
+          </p:nvPr>
+        </p:nvSpPr>
+        <p:spPr/>
+        <p:txBody>
+          <a:bodyPr/>
+          <a:lstStyle/>
+          <a:p>
+            <a:fld id="{6D95AE55-B5F4-483D-AEFF-E8059F5502F5}" type="slidenum">
+              <a:rPr lang="en-US" smtClean="0"/>
+              <a:t>20</a:t>
+            </a:fld>
+            <a:endParaRPr lang="en-US"/>
+          </a:p>
+        </p:txBody>
+      </p:sp>
+    </p:spTree>
+    <p:extLst>
+      <p:ext uri="{BB962C8B-B14F-4D97-AF65-F5344CB8AC3E}">
+        <p14:creationId xmlns:p14="http://schemas.microsoft.com/office/powerpoint/2010/main" val="591044940"/>
+      </p:ext>
+    </p:extLst>
+  </p:cSld>
+  <p:clrMapOvr>
+    <a:masterClrMapping/>
+  </p:clrMapOvr>
+</p:sld>
+</file>
+
+<file path=ppt/slides/slide21.xml><?xml version="1.0" encoding="utf-8"?>
+<p:sld xmlns:a="http://schemas.openxmlformats.org/drawingml/2006/main" xmlns:r="http://schemas.openxmlformats.org/officeDocument/2006/relationships" xmlns:p="http://schemas.openxmlformats.org/presentationml/2006/main">
+  <p:cSld>
+    <p:spTree>
+      <p:nvGrpSpPr>
+        <p:cNvPr id="1" name=""/>
+        <p:cNvGrpSpPr/>
+        <p:nvPr/>
+      </p:nvGrpSpPr>
+      <p:grpSpPr>
+        <a:xfrm>
+          <a:off x="0" y="0"/>
+          <a:ext cx="0" cy="0"/>
+          <a:chOff x="0" y="0"/>
+          <a:chExt cx="0" cy="0"/>
+        </a:xfrm>
+      </p:grpSpPr>
+      <p:sp>
+        <p:nvSpPr>
+          <p:cNvPr id="2" name="Title 1">
+            <a:extLst>
+              <a:ext uri="{FF2B5EF4-FFF2-40B4-BE49-F238E27FC236}">
+                <a16:creationId xmlns:a16="http://schemas.microsoft.com/office/drawing/2014/main" id="{AFCE09E3-01F4-0928-BC30-A26B574509E9}"/>
+              </a:ext>
+            </a:extLst>
+          </p:cNvPr>
+          <p:cNvSpPr>
+            <a:spLocks noGrp="1"/>
+          </p:cNvSpPr>
+          <p:nvPr>
+            <p:ph type="title"/>
+          </p:nvPr>
+        </p:nvSpPr>
+        <p:spPr/>
+        <p:txBody>
+          <a:bodyPr/>
+          <a:lstStyle/>
+          <a:p>
+            <a:r>
+              <a:rPr lang="en-US" dirty="0"/>
+              <a:t>SHOW ME THE DATA IN RSTUDIO</a:t>
+            </a:r>
+          </a:p>
+        </p:txBody>
+      </p:sp>
+      <p:pic>
+        <p:nvPicPr>
+          <p:cNvPr id="8" name="Content Placeholder 7">
+            <a:extLst>
+              <a:ext uri="{FF2B5EF4-FFF2-40B4-BE49-F238E27FC236}">
+                <a16:creationId xmlns:a16="http://schemas.microsoft.com/office/drawing/2014/main" id="{8826BEDF-FCA3-B25B-DB30-5CD2A184D8D6}"/>
+              </a:ext>
+            </a:extLst>
+          </p:cNvPr>
+          <p:cNvPicPr>
+            <a:picLocks noGrp="1" noChangeAspect="1"/>
+          </p:cNvPicPr>
+          <p:nvPr>
+            <p:ph idx="1"/>
+          </p:nvPr>
+        </p:nvPicPr>
+        <p:blipFill>
+          <a:blip r:embed="rId2"/>
+          <a:stretch>
+            <a:fillRect/>
+          </a:stretch>
+        </p:blipFill>
+        <p:spPr>
+          <a:xfrm>
+            <a:off x="1500809" y="2476672"/>
+            <a:ext cx="8077200" cy="2333625"/>
+          </a:xfrm>
+          <a:ln>
+            <a:solidFill>
+              <a:schemeClr val="tx1"/>
+            </a:solidFill>
+          </a:ln>
+        </p:spPr>
+      </p:pic>
+      <p:sp>
+        <p:nvSpPr>
+          <p:cNvPr id="4" name="Slide Number Placeholder 3">
+            <a:extLst>
+              <a:ext uri="{FF2B5EF4-FFF2-40B4-BE49-F238E27FC236}">
+                <a16:creationId xmlns:a16="http://schemas.microsoft.com/office/drawing/2014/main" id="{1B3C6F39-E084-8968-7A95-EE4733A09E1E}"/>
+              </a:ext>
+            </a:extLst>
+          </p:cNvPr>
+          <p:cNvSpPr>
+            <a:spLocks noGrp="1"/>
+          </p:cNvSpPr>
+          <p:nvPr>
+            <p:ph type="sldNum" sz="quarter" idx="12"/>
+          </p:nvPr>
+        </p:nvSpPr>
+        <p:spPr/>
+        <p:txBody>
+          <a:bodyPr/>
+          <a:lstStyle/>
+          <a:p>
+            <a:fld id="{AAD8A31E-A4F3-4577-8E71-C696B2CAECD5}" type="slidenum">
+              <a:rPr lang="en-US" smtClean="0"/>
+              <a:t>21</a:t>
+            </a:fld>
+            <a:endParaRPr lang="en-US"/>
+          </a:p>
+        </p:txBody>
+      </p:sp>
+      <p:pic>
+        <p:nvPicPr>
+          <p:cNvPr id="10" name="Graphic 9" descr="Arrow: Counter-clockwise curve with solid fill">
+            <a:extLst>
+              <a:ext uri="{FF2B5EF4-FFF2-40B4-BE49-F238E27FC236}">
+                <a16:creationId xmlns:a16="http://schemas.microsoft.com/office/drawing/2014/main" id="{A6C2F95D-C45C-A695-E5BF-E4E03995580D}"/>
+              </a:ext>
+            </a:extLst>
+          </p:cNvPr>
+          <p:cNvPicPr>
+            <a:picLocks noChangeAspect="1"/>
+          </p:cNvPicPr>
+          <p:nvPr/>
+        </p:nvPicPr>
+        <p:blipFill>
+          <a:blip r:embed="rId3">
+            <a:extLst>
+              <a:ext uri="{28A0092B-C50C-407E-A947-70E740481C1C}">
+                <a14:useLocalDpi xmlns:a14="http://schemas.microsoft.com/office/drawing/2010/main" val="0"/>
+              </a:ext>
+              <a:ext uri="{96DAC541-7B7A-43D3-8B79-37D633B846F1}">
+                <asvg:svgBlip xmlns:asvg="http://schemas.microsoft.com/office/drawing/2016/SVG/main" r:embed="rId4"/>
+              </a:ext>
+            </a:extLst>
+          </a:blip>
+          <a:stretch>
+            <a:fillRect/>
+          </a:stretch>
+        </p:blipFill>
+        <p:spPr>
+          <a:xfrm rot="20742636">
+            <a:off x="3385055" y="3630798"/>
+            <a:ext cx="1027284" cy="1639930"/>
+          </a:xfrm>
+          <a:prstGeom prst="rect">
+            <a:avLst/>
+          </a:prstGeom>
+        </p:spPr>
+      </p:pic>
+      <p:pic>
+        <p:nvPicPr>
+          <p:cNvPr id="15" name="Graphic 14" descr="Arrow: Counter-clockwise curve with solid fill">
+            <a:extLst>
+              <a:ext uri="{FF2B5EF4-FFF2-40B4-BE49-F238E27FC236}">
+                <a16:creationId xmlns:a16="http://schemas.microsoft.com/office/drawing/2014/main" id="{ED176BCB-BC12-C2A4-B901-10D93A5CBDFD}"/>
+              </a:ext>
+            </a:extLst>
+          </p:cNvPr>
+          <p:cNvPicPr>
+            <a:picLocks noChangeAspect="1"/>
+          </p:cNvPicPr>
+          <p:nvPr/>
+        </p:nvPicPr>
+        <p:blipFill>
+          <a:blip r:embed="rId3">
+            <a:extLst>
+              <a:ext uri="{28A0092B-C50C-407E-A947-70E740481C1C}">
+                <a14:useLocalDpi xmlns:a14="http://schemas.microsoft.com/office/drawing/2010/main" val="0"/>
+              </a:ext>
+              <a:ext uri="{96DAC541-7B7A-43D3-8B79-37D633B846F1}">
+                <asvg:svgBlip xmlns:asvg="http://schemas.microsoft.com/office/drawing/2016/SVG/main" r:embed="rId4"/>
+              </a:ext>
+            </a:extLst>
+          </a:blip>
+          <a:stretch>
+            <a:fillRect/>
+          </a:stretch>
+        </p:blipFill>
+        <p:spPr>
+          <a:xfrm rot="20731892" flipH="1">
+            <a:off x="1353244" y="4383164"/>
+            <a:ext cx="1194883" cy="1136814"/>
+          </a:xfrm>
+          <a:prstGeom prst="rect">
+            <a:avLst/>
+          </a:prstGeom>
+        </p:spPr>
+      </p:pic>
+      <p:sp>
+        <p:nvSpPr>
+          <p:cNvPr id="16" name="TextBox 15">
+            <a:extLst>
+              <a:ext uri="{FF2B5EF4-FFF2-40B4-BE49-F238E27FC236}">
+                <a16:creationId xmlns:a16="http://schemas.microsoft.com/office/drawing/2014/main" id="{EBE0E17D-FFEA-30CD-C9CE-8312CB8389A7}"/>
+              </a:ext>
+            </a:extLst>
+          </p:cNvPr>
+          <p:cNvSpPr txBox="1"/>
+          <p:nvPr/>
+        </p:nvSpPr>
+        <p:spPr>
+          <a:xfrm>
+            <a:off x="1879600" y="4951571"/>
+            <a:ext cx="5372099" cy="954107"/>
+          </a:xfrm>
+          <a:prstGeom prst="rect">
+            <a:avLst/>
+          </a:prstGeom>
+          <a:noFill/>
+        </p:spPr>
+        <p:txBody>
+          <a:bodyPr wrap="square" rtlCol="0">
+            <a:spAutoFit/>
+          </a:bodyPr>
+          <a:lstStyle/>
+          <a:p>
+            <a:r>
+              <a:rPr lang="en-US" sz="2800" dirty="0"/>
+              <a:t>Run line 3 (show first part of data)</a:t>
+            </a:r>
+            <a:br>
+              <a:rPr lang="en-US" sz="2800" dirty="0"/>
+            </a:br>
+            <a:r>
+              <a:rPr lang="en-US" sz="2800" dirty="0"/>
+              <a:t>Run line 6 (show all rows)</a:t>
+            </a:r>
+          </a:p>
+        </p:txBody>
+      </p:sp>
+      <p:pic>
+        <p:nvPicPr>
+          <p:cNvPr id="18" name="Graphic 17" descr="Arrow: Counter-clockwise curve with solid fill">
+            <a:extLst>
+              <a:ext uri="{FF2B5EF4-FFF2-40B4-BE49-F238E27FC236}">
+                <a16:creationId xmlns:a16="http://schemas.microsoft.com/office/drawing/2014/main" id="{69E44CA9-B575-64BD-F0AB-FE674873733F}"/>
+              </a:ext>
+            </a:extLst>
+          </p:cNvPr>
+          <p:cNvPicPr>
+            <a:picLocks noChangeAspect="1"/>
+          </p:cNvPicPr>
+          <p:nvPr/>
+        </p:nvPicPr>
+        <p:blipFill>
+          <a:blip r:embed="rId3">
+            <a:extLst>
+              <a:ext uri="{28A0092B-C50C-407E-A947-70E740481C1C}">
+                <a14:useLocalDpi xmlns:a14="http://schemas.microsoft.com/office/drawing/2010/main" val="0"/>
+              </a:ext>
+              <a:ext uri="{96DAC541-7B7A-43D3-8B79-37D633B846F1}">
+                <asvg:svgBlip xmlns:asvg="http://schemas.microsoft.com/office/drawing/2016/SVG/main" r:embed="rId4"/>
+              </a:ext>
+            </a:extLst>
+          </a:blip>
+          <a:stretch>
+            <a:fillRect/>
+          </a:stretch>
+        </p:blipFill>
+        <p:spPr>
+          <a:xfrm rot="18894788" flipH="1">
+            <a:off x="7188812" y="4035807"/>
+            <a:ext cx="1194883" cy="1136814"/>
+          </a:xfrm>
+          <a:prstGeom prst="rect">
+            <a:avLst/>
+          </a:prstGeom>
+        </p:spPr>
+      </p:pic>
+      <p:sp>
+        <p:nvSpPr>
+          <p:cNvPr id="19" name="TextBox 18">
+            <a:extLst>
+              <a:ext uri="{FF2B5EF4-FFF2-40B4-BE49-F238E27FC236}">
+                <a16:creationId xmlns:a16="http://schemas.microsoft.com/office/drawing/2014/main" id="{D70FB02E-9A39-2DDF-9DC8-A4A9BDB5812C}"/>
+              </a:ext>
+            </a:extLst>
+          </p:cNvPr>
+          <p:cNvSpPr txBox="1"/>
+          <p:nvPr/>
+        </p:nvSpPr>
+        <p:spPr>
+          <a:xfrm>
+            <a:off x="7762254" y="4951571"/>
+            <a:ext cx="4136837" cy="954107"/>
+          </a:xfrm>
+          <a:prstGeom prst="rect">
+            <a:avLst/>
+          </a:prstGeom>
+          <a:noFill/>
+        </p:spPr>
+        <p:txBody>
+          <a:bodyPr wrap="square" rtlCol="0">
+            <a:spAutoFit/>
+          </a:bodyPr>
+          <a:lstStyle/>
+          <a:p>
+            <a:r>
+              <a:rPr lang="en-US" sz="2800" dirty="0"/>
+              <a:t>Click here to show all rows, same as View()</a:t>
+            </a:r>
+          </a:p>
+        </p:txBody>
+      </p:sp>
+    </p:spTree>
+    <p:extLst>
+      <p:ext uri="{BB962C8B-B14F-4D97-AF65-F5344CB8AC3E}">
+        <p14:creationId xmlns:p14="http://schemas.microsoft.com/office/powerpoint/2010/main" val="1820640988"/>
+      </p:ext>
+    </p:extLst>
+  </p:cSld>
+  <p:clrMapOvr>
+    <a:masterClrMapping/>
+  </p:clrMapOvr>
+</p:sld>
+</file>
+
+<file path=ppt/slides/slide22.xml><?xml version="1.0" encoding="utf-8"?>
+<p:sld xmlns:a="http://schemas.openxmlformats.org/drawingml/2006/main" xmlns:r="http://schemas.openxmlformats.org/officeDocument/2006/relationships" xmlns:p="http://schemas.openxmlformats.org/presentationml/2006/main">
+  <p:cSld>
+    <p:spTree>
+      <p:nvGrpSpPr>
+        <p:cNvPr id="1" name=""/>
+        <p:cNvGrpSpPr/>
+        <p:nvPr/>
+      </p:nvGrpSpPr>
+      <p:grpSpPr>
+        <a:xfrm>
+          <a:off x="0" y="0"/>
+          <a:ext cx="0" cy="0"/>
+          <a:chOff x="0" y="0"/>
+          <a:chExt cx="0" cy="0"/>
+        </a:xfrm>
+      </p:grpSpPr>
+      <p:sp>
+        <p:nvSpPr>
+          <p:cNvPr id="2" name="Title 1">
+            <a:extLst>
+              <a:ext uri="{FF2B5EF4-FFF2-40B4-BE49-F238E27FC236}">
                 <a16:creationId xmlns:a16="http://schemas.microsoft.com/office/drawing/2014/main" id="{93ADDDE9-32E9-4666-9B2D-AF52AC1D6C10}"/>
               </a:ext>
             </a:extLst>
@@ -15361,7 +14588,7 @@
           <a:p>
             <a:fld id="{6D95AE55-B5F4-483D-AEFF-E8059F5502F5}" type="slidenum">
               <a:rPr lang="en-US" smtClean="0"/>
-              <a:t>20</a:t>
+              <a:t>22</a:t>
             </a:fld>
             <a:endParaRPr lang="en-US"/>
           </a:p>
@@ -15569,7 +14796,7 @@
 </p:sld>
 </file>
 
-<file path=ppt/slides/slide21.xml><?xml version="1.0" encoding="utf-8"?>
+<file path=ppt/slides/slide23.xml><?xml version="1.0" encoding="utf-8"?>
 <p:sld xmlns:a="http://schemas.openxmlformats.org/drawingml/2006/main" xmlns:r="http://schemas.openxmlformats.org/officeDocument/2006/relationships" xmlns:p="http://schemas.openxmlformats.org/presentationml/2006/main">
   <p:cSld>
     <p:spTree>
@@ -15728,7 +14955,7 @@
           <a:p>
             <a:fld id="{6D95AE55-B5F4-483D-AEFF-E8059F5502F5}" type="slidenum">
               <a:rPr lang="en-US" smtClean="0"/>
-              <a:t>21</a:t>
+              <a:t>23</a:t>
             </a:fld>
             <a:endParaRPr lang="en-US"/>
           </a:p>
@@ -16413,7 +15640,119 @@
 </p:sld>
 </file>
 
-<file path=ppt/slides/slide22.xml><?xml version="1.0" encoding="utf-8"?>
+<file path=ppt/slides/slide24.xml><?xml version="1.0" encoding="utf-8"?>
+<p:sld xmlns:a="http://schemas.openxmlformats.org/drawingml/2006/main" xmlns:r="http://schemas.openxmlformats.org/officeDocument/2006/relationships" xmlns:p="http://schemas.openxmlformats.org/presentationml/2006/main">
+  <p:cSld>
+    <p:spTree>
+      <p:nvGrpSpPr>
+        <p:cNvPr id="1" name=""/>
+        <p:cNvGrpSpPr/>
+        <p:nvPr/>
+      </p:nvGrpSpPr>
+      <p:grpSpPr>
+        <a:xfrm>
+          <a:off x="0" y="0"/>
+          <a:ext cx="0" cy="0"/>
+          <a:chOff x="0" y="0"/>
+          <a:chExt cx="0" cy="0"/>
+        </a:xfrm>
+      </p:grpSpPr>
+      <p:sp>
+        <p:nvSpPr>
+          <p:cNvPr id="2" name="Title 1">
+            <a:extLst>
+              <a:ext uri="{FF2B5EF4-FFF2-40B4-BE49-F238E27FC236}">
+                <a16:creationId xmlns:a16="http://schemas.microsoft.com/office/drawing/2014/main" id="{CCE87349-D87F-4565-FFA8-FA56E4EDF61B}"/>
+              </a:ext>
+            </a:extLst>
+          </p:cNvPr>
+          <p:cNvSpPr>
+            <a:spLocks noGrp="1"/>
+          </p:cNvSpPr>
+          <p:nvPr>
+            <p:ph type="title"/>
+          </p:nvPr>
+        </p:nvSpPr>
+        <p:spPr/>
+        <p:txBody>
+          <a:bodyPr/>
+          <a:lstStyle/>
+          <a:p>
+            <a:r>
+              <a:rPr lang="en-US" dirty="0"/>
+              <a:t>The most common data error</a:t>
+            </a:r>
+          </a:p>
+        </p:txBody>
+      </p:sp>
+      <p:sp>
+        <p:nvSpPr>
+          <p:cNvPr id="3" name="Content Placeholder 2">
+            <a:extLst>
+              <a:ext uri="{FF2B5EF4-FFF2-40B4-BE49-F238E27FC236}">
+                <a16:creationId xmlns:a16="http://schemas.microsoft.com/office/drawing/2014/main" id="{589A894C-120B-C1ED-C3AF-E5857DCDC709}"/>
+              </a:ext>
+            </a:extLst>
+          </p:cNvPr>
+          <p:cNvSpPr>
+            <a:spLocks noGrp="1"/>
+          </p:cNvSpPr>
+          <p:nvPr>
+            <p:ph idx="1"/>
+          </p:nvPr>
+        </p:nvSpPr>
+        <p:spPr/>
+        <p:txBody>
+          <a:bodyPr/>
+          <a:lstStyle/>
+          <a:p>
+            <a:endParaRPr lang="en-US"/>
+          </a:p>
+        </p:txBody>
+      </p:sp>
+      <p:sp>
+        <p:nvSpPr>
+          <p:cNvPr id="4" name="Slide Number Placeholder 3">
+            <a:extLst>
+              <a:ext uri="{FF2B5EF4-FFF2-40B4-BE49-F238E27FC236}">
+                <a16:creationId xmlns:a16="http://schemas.microsoft.com/office/drawing/2014/main" id="{57AC8308-E778-406F-4095-CA93BA3D1462}"/>
+              </a:ext>
+            </a:extLst>
+          </p:cNvPr>
+          <p:cNvSpPr>
+            <a:spLocks noGrp="1"/>
+          </p:cNvSpPr>
+          <p:nvPr>
+            <p:ph type="sldNum" sz="quarter" idx="12"/>
+          </p:nvPr>
+        </p:nvSpPr>
+        <p:spPr/>
+        <p:txBody>
+          <a:bodyPr/>
+          <a:lstStyle/>
+          <a:p>
+            <a:fld id="{AAD8A31E-A4F3-4577-8E71-C696B2CAECD5}" type="slidenum">
+              <a:rPr lang="en-US" smtClean="0"/>
+              <a:t>24</a:t>
+            </a:fld>
+            <a:endParaRPr lang="en-US"/>
+          </a:p>
+        </p:txBody>
+      </p:sp>
+    </p:spTree>
+    <p:extLst>
+      <p:ext uri="{BB962C8B-B14F-4D97-AF65-F5344CB8AC3E}">
+        <p14:creationId xmlns:p14="http://schemas.microsoft.com/office/powerpoint/2010/main" val="2572257549"/>
+      </p:ext>
+    </p:extLst>
+  </p:cSld>
+  <p:clrMapOvr>
+    <a:masterClrMapping/>
+  </p:clrMapOvr>
+</p:sld>
+</file>
+
+<file path=ppt/slides/slide25.xml><?xml version="1.0" encoding="utf-8"?>
 <p:sld xmlns:a="http://schemas.openxmlformats.org/drawingml/2006/main" xmlns:r="http://schemas.openxmlformats.org/officeDocument/2006/relationships" xmlns:p="http://schemas.openxmlformats.org/presentationml/2006/main">
   <p:cSld>
     <p:spTree>
@@ -16658,7 +15997,7 @@
           <a:p>
             <a:fld id="{6D95AE55-B5F4-483D-AEFF-E8059F5502F5}" type="slidenum">
               <a:rPr lang="en-US" smtClean="0"/>
-              <a:t>22</a:t>
+              <a:t>25</a:t>
             </a:fld>
             <a:endParaRPr lang="en-US"/>
           </a:p>
@@ -17056,7 +16395,7 @@
 </p:sld>
 </file>
 
-<file path=ppt/slides/slide23.xml><?xml version="1.0" encoding="utf-8"?>
+<file path=ppt/slides/slide26.xml><?xml version="1.0" encoding="utf-8"?>
 <p:sld xmlns:a="http://schemas.openxmlformats.org/drawingml/2006/main" xmlns:r="http://schemas.openxmlformats.org/officeDocument/2006/relationships" xmlns:p="http://schemas.openxmlformats.org/presentationml/2006/main">
   <p:cSld>
     <p:spTree>
@@ -17301,7 +16640,7 @@
           <a:p>
             <a:fld id="{6D95AE55-B5F4-483D-AEFF-E8059F5502F5}" type="slidenum">
               <a:rPr lang="en-US" smtClean="0"/>
-              <a:t>23</a:t>
+              <a:t>26</a:t>
             </a:fld>
             <a:endParaRPr lang="en-US"/>
           </a:p>
@@ -17855,7 +17194,7 @@
 </p:sld>
 </file>
 
-<file path=ppt/slides/slide24.xml><?xml version="1.0" encoding="utf-8"?>
+<file path=ppt/slides/slide27.xml><?xml version="1.0" encoding="utf-8"?>
 <p:sld xmlns:a="http://schemas.openxmlformats.org/drawingml/2006/main" xmlns:r="http://schemas.openxmlformats.org/officeDocument/2006/relationships" xmlns:p="http://schemas.openxmlformats.org/presentationml/2006/main">
   <p:cSld>
     <p:spTree>
@@ -18100,7 +17439,7 @@
           <a:p>
             <a:fld id="{6D95AE55-B5F4-483D-AEFF-E8059F5502F5}" type="slidenum">
               <a:rPr lang="en-US" smtClean="0"/>
-              <a:t>24</a:t>
+              <a:t>27</a:t>
             </a:fld>
             <a:endParaRPr lang="en-US"/>
           </a:p>
@@ -18743,7 +18082,7 @@
 </p:sld>
 </file>
 
-<file path=ppt/slides/slide25.xml><?xml version="1.0" encoding="utf-8"?>
+<file path=ppt/slides/slide28.xml><?xml version="1.0" encoding="utf-8"?>
 <p:sld xmlns:a="http://schemas.openxmlformats.org/drawingml/2006/main" xmlns:r="http://schemas.openxmlformats.org/officeDocument/2006/relationships" xmlns:p="http://schemas.openxmlformats.org/presentationml/2006/main">
   <p:cSld>
     <p:spTree>
@@ -18862,7 +18201,7 @@
           <a:p>
             <a:fld id="{AAD8A31E-A4F3-4577-8E71-C696B2CAECD5}" type="slidenum">
               <a:rPr lang="en-US" smtClean="0"/>
-              <a:t>25</a:t>
+              <a:t>28</a:t>
             </a:fld>
             <a:endParaRPr lang="en-US"/>
           </a:p>
@@ -19002,7 +18341,7 @@
 </p:sld>
 </file>
 
-<file path=ppt/slides/slide26.xml><?xml version="1.0" encoding="utf-8"?>
+<file path=ppt/slides/slide29.xml><?xml version="1.0" encoding="utf-8"?>
 <p:sld xmlns:a="http://schemas.openxmlformats.org/drawingml/2006/main" xmlns:r="http://schemas.openxmlformats.org/officeDocument/2006/relationships" xmlns:p="http://schemas.openxmlformats.org/presentationml/2006/main">
   <p:cSld>
     <p:spTree>
@@ -19121,7 +18460,7 @@
           <a:p>
             <a:fld id="{AAD8A31E-A4F3-4577-8E71-C696B2CAECD5}" type="slidenum">
               <a:rPr lang="en-US" smtClean="0"/>
-              <a:t>26</a:t>
+              <a:t>29</a:t>
             </a:fld>
             <a:endParaRPr lang="en-US"/>
           </a:p>
@@ -19140,7 +18479,7 @@
 </p:sld>
 </file>
 
-<file path=ppt/slides/slide27.xml><?xml version="1.0" encoding="utf-8"?>
+<file path=ppt/slides/slide3.xml><?xml version="1.0" encoding="utf-8"?>
 <p:sld xmlns:a="http://schemas.openxmlformats.org/drawingml/2006/main" xmlns:r="http://schemas.openxmlformats.org/officeDocument/2006/relationships" xmlns:p="http://schemas.openxmlformats.org/presentationml/2006/main">
   <p:cSld>
     <p:spTree>
@@ -19162,6 +18501,262 @@
           <p:cNvPr id="2" name="Title 1">
             <a:extLst>
               <a:ext uri="{FF2B5EF4-FFF2-40B4-BE49-F238E27FC236}">
+                <a16:creationId xmlns:a16="http://schemas.microsoft.com/office/drawing/2014/main" id="{C445B9D9-90CC-37A4-5A12-45B1B0495204}"/>
+              </a:ext>
+            </a:extLst>
+          </p:cNvPr>
+          <p:cNvSpPr>
+            <a:spLocks noGrp="1"/>
+          </p:cNvSpPr>
+          <p:nvPr>
+            <p:ph type="title"/>
+          </p:nvPr>
+        </p:nvSpPr>
+        <p:spPr/>
+        <p:txBody>
+          <a:bodyPr/>
+          <a:lstStyle/>
+          <a:p>
+            <a:r>
+              <a:rPr lang="en-US" dirty="0"/>
+              <a:t>But First! Folders (Directories)</a:t>
+            </a:r>
+          </a:p>
+        </p:txBody>
+      </p:sp>
+      <p:sp>
+        <p:nvSpPr>
+          <p:cNvPr id="4" name="Content Placeholder 2">
+            <a:extLst>
+              <a:ext uri="{FF2B5EF4-FFF2-40B4-BE49-F238E27FC236}">
+                <a16:creationId xmlns:a16="http://schemas.microsoft.com/office/drawing/2014/main" id="{94C2CAD0-D3C2-B6FC-CF52-2BE4DAB97EFD}"/>
+              </a:ext>
+            </a:extLst>
+          </p:cNvPr>
+          <p:cNvSpPr>
+            <a:spLocks noGrp="1"/>
+          </p:cNvSpPr>
+          <p:nvPr>
+            <p:ph idx="1"/>
+          </p:nvPr>
+        </p:nvSpPr>
+        <p:spPr>
+          <a:xfrm>
+            <a:off x="838200" y="1825625"/>
+            <a:ext cx="5930348" cy="4670868"/>
+          </a:xfrm>
+        </p:spPr>
+        <p:txBody>
+          <a:bodyPr>
+            <a:normAutofit fontScale="92500" lnSpcReduction="10000"/>
+          </a:bodyPr>
+          <a:lstStyle/>
+          <a:p>
+            <a:r>
+              <a:rPr lang="en-US" dirty="0"/>
+              <a:t>What is a directory? </a:t>
+            </a:r>
+          </a:p>
+          <a:p>
+            <a:endParaRPr lang="en-US" dirty="0"/>
+          </a:p>
+          <a:p>
+            <a:r>
+              <a:rPr lang="en-US" dirty="0"/>
+              <a:t>Before importing your data, you should know where R thinks you are</a:t>
+            </a:r>
+          </a:p>
+          <a:p>
+            <a:endParaRPr lang="en-US" dirty="0"/>
+          </a:p>
+          <a:p>
+            <a:r>
+              <a:rPr lang="en-US" dirty="0"/>
+              <a:t>Using modern tools in R (like R Projects!) avoids many of the headaches with directories; regardless, it’s important to be aware of these issues. </a:t>
+            </a:r>
+          </a:p>
+          <a:p>
+            <a:endParaRPr lang="en-US" dirty="0"/>
+          </a:p>
+          <a:p>
+            <a:r>
+              <a:rPr lang="en-US" dirty="0"/>
+              <a:t>Type </a:t>
+            </a:r>
+            <a:r>
+              <a:rPr lang="en-US" sz="2400" b="1" dirty="0" err="1">
+                <a:latin typeface="Consolas" panose="020B0609020204030204" pitchFamily="49" charset="0"/>
+              </a:rPr>
+              <a:t>getwd</a:t>
+            </a:r>
+            <a:r>
+              <a:rPr lang="en-US" sz="2400" b="1" dirty="0">
+                <a:latin typeface="Consolas" panose="020B0609020204030204" pitchFamily="49" charset="0"/>
+              </a:rPr>
+              <a:t>()</a:t>
+            </a:r>
+            <a:r>
+              <a:rPr lang="en-US" sz="2400" dirty="0">
+                <a:latin typeface="Calibri" panose="020F0502020204030204" pitchFamily="34" charset="0"/>
+                <a:cs typeface="Calibri" panose="020F0502020204030204" pitchFamily="34" charset="0"/>
+              </a:rPr>
+              <a:t> </a:t>
+            </a:r>
+            <a:r>
+              <a:rPr lang="en-US" dirty="0"/>
+              <a:t>to see what your working directory is. </a:t>
+            </a:r>
+          </a:p>
+        </p:txBody>
+      </p:sp>
+      <p:sp>
+        <p:nvSpPr>
+          <p:cNvPr id="5" name="TextBox 4">
+            <a:extLst>
+              <a:ext uri="{FF2B5EF4-FFF2-40B4-BE49-F238E27FC236}">
+                <a16:creationId xmlns:a16="http://schemas.microsoft.com/office/drawing/2014/main" id="{A4BEF2E1-4DAD-5969-AF97-433C43F6DAB1}"/>
+              </a:ext>
+            </a:extLst>
+          </p:cNvPr>
+          <p:cNvSpPr txBox="1"/>
+          <p:nvPr/>
+        </p:nvSpPr>
+        <p:spPr>
+          <a:xfrm>
+            <a:off x="6953955" y="1834504"/>
+            <a:ext cx="5373511" cy="2616101"/>
+          </a:xfrm>
+          <a:prstGeom prst="rect">
+            <a:avLst/>
+          </a:prstGeom>
+          <a:noFill/>
+        </p:spPr>
+        <p:txBody>
+          <a:bodyPr wrap="square" rtlCol="0">
+            <a:spAutoFit/>
+          </a:bodyPr>
+          <a:lstStyle/>
+          <a:p>
+            <a:r>
+              <a:rPr lang="en-US" sz="2800" dirty="0"/>
+              <a:t>What happens if you write:</a:t>
+            </a:r>
+          </a:p>
+          <a:p>
+            <a:pPr marL="0" indent="0">
+              <a:buNone/>
+            </a:pPr>
+            <a:r>
+              <a:rPr lang="en-US" sz="2400" dirty="0">
+                <a:latin typeface="Consolas" panose="020B0609020204030204" pitchFamily="49" charset="0"/>
+              </a:rPr>
+              <a:t>&gt; read.csv(“input.csv”)</a:t>
+            </a:r>
+            <a:r>
+              <a:rPr lang="en-US" sz="2800" dirty="0">
+                <a:latin typeface="Consolas" panose="020B0609020204030204" pitchFamily="49" charset="0"/>
+              </a:rPr>
+              <a:t> </a:t>
+            </a:r>
+          </a:p>
+          <a:p>
+            <a:pPr marL="0" indent="0">
+              <a:buNone/>
+            </a:pPr>
+            <a:r>
+              <a:rPr lang="en-US" sz="2800" dirty="0"/>
+              <a:t> </a:t>
+            </a:r>
+          </a:p>
+          <a:p>
+            <a:pPr marL="0" indent="0">
+              <a:buNone/>
+            </a:pPr>
+            <a:r>
+              <a:rPr lang="en-US" sz="2800" dirty="0"/>
+              <a:t>It can’t find the file. Change this to </a:t>
+            </a:r>
+          </a:p>
+          <a:p>
+            <a:pPr marL="0" indent="0">
+              <a:buNone/>
+            </a:pPr>
+            <a:r>
+              <a:rPr lang="en-US" sz="2400" dirty="0">
+                <a:latin typeface="Consolas" panose="020B0609020204030204" pitchFamily="49" charset="0"/>
+              </a:rPr>
+              <a:t>&gt; read.csv(“data/input.csv”)</a:t>
+            </a:r>
+          </a:p>
+          <a:p>
+            <a:endParaRPr lang="en-US" sz="2800" dirty="0"/>
+          </a:p>
+        </p:txBody>
+      </p:sp>
+      <p:sp>
+        <p:nvSpPr>
+          <p:cNvPr id="6" name="Slide Number Placeholder 5">
+            <a:extLst>
+              <a:ext uri="{FF2B5EF4-FFF2-40B4-BE49-F238E27FC236}">
+                <a16:creationId xmlns:a16="http://schemas.microsoft.com/office/drawing/2014/main" id="{74B3464A-5237-D678-138C-8BFD9D2ED936}"/>
+              </a:ext>
+            </a:extLst>
+          </p:cNvPr>
+          <p:cNvSpPr>
+            <a:spLocks noGrp="1"/>
+          </p:cNvSpPr>
+          <p:nvPr>
+            <p:ph type="sldNum" sz="quarter" idx="12"/>
+          </p:nvPr>
+        </p:nvSpPr>
+        <p:spPr/>
+        <p:txBody>
+          <a:bodyPr/>
+          <a:lstStyle/>
+          <a:p>
+            <a:fld id="{AAD8A31E-A4F3-4577-8E71-C696B2CAECD5}" type="slidenum">
+              <a:rPr lang="en-US" smtClean="0"/>
+              <a:t>3</a:t>
+            </a:fld>
+            <a:endParaRPr lang="en-US"/>
+          </a:p>
+        </p:txBody>
+      </p:sp>
+    </p:spTree>
+    <p:extLst>
+      <p:ext uri="{BB962C8B-B14F-4D97-AF65-F5344CB8AC3E}">
+        <p14:creationId xmlns:p14="http://schemas.microsoft.com/office/powerpoint/2010/main" val="3043953453"/>
+      </p:ext>
+    </p:extLst>
+  </p:cSld>
+  <p:clrMapOvr>
+    <a:masterClrMapping/>
+  </p:clrMapOvr>
+</p:sld>
+</file>
+
+<file path=ppt/slides/slide30.xml><?xml version="1.0" encoding="utf-8"?>
+<p:sld xmlns:a="http://schemas.openxmlformats.org/drawingml/2006/main" xmlns:r="http://schemas.openxmlformats.org/officeDocument/2006/relationships" xmlns:p="http://schemas.openxmlformats.org/presentationml/2006/main">
+  <p:cSld>
+    <p:spTree>
+      <p:nvGrpSpPr>
+        <p:cNvPr id="1" name=""/>
+        <p:cNvGrpSpPr/>
+        <p:nvPr/>
+      </p:nvGrpSpPr>
+      <p:grpSpPr>
+        <a:xfrm>
+          <a:off x="0" y="0"/>
+          <a:ext cx="0" cy="0"/>
+          <a:chOff x="0" y="0"/>
+          <a:chExt cx="0" cy="0"/>
+        </a:xfrm>
+      </p:grpSpPr>
+      <p:sp>
+        <p:nvSpPr>
+          <p:cNvPr id="2" name="Title 1">
+            <a:extLst>
+              <a:ext uri="{FF2B5EF4-FFF2-40B4-BE49-F238E27FC236}">
                 <a16:creationId xmlns:a16="http://schemas.microsoft.com/office/drawing/2014/main" id="{F04A0025-86B4-45A9-B3CA-D80C868E3E02}"/>
               </a:ext>
             </a:extLst>
@@ -19288,7 +18883,7 @@
           <a:p>
             <a:fld id="{6D95AE55-B5F4-483D-AEFF-E8059F5502F5}" type="slidenum">
               <a:rPr lang="en-US" smtClean="0"/>
-              <a:t>27</a:t>
+              <a:t>30</a:t>
             </a:fld>
             <a:endParaRPr lang="en-US"/>
           </a:p>
@@ -20274,7 +19869,7 @@
 </p:sld>
 </file>
 
-<file path=ppt/slides/slide28.xml><?xml version="1.0" encoding="utf-8"?>
+<file path=ppt/slides/slide31.xml><?xml version="1.0" encoding="utf-8"?>
 <p:sld xmlns:a="http://schemas.openxmlformats.org/drawingml/2006/main" xmlns:r="http://schemas.openxmlformats.org/officeDocument/2006/relationships" xmlns:p="http://schemas.openxmlformats.org/presentationml/2006/main">
   <p:cSld>
     <p:spTree>
@@ -20342,7 +19937,7 @@
           <a:p>
             <a:fld id="{AAD8A31E-A4F3-4577-8E71-C696B2CAECD5}" type="slidenum">
               <a:rPr lang="en-US" smtClean="0"/>
-              <a:t>28</a:t>
+              <a:t>31</a:t>
             </a:fld>
             <a:endParaRPr lang="en-US"/>
           </a:p>
@@ -21706,7 +21301,7 @@
 </p:sld>
 </file>
 
-<file path=ppt/slides/slide29.xml><?xml version="1.0" encoding="utf-8"?>
+<file path=ppt/slides/slide32.xml><?xml version="1.0" encoding="utf-8"?>
 <p:sld xmlns:a="http://schemas.openxmlformats.org/drawingml/2006/main" xmlns:r="http://schemas.openxmlformats.org/officeDocument/2006/relationships" xmlns:p="http://schemas.openxmlformats.org/presentationml/2006/main">
   <p:cSld>
     <p:spTree>
@@ -22122,7 +21717,7 @@
           <a:p>
             <a:fld id="{6D95AE55-B5F4-483D-AEFF-E8059F5502F5}" type="slidenum">
               <a:rPr lang="en-US" smtClean="0"/>
-              <a:t>29</a:t>
+              <a:t>32</a:t>
             </a:fld>
             <a:endParaRPr lang="en-US"/>
           </a:p>
@@ -22292,271 +21887,7 @@
 </p:sld>
 </file>
 
-<file path=ppt/slides/slide3.xml><?xml version="1.0" encoding="utf-8"?>
-<p:sld xmlns:a="http://schemas.openxmlformats.org/drawingml/2006/main" xmlns:r="http://schemas.openxmlformats.org/officeDocument/2006/relationships" xmlns:p="http://schemas.openxmlformats.org/presentationml/2006/main">
-  <p:cSld>
-    <p:spTree>
-      <p:nvGrpSpPr>
-        <p:cNvPr id="1" name=""/>
-        <p:cNvGrpSpPr/>
-        <p:nvPr/>
-      </p:nvGrpSpPr>
-      <p:grpSpPr>
-        <a:xfrm>
-          <a:off x="0" y="0"/>
-          <a:ext cx="0" cy="0"/>
-          <a:chOff x="0" y="0"/>
-          <a:chExt cx="0" cy="0"/>
-        </a:xfrm>
-      </p:grpSpPr>
-      <p:sp>
-        <p:nvSpPr>
-          <p:cNvPr id="2" name="Title 1">
-            <a:extLst>
-              <a:ext uri="{FF2B5EF4-FFF2-40B4-BE49-F238E27FC236}">
-                <a16:creationId xmlns:a16="http://schemas.microsoft.com/office/drawing/2014/main" id="{C445B9D9-90CC-37A4-5A12-45B1B0495204}"/>
-              </a:ext>
-            </a:extLst>
-          </p:cNvPr>
-          <p:cNvSpPr>
-            <a:spLocks noGrp="1"/>
-          </p:cNvSpPr>
-          <p:nvPr>
-            <p:ph type="title"/>
-          </p:nvPr>
-        </p:nvSpPr>
-        <p:spPr/>
-        <p:txBody>
-          <a:bodyPr/>
-          <a:lstStyle/>
-          <a:p>
-            <a:r>
-              <a:rPr lang="en-US" dirty="0"/>
-              <a:t>But First! Folders (Directories)</a:t>
-            </a:r>
-          </a:p>
-        </p:txBody>
-      </p:sp>
-      <p:sp>
-        <p:nvSpPr>
-          <p:cNvPr id="4" name="Content Placeholder 2">
-            <a:extLst>
-              <a:ext uri="{FF2B5EF4-FFF2-40B4-BE49-F238E27FC236}">
-                <a16:creationId xmlns:a16="http://schemas.microsoft.com/office/drawing/2014/main" id="{94C2CAD0-D3C2-B6FC-CF52-2BE4DAB97EFD}"/>
-              </a:ext>
-            </a:extLst>
-          </p:cNvPr>
-          <p:cNvSpPr>
-            <a:spLocks noGrp="1"/>
-          </p:cNvSpPr>
-          <p:nvPr>
-            <p:ph idx="1"/>
-          </p:nvPr>
-        </p:nvSpPr>
-        <p:spPr>
-          <a:xfrm>
-            <a:off x="838200" y="1825625"/>
-            <a:ext cx="5851849" cy="4670868"/>
-          </a:xfrm>
-        </p:spPr>
-        <p:txBody>
-          <a:bodyPr>
-            <a:normAutofit fontScale="92500" lnSpcReduction="10000"/>
-          </a:bodyPr>
-          <a:lstStyle/>
-          <a:p>
-            <a:r>
-              <a:rPr lang="en-US" dirty="0"/>
-              <a:t>What is a directory? </a:t>
-            </a:r>
-          </a:p>
-          <a:p>
-            <a:endParaRPr lang="en-US" dirty="0"/>
-          </a:p>
-          <a:p>
-            <a:r>
-              <a:rPr lang="en-US" dirty="0"/>
-              <a:t>Before importing your data, you should know where R thinks you are</a:t>
-            </a:r>
-          </a:p>
-          <a:p>
-            <a:endParaRPr lang="en-US" dirty="0"/>
-          </a:p>
-          <a:p>
-            <a:r>
-              <a:rPr lang="en-US" dirty="0"/>
-              <a:t>Using modern tools in R (like </a:t>
-            </a:r>
-            <a:r>
-              <a:rPr lang="en-US" dirty="0" err="1"/>
-              <a:t>Rprojects</a:t>
-            </a:r>
-            <a:r>
-              <a:rPr lang="en-US" dirty="0"/>
-              <a:t>!) avoids many of the headaches with directories; regardless, it’s important to be aware of these issues. </a:t>
-            </a:r>
-          </a:p>
-          <a:p>
-            <a:endParaRPr lang="en-US" dirty="0"/>
-          </a:p>
-          <a:p>
-            <a:r>
-              <a:rPr lang="en-US" dirty="0"/>
-              <a:t>Type </a:t>
-            </a:r>
-            <a:r>
-              <a:rPr lang="en-US" sz="2400" b="1" dirty="0" err="1">
-                <a:latin typeface="Consolas" panose="020B0609020204030204" pitchFamily="49" charset="0"/>
-              </a:rPr>
-              <a:t>getwd</a:t>
-            </a:r>
-            <a:r>
-              <a:rPr lang="en-US" sz="2400" b="1" dirty="0">
-                <a:latin typeface="Consolas" panose="020B0609020204030204" pitchFamily="49" charset="0"/>
-              </a:rPr>
-              <a:t>()</a:t>
-            </a:r>
-            <a:r>
-              <a:rPr lang="en-US" sz="2400" dirty="0">
-                <a:latin typeface="Calibri" panose="020F0502020204030204" pitchFamily="34" charset="0"/>
-                <a:cs typeface="Calibri" panose="020F0502020204030204" pitchFamily="34" charset="0"/>
-              </a:rPr>
-              <a:t> </a:t>
-            </a:r>
-            <a:r>
-              <a:rPr lang="en-US" dirty="0"/>
-              <a:t>to see what your working directory is. </a:t>
-            </a:r>
-          </a:p>
-        </p:txBody>
-      </p:sp>
-      <p:sp>
-        <p:nvSpPr>
-          <p:cNvPr id="5" name="TextBox 4">
-            <a:extLst>
-              <a:ext uri="{FF2B5EF4-FFF2-40B4-BE49-F238E27FC236}">
-                <a16:creationId xmlns:a16="http://schemas.microsoft.com/office/drawing/2014/main" id="{A4BEF2E1-4DAD-5969-AF97-433C43F6DAB1}"/>
-              </a:ext>
-            </a:extLst>
-          </p:cNvPr>
-          <p:cNvSpPr txBox="1"/>
-          <p:nvPr/>
-        </p:nvSpPr>
-        <p:spPr>
-          <a:xfrm>
-            <a:off x="6953955" y="1834504"/>
-            <a:ext cx="5373511" cy="2616101"/>
-          </a:xfrm>
-          <a:prstGeom prst="rect">
-            <a:avLst/>
-          </a:prstGeom>
-          <a:noFill/>
-        </p:spPr>
-        <p:txBody>
-          <a:bodyPr wrap="square" rtlCol="0">
-            <a:spAutoFit/>
-          </a:bodyPr>
-          <a:lstStyle/>
-          <a:p>
-            <a:r>
-              <a:rPr lang="en-US" sz="2800" dirty="0"/>
-              <a:t>What happens if you write:</a:t>
-            </a:r>
-          </a:p>
-          <a:p>
-            <a:pPr marL="0" indent="0">
-              <a:buNone/>
-            </a:pPr>
-            <a:r>
-              <a:rPr lang="en-US" sz="2400" dirty="0">
-                <a:latin typeface="Consolas" panose="020B0609020204030204" pitchFamily="49" charset="0"/>
-              </a:rPr>
-              <a:t>&gt; read.csv(“input.csv”)</a:t>
-            </a:r>
-            <a:r>
-              <a:rPr lang="en-US" sz="2800" dirty="0">
-                <a:latin typeface="Consolas" panose="020B0609020204030204" pitchFamily="49" charset="0"/>
-              </a:rPr>
-              <a:t> </a:t>
-            </a:r>
-          </a:p>
-          <a:p>
-            <a:pPr marL="0" indent="0">
-              <a:buNone/>
-            </a:pPr>
-            <a:r>
-              <a:rPr lang="en-US" sz="2800" dirty="0"/>
-              <a:t> </a:t>
-            </a:r>
-          </a:p>
-          <a:p>
-            <a:pPr marL="0" indent="0">
-              <a:buNone/>
-            </a:pPr>
-            <a:r>
-              <a:rPr lang="en-US" sz="2800" dirty="0"/>
-              <a:t>It can’t find the file. Change this to </a:t>
-            </a:r>
-          </a:p>
-          <a:p>
-            <a:pPr marL="0" indent="0">
-              <a:buNone/>
-            </a:pPr>
-            <a:r>
-              <a:rPr lang="en-US" sz="2400" dirty="0">
-                <a:latin typeface="Consolas" panose="020B0609020204030204" pitchFamily="49" charset="0"/>
-              </a:rPr>
-              <a:t>&gt; read.csv(“data/input.csv”)</a:t>
-            </a:r>
-          </a:p>
-          <a:p>
-            <a:endParaRPr lang="en-US" sz="2800" dirty="0"/>
-          </a:p>
-        </p:txBody>
-      </p:sp>
-      <p:sp>
-        <p:nvSpPr>
-          <p:cNvPr id="6" name="Slide Number Placeholder 5">
-            <a:extLst>
-              <a:ext uri="{FF2B5EF4-FFF2-40B4-BE49-F238E27FC236}">
-                <a16:creationId xmlns:a16="http://schemas.microsoft.com/office/drawing/2014/main" id="{74B3464A-5237-D678-138C-8BFD9D2ED936}"/>
-              </a:ext>
-            </a:extLst>
-          </p:cNvPr>
-          <p:cNvSpPr>
-            <a:spLocks noGrp="1"/>
-          </p:cNvSpPr>
-          <p:nvPr>
-            <p:ph type="sldNum" sz="quarter" idx="12"/>
-          </p:nvPr>
-        </p:nvSpPr>
-        <p:spPr/>
-        <p:txBody>
-          <a:bodyPr/>
-          <a:lstStyle/>
-          <a:p>
-            <a:fld id="{AAD8A31E-A4F3-4577-8E71-C696B2CAECD5}" type="slidenum">
-              <a:rPr lang="en-US" smtClean="0"/>
-              <a:t>3</a:t>
-            </a:fld>
-            <a:endParaRPr lang="en-US"/>
-          </a:p>
-        </p:txBody>
-      </p:sp>
-    </p:spTree>
-    <p:extLst>
-      <p:ext uri="{BB962C8B-B14F-4D97-AF65-F5344CB8AC3E}">
-        <p14:creationId xmlns:p14="http://schemas.microsoft.com/office/powerpoint/2010/main" val="3043953453"/>
-      </p:ext>
-    </p:extLst>
-  </p:cSld>
-  <p:clrMapOvr>
-    <a:masterClrMapping/>
-  </p:clrMapOvr>
-</p:sld>
-</file>
-
-<file path=ppt/slides/slide30.xml><?xml version="1.0" encoding="utf-8"?>
+<file path=ppt/slides/slide33.xml><?xml version="1.0" encoding="utf-8"?>
 <p:sld xmlns:a="http://schemas.openxmlformats.org/drawingml/2006/main" xmlns:r="http://schemas.openxmlformats.org/officeDocument/2006/relationships" xmlns:p="http://schemas.openxmlformats.org/presentationml/2006/main">
   <p:cSld>
     <p:spTree>
@@ -22662,7 +21993,7 @@
           <a:p>
             <a:fld id="{AAD8A31E-A4F3-4577-8E71-C696B2CAECD5}" type="slidenum">
               <a:rPr lang="en-US" smtClean="0"/>
-              <a:t>30</a:t>
+              <a:t>33</a:t>
             </a:fld>
             <a:endParaRPr lang="en-US"/>
           </a:p>
@@ -22905,7 +22236,7 @@
 </p:sld>
 </file>
 
-<file path=ppt/slides/slide31.xml><?xml version="1.0" encoding="utf-8"?>
+<file path=ppt/slides/slide34.xml><?xml version="1.0" encoding="utf-8"?>
 <p:sld xmlns:a="http://schemas.openxmlformats.org/drawingml/2006/main" xmlns:r="http://schemas.openxmlformats.org/officeDocument/2006/relationships" xmlns:p="http://schemas.openxmlformats.org/presentationml/2006/main">
   <p:cSld>
     <p:spTree>
@@ -23150,7 +22481,7 @@
           <a:p>
             <a:fld id="{6D95AE55-B5F4-483D-AEFF-E8059F5502F5}" type="slidenum">
               <a:rPr lang="en-US" smtClean="0"/>
-              <a:t>31</a:t>
+              <a:t>34</a:t>
             </a:fld>
             <a:endParaRPr lang="en-US"/>
           </a:p>
@@ -23557,7 +22888,7 @@
 </p:sld>
 </file>
 
-<file path=ppt/slides/slide32.xml><?xml version="1.0" encoding="utf-8"?>
+<file path=ppt/slides/slide35.xml><?xml version="1.0" encoding="utf-8"?>
 <p:sld xmlns:a="http://schemas.openxmlformats.org/drawingml/2006/main" xmlns:r="http://schemas.openxmlformats.org/officeDocument/2006/relationships" xmlns:p="http://schemas.openxmlformats.org/presentationml/2006/main">
   <p:cSld>
     <p:spTree>
@@ -23844,7 +23175,7 @@
           <a:p>
             <a:fld id="{6D95AE55-B5F4-483D-AEFF-E8059F5502F5}" type="slidenum">
               <a:rPr lang="en-US" smtClean="0"/>
-              <a:t>32</a:t>
+              <a:t>35</a:t>
             </a:fld>
             <a:endParaRPr lang="en-US"/>
           </a:p>
@@ -26997,8 +26328,8 @@
         </p:nvSpPr>
         <p:spPr>
           <a:xfrm>
-            <a:off x="838200" y="1825625"/>
-            <a:ext cx="6735417" cy="4351338"/>
+            <a:off x="546653" y="1825625"/>
+            <a:ext cx="6748670" cy="4351338"/>
           </a:xfrm>
         </p:spPr>
         <p:txBody>
@@ -27045,7 +26376,7 @@
             </a:r>
             <a:r>
               <a:rPr lang="en-US" dirty="0"/>
-              <a:t>– Use “long” format (lots of rows) with each row being a year &amp; stream</a:t>
+              <a:t>– Use “long” format (lots of rows) e.g., each row being a year &amp; species</a:t>
             </a:r>
           </a:p>
           <a:p>
@@ -27095,6 +26426,765 @@
           </a:p>
         </p:txBody>
       </p:sp>
+      <p:pic>
+        <p:nvPicPr>
+          <p:cNvPr id="5" name="Picture 4" descr="Icon&#10;&#10;Description automatically generated">
+            <a:extLst>
+              <a:ext uri="{FF2B5EF4-FFF2-40B4-BE49-F238E27FC236}">
+                <a16:creationId xmlns:a16="http://schemas.microsoft.com/office/drawing/2014/main" id="{0DEA328F-F8FB-4E78-4793-F012E2CDE5DC}"/>
+              </a:ext>
+            </a:extLst>
+          </p:cNvPr>
+          <p:cNvPicPr>
+            <a:picLocks noChangeAspect="1"/>
+          </p:cNvPicPr>
+          <p:nvPr/>
+        </p:nvPicPr>
+        <p:blipFill>
+          <a:blip r:embed="rId2">
+            <a:duotone>
+              <a:schemeClr val="accent6">
+                <a:shade val="45000"/>
+                <a:satMod val="135000"/>
+              </a:schemeClr>
+              <a:prstClr val="white"/>
+            </a:duotone>
+            <a:extLst>
+              <a:ext uri="{28A0092B-C50C-407E-A947-70E740481C1C}">
+                <a14:useLocalDpi xmlns:a14="http://schemas.microsoft.com/office/drawing/2010/main" val="0"/>
+              </a:ext>
+            </a:extLst>
+          </a:blip>
+          <a:stretch>
+            <a:fillRect/>
+          </a:stretch>
+        </p:blipFill>
+        <p:spPr>
+          <a:xfrm>
+            <a:off x="8895041" y="5454925"/>
+            <a:ext cx="1037950" cy="1037950"/>
+          </a:xfrm>
+          <a:prstGeom prst="rect">
+            <a:avLst/>
+          </a:prstGeom>
+        </p:spPr>
+      </p:pic>
+      <p:graphicFrame>
+        <p:nvGraphicFramePr>
+          <p:cNvPr id="6" name="Table 5">
+            <a:extLst>
+              <a:ext uri="{FF2B5EF4-FFF2-40B4-BE49-F238E27FC236}">
+                <a16:creationId xmlns:a16="http://schemas.microsoft.com/office/drawing/2014/main" id="{E797A934-5FE6-0FC6-A8C2-4BEE68B36265}"/>
+              </a:ext>
+            </a:extLst>
+          </p:cNvPr>
+          <p:cNvGraphicFramePr>
+            <a:graphicFrameLocks noGrp="1"/>
+          </p:cNvGraphicFramePr>
+          <p:nvPr>
+            <p:extLst>
+              <p:ext uri="{D42A27DB-BD31-4B8C-83A1-F6EECF244321}">
+                <p14:modId xmlns:p14="http://schemas.microsoft.com/office/powerpoint/2010/main" val="250456162"/>
+              </p:ext>
+            </p:extLst>
+          </p:nvPr>
+        </p:nvGraphicFramePr>
+        <p:xfrm>
+          <a:off x="7673009" y="3551286"/>
+          <a:ext cx="1500077" cy="1112520"/>
+        </p:xfrm>
+        <a:graphic>
+          <a:graphicData uri="http://schemas.openxmlformats.org/drawingml/2006/table">
+            <a:tbl>
+              <a:tblPr firstRow="1" bandRow="1">
+                <a:tableStyleId>{5C22544A-7EE6-4342-B048-85BDC9FD1C3A}</a:tableStyleId>
+              </a:tblPr>
+              <a:tblGrid>
+                <a:gridCol w="496957">
+                  <a:extLst>
+                    <a:ext uri="{9D8B030D-6E8A-4147-A177-3AD203B41FA5}">
+                      <a16:colId xmlns:a16="http://schemas.microsoft.com/office/drawing/2014/main" val="2237024066"/>
+                    </a:ext>
+                  </a:extLst>
+                </a:gridCol>
+                <a:gridCol w="506895">
+                  <a:extLst>
+                    <a:ext uri="{9D8B030D-6E8A-4147-A177-3AD203B41FA5}">
+                      <a16:colId xmlns:a16="http://schemas.microsoft.com/office/drawing/2014/main" val="2113983238"/>
+                    </a:ext>
+                  </a:extLst>
+                </a:gridCol>
+                <a:gridCol w="496225">
+                  <a:extLst>
+                    <a:ext uri="{9D8B030D-6E8A-4147-A177-3AD203B41FA5}">
+                      <a16:colId xmlns:a16="http://schemas.microsoft.com/office/drawing/2014/main" val="1731578586"/>
+                    </a:ext>
+                  </a:extLst>
+                </a:gridCol>
+              </a:tblGrid>
+              <a:tr h="370840">
+                <a:tc>
+                  <a:txBody>
+                    <a:bodyPr/>
+                    <a:lstStyle/>
+                    <a:p>
+                      <a:pPr algn="ctr"/>
+                      <a:endParaRPr lang="en-US" dirty="0"/>
+                    </a:p>
+                  </a:txBody>
+                  <a:tcPr anchor="ctr">
+                    <a:solidFill>
+                      <a:schemeClr val="bg1"/>
+                    </a:solidFill>
+                  </a:tcPr>
+                </a:tc>
+                <a:tc>
+                  <a:txBody>
+                    <a:bodyPr/>
+                    <a:lstStyle/>
+                    <a:p>
+                      <a:pPr algn="ctr"/>
+                      <a:r>
+                        <a:rPr lang="en-US" sz="1100" dirty="0">
+                          <a:solidFill>
+                            <a:schemeClr val="tx1"/>
+                          </a:solidFill>
+                        </a:rPr>
+                        <a:t>Coho</a:t>
+                      </a:r>
+                    </a:p>
+                  </a:txBody>
+                  <a:tcPr anchor="ctr">
+                    <a:solidFill>
+                      <a:schemeClr val="accent2"/>
+                    </a:solidFill>
+                  </a:tcPr>
+                </a:tc>
+                <a:tc>
+                  <a:txBody>
+                    <a:bodyPr/>
+                    <a:lstStyle/>
+                    <a:p>
+                      <a:pPr algn="ctr">
+                        <a:tabLst>
+                          <a:tab pos="5715000" algn="l"/>
+                        </a:tabLst>
+                      </a:pPr>
+                      <a:r>
+                        <a:rPr lang="en-US" sz="1100" dirty="0">
+                          <a:solidFill>
+                            <a:schemeClr val="tx1"/>
+                          </a:solidFill>
+                        </a:rPr>
+                        <a:t>King</a:t>
+                      </a:r>
+                    </a:p>
+                  </a:txBody>
+                  <a:tcPr anchor="ctr">
+                    <a:solidFill>
+                      <a:schemeClr val="accent2"/>
+                    </a:solidFill>
+                  </a:tcPr>
+                </a:tc>
+                <a:extLst>
+                  <a:ext uri="{0D108BD9-81ED-4DB2-BD59-A6C34878D82A}">
+                    <a16:rowId xmlns:a16="http://schemas.microsoft.com/office/drawing/2014/main" val="3565907102"/>
+                  </a:ext>
+                </a:extLst>
+              </a:tr>
+              <a:tr h="370840">
+                <a:tc>
+                  <a:txBody>
+                    <a:bodyPr/>
+                    <a:lstStyle/>
+                    <a:p>
+                      <a:pPr algn="ctr"/>
+                      <a:r>
+                        <a:rPr lang="en-US" sz="1200" dirty="0"/>
+                        <a:t>2022</a:t>
+                      </a:r>
+                    </a:p>
+                  </a:txBody>
+                  <a:tcPr anchor="ctr">
+                    <a:solidFill>
+                      <a:schemeClr val="accent1"/>
+                    </a:solidFill>
+                  </a:tcPr>
+                </a:tc>
+                <a:tc>
+                  <a:txBody>
+                    <a:bodyPr/>
+                    <a:lstStyle/>
+                    <a:p>
+                      <a:pPr algn="ctr"/>
+                      <a:r>
+                        <a:rPr lang="en-US" sz="1400" dirty="0"/>
+                        <a:t>3</a:t>
+                      </a:r>
+                    </a:p>
+                  </a:txBody>
+                  <a:tcPr anchor="ctr">
+                    <a:solidFill>
+                      <a:srgbClr val="E2CFF1"/>
+                    </a:solidFill>
+                  </a:tcPr>
+                </a:tc>
+                <a:tc>
+                  <a:txBody>
+                    <a:bodyPr/>
+                    <a:lstStyle/>
+                    <a:p>
+                      <a:pPr algn="ctr"/>
+                      <a:r>
+                        <a:rPr lang="en-US" sz="1400" dirty="0"/>
+                        <a:t>5</a:t>
+                      </a:r>
+                    </a:p>
+                  </a:txBody>
+                  <a:tcPr anchor="ctr">
+                    <a:solidFill>
+                      <a:srgbClr val="E2CFF1"/>
+                    </a:solidFill>
+                  </a:tcPr>
+                </a:tc>
+                <a:extLst>
+                  <a:ext uri="{0D108BD9-81ED-4DB2-BD59-A6C34878D82A}">
+                    <a16:rowId xmlns:a16="http://schemas.microsoft.com/office/drawing/2014/main" val="3716716896"/>
+                  </a:ext>
+                </a:extLst>
+              </a:tr>
+              <a:tr h="370840">
+                <a:tc>
+                  <a:txBody>
+                    <a:bodyPr/>
+                    <a:lstStyle/>
+                    <a:p>
+                      <a:pPr algn="ctr"/>
+                      <a:r>
+                        <a:rPr lang="en-US" sz="1200" dirty="0"/>
+                        <a:t>2023</a:t>
+                      </a:r>
+                    </a:p>
+                  </a:txBody>
+                  <a:tcPr anchor="ctr">
+                    <a:solidFill>
+                      <a:schemeClr val="accent1"/>
+                    </a:solidFill>
+                  </a:tcPr>
+                </a:tc>
+                <a:tc>
+                  <a:txBody>
+                    <a:bodyPr/>
+                    <a:lstStyle/>
+                    <a:p>
+                      <a:pPr algn="ctr"/>
+                      <a:r>
+                        <a:rPr lang="en-US" sz="1400" dirty="0"/>
+                        <a:t>8</a:t>
+                      </a:r>
+                    </a:p>
+                  </a:txBody>
+                  <a:tcPr anchor="ctr">
+                    <a:solidFill>
+                      <a:srgbClr val="E2CFF1"/>
+                    </a:solidFill>
+                  </a:tcPr>
+                </a:tc>
+                <a:tc>
+                  <a:txBody>
+                    <a:bodyPr/>
+                    <a:lstStyle/>
+                    <a:p>
+                      <a:pPr algn="ctr"/>
+                      <a:r>
+                        <a:rPr lang="en-US" sz="1400" dirty="0"/>
+                        <a:t>11</a:t>
+                      </a:r>
+                    </a:p>
+                  </a:txBody>
+                  <a:tcPr anchor="ctr">
+                    <a:solidFill>
+                      <a:srgbClr val="E2CFF1"/>
+                    </a:solidFill>
+                  </a:tcPr>
+                </a:tc>
+                <a:extLst>
+                  <a:ext uri="{0D108BD9-81ED-4DB2-BD59-A6C34878D82A}">
+                    <a16:rowId xmlns:a16="http://schemas.microsoft.com/office/drawing/2014/main" val="121834352"/>
+                  </a:ext>
+                </a:extLst>
+              </a:tr>
+            </a:tbl>
+          </a:graphicData>
+        </a:graphic>
+      </p:graphicFrame>
+      <p:graphicFrame>
+        <p:nvGraphicFramePr>
+          <p:cNvPr id="7" name="Table 6">
+            <a:extLst>
+              <a:ext uri="{FF2B5EF4-FFF2-40B4-BE49-F238E27FC236}">
+                <a16:creationId xmlns:a16="http://schemas.microsoft.com/office/drawing/2014/main" id="{FAFB8765-971F-985D-2C4B-5210328F90E3}"/>
+              </a:ext>
+            </a:extLst>
+          </p:cNvPr>
+          <p:cNvGraphicFramePr>
+            <a:graphicFrameLocks noGrp="1"/>
+          </p:cNvGraphicFramePr>
+          <p:nvPr>
+            <p:extLst>
+              <p:ext uri="{D42A27DB-BD31-4B8C-83A1-F6EECF244321}">
+                <p14:modId xmlns:p14="http://schemas.microsoft.com/office/powerpoint/2010/main" val="3681665351"/>
+              </p:ext>
+            </p:extLst>
+          </p:nvPr>
+        </p:nvGraphicFramePr>
+        <p:xfrm>
+          <a:off x="10260496" y="3356275"/>
+          <a:ext cx="1736035" cy="1502542"/>
+        </p:xfrm>
+        <a:graphic>
+          <a:graphicData uri="http://schemas.openxmlformats.org/drawingml/2006/table">
+            <a:tbl>
+              <a:tblPr firstRow="1" bandRow="1">
+                <a:tableStyleId>{5C22544A-7EE6-4342-B048-85BDC9FD1C3A}</a:tableStyleId>
+              </a:tblPr>
+              <a:tblGrid>
+                <a:gridCol w="549120">
+                  <a:extLst>
+                    <a:ext uri="{9D8B030D-6E8A-4147-A177-3AD203B41FA5}">
+                      <a16:colId xmlns:a16="http://schemas.microsoft.com/office/drawing/2014/main" val="2237024066"/>
+                    </a:ext>
+                  </a:extLst>
+                </a:gridCol>
+                <a:gridCol w="644618">
+                  <a:extLst>
+                    <a:ext uri="{9D8B030D-6E8A-4147-A177-3AD203B41FA5}">
+                      <a16:colId xmlns:a16="http://schemas.microsoft.com/office/drawing/2014/main" val="2113983238"/>
+                    </a:ext>
+                  </a:extLst>
+                </a:gridCol>
+                <a:gridCol w="542297">
+                  <a:extLst>
+                    <a:ext uri="{9D8B030D-6E8A-4147-A177-3AD203B41FA5}">
+                      <a16:colId xmlns:a16="http://schemas.microsoft.com/office/drawing/2014/main" val="1731578586"/>
+                    </a:ext>
+                  </a:extLst>
+                </a:gridCol>
+              </a:tblGrid>
+              <a:tr h="283342">
+                <a:tc>
+                  <a:txBody>
+                    <a:bodyPr/>
+                    <a:lstStyle/>
+                    <a:p>
+                      <a:pPr algn="ctr"/>
+                      <a:r>
+                        <a:rPr lang="en-US" sz="1100" dirty="0"/>
+                        <a:t>Year</a:t>
+                      </a:r>
+                    </a:p>
+                  </a:txBody>
+                  <a:tcPr anchor="ctr">
+                    <a:solidFill>
+                      <a:schemeClr val="bg2">
+                        <a:lumMod val="50000"/>
+                      </a:schemeClr>
+                    </a:solidFill>
+                  </a:tcPr>
+                </a:tc>
+                <a:tc>
+                  <a:txBody>
+                    <a:bodyPr/>
+                    <a:lstStyle/>
+                    <a:p>
+                      <a:pPr algn="ctr"/>
+                      <a:r>
+                        <a:rPr lang="en-US" sz="1100" dirty="0"/>
+                        <a:t>Species</a:t>
+                      </a:r>
+                    </a:p>
+                  </a:txBody>
+                  <a:tcPr anchor="ctr">
+                    <a:solidFill>
+                      <a:schemeClr val="bg2">
+                        <a:lumMod val="50000"/>
+                      </a:schemeClr>
+                    </a:solidFill>
+                  </a:tcPr>
+                </a:tc>
+                <a:tc>
+                  <a:txBody>
+                    <a:bodyPr/>
+                    <a:lstStyle/>
+                    <a:p>
+                      <a:pPr algn="ctr">
+                        <a:tabLst>
+                          <a:tab pos="5715000" algn="l"/>
+                        </a:tabLst>
+                      </a:pPr>
+                      <a:r>
+                        <a:rPr lang="en-US" sz="1100" dirty="0"/>
+                        <a:t>Count</a:t>
+                      </a:r>
+                    </a:p>
+                  </a:txBody>
+                  <a:tcPr anchor="ctr">
+                    <a:solidFill>
+                      <a:schemeClr val="bg2">
+                        <a:lumMod val="50000"/>
+                      </a:schemeClr>
+                    </a:solidFill>
+                  </a:tcPr>
+                </a:tc>
+                <a:extLst>
+                  <a:ext uri="{0D108BD9-81ED-4DB2-BD59-A6C34878D82A}">
+                    <a16:rowId xmlns:a16="http://schemas.microsoft.com/office/drawing/2014/main" val="3565907102"/>
+                  </a:ext>
+                </a:extLst>
+              </a:tr>
+              <a:tr h="0">
+                <a:tc>
+                  <a:txBody>
+                    <a:bodyPr/>
+                    <a:lstStyle/>
+                    <a:p>
+                      <a:pPr algn="ctr"/>
+                      <a:r>
+                        <a:rPr lang="en-US" sz="1200" dirty="0"/>
+                        <a:t>2022</a:t>
+                      </a:r>
+                    </a:p>
+                  </a:txBody>
+                  <a:tcPr anchor="ctr">
+                    <a:solidFill>
+                      <a:schemeClr val="accent1"/>
+                    </a:solidFill>
+                  </a:tcPr>
+                </a:tc>
+                <a:tc>
+                  <a:txBody>
+                    <a:bodyPr/>
+                    <a:lstStyle/>
+                    <a:p>
+                      <a:pPr algn="ctr"/>
+                      <a:r>
+                        <a:rPr lang="en-US" sz="1100" dirty="0"/>
+                        <a:t>Coho</a:t>
+                      </a:r>
+                    </a:p>
+                  </a:txBody>
+                  <a:tcPr anchor="ctr">
+                    <a:solidFill>
+                      <a:schemeClr val="accent2"/>
+                    </a:solidFill>
+                  </a:tcPr>
+                </a:tc>
+                <a:tc>
+                  <a:txBody>
+                    <a:bodyPr/>
+                    <a:lstStyle/>
+                    <a:p>
+                      <a:pPr algn="ctr"/>
+                      <a:r>
+                        <a:rPr lang="en-US" sz="1400" dirty="0"/>
+                        <a:t>3</a:t>
+                      </a:r>
+                    </a:p>
+                  </a:txBody>
+                  <a:tcPr anchor="ctr">
+                    <a:solidFill>
+                      <a:srgbClr val="E2CFF1"/>
+                    </a:solidFill>
+                  </a:tcPr>
+                </a:tc>
+                <a:extLst>
+                  <a:ext uri="{0D108BD9-81ED-4DB2-BD59-A6C34878D82A}">
+                    <a16:rowId xmlns:a16="http://schemas.microsoft.com/office/drawing/2014/main" val="3716716896"/>
+                  </a:ext>
+                </a:extLst>
+              </a:tr>
+              <a:tr h="300161">
+                <a:tc>
+                  <a:txBody>
+                    <a:bodyPr/>
+                    <a:lstStyle/>
+                    <a:p>
+                      <a:pPr algn="ctr"/>
+                      <a:r>
+                        <a:rPr lang="en-US" sz="1200" dirty="0"/>
+                        <a:t>2022</a:t>
+                      </a:r>
+                    </a:p>
+                  </a:txBody>
+                  <a:tcPr anchor="ctr">
+                    <a:solidFill>
+                      <a:schemeClr val="accent1"/>
+                    </a:solidFill>
+                  </a:tcPr>
+                </a:tc>
+                <a:tc>
+                  <a:txBody>
+                    <a:bodyPr/>
+                    <a:lstStyle/>
+                    <a:p>
+                      <a:pPr algn="ctr"/>
+                      <a:r>
+                        <a:rPr lang="en-US" sz="1100" dirty="0"/>
+                        <a:t>King</a:t>
+                      </a:r>
+                    </a:p>
+                  </a:txBody>
+                  <a:tcPr anchor="ctr">
+                    <a:solidFill>
+                      <a:schemeClr val="accent2"/>
+                    </a:solidFill>
+                  </a:tcPr>
+                </a:tc>
+                <a:tc>
+                  <a:txBody>
+                    <a:bodyPr/>
+                    <a:lstStyle/>
+                    <a:p>
+                      <a:pPr algn="ctr"/>
+                      <a:r>
+                        <a:rPr lang="en-US" sz="1400" dirty="0"/>
+                        <a:t>5</a:t>
+                      </a:r>
+                    </a:p>
+                  </a:txBody>
+                  <a:tcPr anchor="ctr">
+                    <a:solidFill>
+                      <a:srgbClr val="E2CFF1"/>
+                    </a:solidFill>
+                  </a:tcPr>
+                </a:tc>
+                <a:extLst>
+                  <a:ext uri="{0D108BD9-81ED-4DB2-BD59-A6C34878D82A}">
+                    <a16:rowId xmlns:a16="http://schemas.microsoft.com/office/drawing/2014/main" val="3107546162"/>
+                  </a:ext>
+                </a:extLst>
+              </a:tr>
+              <a:tr h="232575">
+                <a:tc>
+                  <a:txBody>
+                    <a:bodyPr/>
+                    <a:lstStyle/>
+                    <a:p>
+                      <a:pPr algn="ctr"/>
+                      <a:r>
+                        <a:rPr lang="en-US" sz="1200" dirty="0"/>
+                        <a:t>2023</a:t>
+                      </a:r>
+                    </a:p>
+                  </a:txBody>
+                  <a:tcPr anchor="ctr">
+                    <a:solidFill>
+                      <a:schemeClr val="accent1"/>
+                    </a:solidFill>
+                  </a:tcPr>
+                </a:tc>
+                <a:tc>
+                  <a:txBody>
+                    <a:bodyPr/>
+                    <a:lstStyle/>
+                    <a:p>
+                      <a:pPr algn="ctr"/>
+                      <a:r>
+                        <a:rPr lang="en-US" sz="1100" dirty="0"/>
+                        <a:t>Coho</a:t>
+                      </a:r>
+                    </a:p>
+                  </a:txBody>
+                  <a:tcPr anchor="ctr">
+                    <a:solidFill>
+                      <a:schemeClr val="accent2"/>
+                    </a:solidFill>
+                  </a:tcPr>
+                </a:tc>
+                <a:tc>
+                  <a:txBody>
+                    <a:bodyPr/>
+                    <a:lstStyle/>
+                    <a:p>
+                      <a:pPr algn="ctr"/>
+                      <a:r>
+                        <a:rPr lang="en-US" sz="1400" dirty="0"/>
+                        <a:t>8</a:t>
+                      </a:r>
+                    </a:p>
+                  </a:txBody>
+                  <a:tcPr anchor="ctr">
+                    <a:solidFill>
+                      <a:srgbClr val="E2CFF1"/>
+                    </a:solidFill>
+                  </a:tcPr>
+                </a:tc>
+                <a:extLst>
+                  <a:ext uri="{0D108BD9-81ED-4DB2-BD59-A6C34878D82A}">
+                    <a16:rowId xmlns:a16="http://schemas.microsoft.com/office/drawing/2014/main" val="3369987657"/>
+                  </a:ext>
+                </a:extLst>
+              </a:tr>
+              <a:tr h="234563">
+                <a:tc>
+                  <a:txBody>
+                    <a:bodyPr/>
+                    <a:lstStyle/>
+                    <a:p>
+                      <a:pPr algn="ctr"/>
+                      <a:r>
+                        <a:rPr lang="en-US" sz="1200" dirty="0"/>
+                        <a:t>2023</a:t>
+                      </a:r>
+                    </a:p>
+                  </a:txBody>
+                  <a:tcPr anchor="ctr">
+                    <a:solidFill>
+                      <a:schemeClr val="accent1"/>
+                    </a:solidFill>
+                  </a:tcPr>
+                </a:tc>
+                <a:tc>
+                  <a:txBody>
+                    <a:bodyPr/>
+                    <a:lstStyle/>
+                    <a:p>
+                      <a:pPr algn="ctr"/>
+                      <a:r>
+                        <a:rPr lang="en-US" sz="1100" dirty="0"/>
+                        <a:t>King</a:t>
+                      </a:r>
+                    </a:p>
+                  </a:txBody>
+                  <a:tcPr anchor="ctr">
+                    <a:solidFill>
+                      <a:schemeClr val="accent2"/>
+                    </a:solidFill>
+                  </a:tcPr>
+                </a:tc>
+                <a:tc>
+                  <a:txBody>
+                    <a:bodyPr/>
+                    <a:lstStyle/>
+                    <a:p>
+                      <a:pPr algn="ctr"/>
+                      <a:r>
+                        <a:rPr lang="en-US" sz="1400" dirty="0"/>
+                        <a:t>11</a:t>
+                      </a:r>
+                    </a:p>
+                  </a:txBody>
+                  <a:tcPr anchor="ctr">
+                    <a:solidFill>
+                      <a:srgbClr val="E2CFF1"/>
+                    </a:solidFill>
+                  </a:tcPr>
+                </a:tc>
+                <a:extLst>
+                  <a:ext uri="{0D108BD9-81ED-4DB2-BD59-A6C34878D82A}">
+                    <a16:rowId xmlns:a16="http://schemas.microsoft.com/office/drawing/2014/main" val="121834352"/>
+                  </a:ext>
+                </a:extLst>
+              </a:tr>
+            </a:tbl>
+          </a:graphicData>
+        </a:graphic>
+      </p:graphicFrame>
+      <p:sp>
+        <p:nvSpPr>
+          <p:cNvPr id="8" name="Arrow: Down 7">
+            <a:extLst>
+              <a:ext uri="{FF2B5EF4-FFF2-40B4-BE49-F238E27FC236}">
+                <a16:creationId xmlns:a16="http://schemas.microsoft.com/office/drawing/2014/main" id="{09235486-2B5F-1C95-9743-98C35F7B8AB1}"/>
+              </a:ext>
+            </a:extLst>
+          </p:cNvPr>
+          <p:cNvSpPr/>
+          <p:nvPr/>
+        </p:nvSpPr>
+        <p:spPr>
+          <a:xfrm rot="16200000">
+            <a:off x="9542856" y="3804771"/>
+            <a:ext cx="347870" cy="605550"/>
+          </a:xfrm>
+          <a:prstGeom prst="downArrow">
+            <a:avLst>
+              <a:gd name="adj1" fmla="val 50000"/>
+              <a:gd name="adj2" fmla="val 78572"/>
+            </a:avLst>
+          </a:prstGeom>
+          <a:solidFill>
+            <a:schemeClr val="accent3">
+              <a:lumMod val="75000"/>
+            </a:schemeClr>
+          </a:solidFill>
+          <a:ln>
+            <a:solidFill>
+              <a:srgbClr val="002060"/>
+            </a:solidFill>
+          </a:ln>
+        </p:spPr>
+        <p:style>
+          <a:lnRef idx="2">
+            <a:schemeClr val="accent1">
+              <a:shade val="15000"/>
+            </a:schemeClr>
+          </a:lnRef>
+          <a:fillRef idx="1">
+            <a:schemeClr val="accent1"/>
+          </a:fillRef>
+          <a:effectRef idx="0">
+            <a:schemeClr val="accent1"/>
+          </a:effectRef>
+          <a:fontRef idx="minor">
+            <a:schemeClr val="lt1"/>
+          </a:fontRef>
+        </p:style>
+        <p:txBody>
+          <a:bodyPr rtlCol="0" anchor="ctr"/>
+          <a:lstStyle/>
+          <a:p>
+            <a:pPr algn="ctr"/>
+            <a:endParaRPr lang="en-US"/>
+          </a:p>
+        </p:txBody>
+      </p:sp>
+      <p:pic>
+        <p:nvPicPr>
+          <p:cNvPr id="10" name="Picture 9" descr="A piece of meat on a black background&#10;&#10;Description automatically generated">
+            <a:extLst>
+              <a:ext uri="{FF2B5EF4-FFF2-40B4-BE49-F238E27FC236}">
+                <a16:creationId xmlns:a16="http://schemas.microsoft.com/office/drawing/2014/main" id="{40966222-3B2C-6797-E903-C5A2CBCBF79A}"/>
+              </a:ext>
+            </a:extLst>
+          </p:cNvPr>
+          <p:cNvPicPr>
+            <a:picLocks noChangeAspect="1"/>
+          </p:cNvPicPr>
+          <p:nvPr/>
+        </p:nvPicPr>
+        <p:blipFill>
+          <a:blip r:embed="rId3">
+            <a:extLst>
+              <a:ext uri="{28A0092B-C50C-407E-A947-70E740481C1C}">
+                <a14:useLocalDpi xmlns:a14="http://schemas.microsoft.com/office/drawing/2010/main" val="0"/>
+              </a:ext>
+            </a:extLst>
+          </a:blip>
+          <a:stretch>
+            <a:fillRect/>
+          </a:stretch>
+        </p:blipFill>
+        <p:spPr>
+          <a:xfrm>
+            <a:off x="8770952" y="1917103"/>
+            <a:ext cx="2094224" cy="1037950"/>
+          </a:xfrm>
+          <a:prstGeom prst="rect">
+            <a:avLst/>
+          </a:prstGeom>
+        </p:spPr>
+      </p:pic>
     </p:spTree>
     <p:extLst>
       <p:ext uri="{BB962C8B-B14F-4D97-AF65-F5344CB8AC3E}">
@@ -27105,6 +27195,263 @@
   <p:clrMapOvr>
     <a:masterClrMapping/>
   </p:clrMapOvr>
+  <p:timing>
+    <p:tnLst>
+      <p:par>
+        <p:cTn id="1" dur="indefinite" restart="never" nodeType="tmRoot">
+          <p:childTnLst>
+            <p:seq concurrent="1" nextAc="seek">
+              <p:cTn id="2" dur="indefinite" nodeType="mainSeq">
+                <p:childTnLst>
+                  <p:par>
+                    <p:cTn id="3" fill="hold">
+                      <p:stCondLst>
+                        <p:cond delay="indefinite"/>
+                      </p:stCondLst>
+                      <p:childTnLst>
+                        <p:par>
+                          <p:cTn id="4" fill="hold">
+                            <p:stCondLst>
+                              <p:cond delay="0"/>
+                            </p:stCondLst>
+                            <p:childTnLst>
+                              <p:par>
+                                <p:cTn id="5" presetID="1" presetClass="entr" presetSubtype="0" fill="hold" nodeType="clickEffect">
+                                  <p:stCondLst>
+                                    <p:cond delay="0"/>
+                                  </p:stCondLst>
+                                  <p:childTnLst>
+                                    <p:set>
+                                      <p:cBhvr>
+                                        <p:cTn id="6" dur="1" fill="hold">
+                                          <p:stCondLst>
+                                            <p:cond delay="0"/>
+                                          </p:stCondLst>
+                                        </p:cTn>
+                                        <p:tgtEl>
+                                          <p:spTgt spid="3">
+                                            <p:txEl>
+                                              <p:pRg st="3" end="3"/>
+                                            </p:txEl>
+                                          </p:spTgt>
+                                        </p:tgtEl>
+                                        <p:attrNameLst>
+                                          <p:attrName>style.visibility</p:attrName>
+                                        </p:attrNameLst>
+                                      </p:cBhvr>
+                                      <p:to>
+                                        <p:strVal val="visible"/>
+                                      </p:to>
+                                    </p:set>
+                                  </p:childTnLst>
+                                </p:cTn>
+                              </p:par>
+                            </p:childTnLst>
+                          </p:cTn>
+                        </p:par>
+                      </p:childTnLst>
+                    </p:cTn>
+                  </p:par>
+                  <p:par>
+                    <p:cTn id="7" fill="hold">
+                      <p:stCondLst>
+                        <p:cond delay="indefinite"/>
+                      </p:stCondLst>
+                      <p:childTnLst>
+                        <p:par>
+                          <p:cTn id="8" fill="hold">
+                            <p:stCondLst>
+                              <p:cond delay="0"/>
+                            </p:stCondLst>
+                            <p:childTnLst>
+                              <p:par>
+                                <p:cTn id="9" presetID="1" presetClass="entr" presetSubtype="0" fill="hold" nodeType="clickEffect">
+                                  <p:stCondLst>
+                                    <p:cond delay="0"/>
+                                  </p:stCondLst>
+                                  <p:childTnLst>
+                                    <p:set>
+                                      <p:cBhvr>
+                                        <p:cTn id="10" dur="1" fill="hold">
+                                          <p:stCondLst>
+                                            <p:cond delay="0"/>
+                                          </p:stCondLst>
+                                        </p:cTn>
+                                        <p:tgtEl>
+                                          <p:spTgt spid="6"/>
+                                        </p:tgtEl>
+                                        <p:attrNameLst>
+                                          <p:attrName>style.visibility</p:attrName>
+                                        </p:attrNameLst>
+                                      </p:cBhvr>
+                                      <p:to>
+                                        <p:strVal val="visible"/>
+                                      </p:to>
+                                    </p:set>
+                                  </p:childTnLst>
+                                </p:cTn>
+                              </p:par>
+                              <p:par>
+                                <p:cTn id="11" presetID="1" presetClass="entr" presetSubtype="0" fill="hold" grpId="0" nodeType="withEffect">
+                                  <p:stCondLst>
+                                    <p:cond delay="0"/>
+                                  </p:stCondLst>
+                                  <p:childTnLst>
+                                    <p:set>
+                                      <p:cBhvr>
+                                        <p:cTn id="12" dur="1" fill="hold">
+                                          <p:stCondLst>
+                                            <p:cond delay="0"/>
+                                          </p:stCondLst>
+                                        </p:cTn>
+                                        <p:tgtEl>
+                                          <p:spTgt spid="8"/>
+                                        </p:tgtEl>
+                                        <p:attrNameLst>
+                                          <p:attrName>style.visibility</p:attrName>
+                                        </p:attrNameLst>
+                                      </p:cBhvr>
+                                      <p:to>
+                                        <p:strVal val="visible"/>
+                                      </p:to>
+                                    </p:set>
+                                  </p:childTnLst>
+                                </p:cTn>
+                              </p:par>
+                              <p:par>
+                                <p:cTn id="13" presetID="1" presetClass="entr" presetSubtype="0" fill="hold" nodeType="withEffect">
+                                  <p:stCondLst>
+                                    <p:cond delay="0"/>
+                                  </p:stCondLst>
+                                  <p:childTnLst>
+                                    <p:set>
+                                      <p:cBhvr>
+                                        <p:cTn id="14" dur="1" fill="hold">
+                                          <p:stCondLst>
+                                            <p:cond delay="0"/>
+                                          </p:stCondLst>
+                                        </p:cTn>
+                                        <p:tgtEl>
+                                          <p:spTgt spid="7"/>
+                                        </p:tgtEl>
+                                        <p:attrNameLst>
+                                          <p:attrName>style.visibility</p:attrName>
+                                        </p:attrNameLst>
+                                      </p:cBhvr>
+                                      <p:to>
+                                        <p:strVal val="visible"/>
+                                      </p:to>
+                                    </p:set>
+                                  </p:childTnLst>
+                                </p:cTn>
+                              </p:par>
+                            </p:childTnLst>
+                          </p:cTn>
+                        </p:par>
+                      </p:childTnLst>
+                    </p:cTn>
+                  </p:par>
+                  <p:par>
+                    <p:cTn id="15" fill="hold">
+                      <p:stCondLst>
+                        <p:cond delay="indefinite"/>
+                      </p:stCondLst>
+                      <p:childTnLst>
+                        <p:par>
+                          <p:cTn id="16" fill="hold">
+                            <p:stCondLst>
+                              <p:cond delay="0"/>
+                            </p:stCondLst>
+                            <p:childTnLst>
+                              <p:par>
+                                <p:cTn id="17" presetID="1" presetClass="entr" presetSubtype="0" fill="hold" nodeType="clickEffect">
+                                  <p:stCondLst>
+                                    <p:cond delay="0"/>
+                                  </p:stCondLst>
+                                  <p:childTnLst>
+                                    <p:set>
+                                      <p:cBhvr>
+                                        <p:cTn id="18" dur="1" fill="hold">
+                                          <p:stCondLst>
+                                            <p:cond delay="0"/>
+                                          </p:stCondLst>
+                                        </p:cTn>
+                                        <p:tgtEl>
+                                          <p:spTgt spid="3">
+                                            <p:txEl>
+                                              <p:pRg st="5" end="5"/>
+                                            </p:txEl>
+                                          </p:spTgt>
+                                        </p:tgtEl>
+                                        <p:attrNameLst>
+                                          <p:attrName>style.visibility</p:attrName>
+                                        </p:attrNameLst>
+                                      </p:cBhvr>
+                                      <p:to>
+                                        <p:strVal val="visible"/>
+                                      </p:to>
+                                    </p:set>
+                                  </p:childTnLst>
+                                </p:cTn>
+                              </p:par>
+                              <p:par>
+                                <p:cTn id="19" presetID="1" presetClass="entr" presetSubtype="0" fill="hold" nodeType="withEffect">
+                                  <p:stCondLst>
+                                    <p:cond delay="0"/>
+                                  </p:stCondLst>
+                                  <p:childTnLst>
+                                    <p:set>
+                                      <p:cBhvr>
+                                        <p:cTn id="20" dur="1" fill="hold">
+                                          <p:stCondLst>
+                                            <p:cond delay="0"/>
+                                          </p:stCondLst>
+                                        </p:cTn>
+                                        <p:tgtEl>
+                                          <p:spTgt spid="5"/>
+                                        </p:tgtEl>
+                                        <p:attrNameLst>
+                                          <p:attrName>style.visibility</p:attrName>
+                                        </p:attrNameLst>
+                                      </p:cBhvr>
+                                      <p:to>
+                                        <p:strVal val="visible"/>
+                                      </p:to>
+                                    </p:set>
+                                  </p:childTnLst>
+                                </p:cTn>
+                              </p:par>
+                            </p:childTnLst>
+                          </p:cTn>
+                        </p:par>
+                      </p:childTnLst>
+                    </p:cTn>
+                  </p:par>
+                </p:childTnLst>
+              </p:cTn>
+              <p:prevCondLst>
+                <p:cond evt="onPrev" delay="0">
+                  <p:tgtEl>
+                    <p:sldTgt/>
+                  </p:tgtEl>
+                </p:cond>
+              </p:prevCondLst>
+              <p:nextCondLst>
+                <p:cond evt="onNext" delay="0">
+                  <p:tgtEl>
+                    <p:sldTgt/>
+                  </p:tgtEl>
+                </p:cond>
+              </p:nextCondLst>
+            </p:seq>
+          </p:childTnLst>
+        </p:cTn>
+      </p:par>
+    </p:tnLst>
+    <p:bldLst>
+      <p:bldP spid="8" grpId="0" animBg="1"/>
+    </p:bldLst>
+  </p:timing>
 </p:sld>
 </file>
 
@@ -28548,10 +28895,10 @@
       </p:grpSpPr>
       <p:sp>
         <p:nvSpPr>
-          <p:cNvPr id="3" name="Title 2">
+          <p:cNvPr id="2" name="Title 1">
             <a:extLst>
               <a:ext uri="{FF2B5EF4-FFF2-40B4-BE49-F238E27FC236}">
-                <a16:creationId xmlns:a16="http://schemas.microsoft.com/office/drawing/2014/main" id="{CBD51126-A266-41EC-95BB-BDE3FDB21AAF}"/>
+                <a16:creationId xmlns:a16="http://schemas.microsoft.com/office/drawing/2014/main" id="{72AA742C-98C0-466E-AB32-364388FD03C7}"/>
               </a:ext>
             </a:extLst>
           </p:cNvPr>
@@ -28569,155 +28916,17 @@
           <a:p>
             <a:r>
               <a:rPr lang="en-US" dirty="0"/>
-              <a:t>Data Do’s &amp; Data Don’ts </a:t>
+              <a:t>Tidy vs non-tidy data</a:t>
             </a:r>
           </a:p>
         </p:txBody>
       </p:sp>
       <p:sp>
         <p:nvSpPr>
-          <p:cNvPr id="4" name="Content Placeholder 3">
+          <p:cNvPr id="4" name="Slide Number Placeholder 3">
             <a:extLst>
               <a:ext uri="{FF2B5EF4-FFF2-40B4-BE49-F238E27FC236}">
-                <a16:creationId xmlns:a16="http://schemas.microsoft.com/office/drawing/2014/main" id="{622526AC-7E7A-498F-9751-BA674743F594}"/>
-              </a:ext>
-            </a:extLst>
-          </p:cNvPr>
-          <p:cNvSpPr>
-            <a:spLocks noGrp="1"/>
-          </p:cNvSpPr>
-          <p:nvPr>
-            <p:ph idx="1"/>
-          </p:nvPr>
-        </p:nvSpPr>
-        <p:spPr>
-          <a:xfrm>
-            <a:off x="446567" y="1616149"/>
-            <a:ext cx="11355573" cy="5056382"/>
-          </a:xfrm>
-        </p:spPr>
-        <p:txBody>
-          <a:bodyPr>
-            <a:normAutofit fontScale="92500" lnSpcReduction="10000"/>
-          </a:bodyPr>
-          <a:lstStyle/>
-          <a:p>
-            <a:r>
-              <a:rPr lang="en-US" dirty="0"/>
-              <a:t>Use </a:t>
-            </a:r>
-            <a:r>
-              <a:rPr lang="en-US" dirty="0" err="1"/>
-              <a:t>unsummarized</a:t>
-            </a:r>
-            <a:r>
-              <a:rPr lang="en-US" dirty="0"/>
-              <a:t> data (if possible)</a:t>
-            </a:r>
-          </a:p>
-          <a:p>
-            <a:pPr>
-              <a:spcBef>
-                <a:spcPts val="3600"/>
-              </a:spcBef>
-            </a:pPr>
-            <a:r>
-              <a:rPr lang="en-US" dirty="0"/>
-              <a:t>To the extent possible, do cleanup in R so that if you re-download from your database (e.g., </a:t>
-            </a:r>
-            <a:r>
-              <a:rPr lang="en-US" dirty="0" err="1"/>
-              <a:t>OceanAK</a:t>
-            </a:r>
-            <a:r>
-              <a:rPr lang="en-US" dirty="0"/>
-              <a:t>) you don’t have to spend time changing things</a:t>
-            </a:r>
-          </a:p>
-          <a:p>
-            <a:pPr lvl="1"/>
-            <a:r>
-              <a:rPr lang="en-US" dirty="0"/>
-              <a:t>Starting out, you can “cheat” and clean up in Excel first</a:t>
-            </a:r>
-          </a:p>
-          <a:p>
-            <a:pPr lvl="1"/>
-            <a:r>
-              <a:rPr lang="en-US" dirty="0"/>
-              <a:t>It is </a:t>
-            </a:r>
-            <a:r>
-              <a:rPr lang="en-US" i="1" dirty="0"/>
-              <a:t>highly </a:t>
-            </a:r>
-            <a:r>
-              <a:rPr lang="en-US" dirty="0"/>
-              <a:t>recommended to bite the bullet and do all of this in R!</a:t>
-            </a:r>
-          </a:p>
-          <a:p>
-            <a:pPr>
-              <a:spcBef>
-                <a:spcPts val="3600"/>
-              </a:spcBef>
-            </a:pPr>
-            <a:r>
-              <a:rPr lang="en-US" dirty="0"/>
-              <a:t>Don’t use “tabled” data, e.g., Year by Stream</a:t>
-            </a:r>
-          </a:p>
-          <a:p>
-            <a:pPr lvl="1"/>
-            <a:r>
-              <a:rPr lang="en-US" dirty="0"/>
-              <a:t>Use “long” format with many rows where each row is a year and a stream</a:t>
-            </a:r>
-          </a:p>
-          <a:p>
-            <a:pPr>
-              <a:spcBef>
-                <a:spcPts val="3600"/>
-              </a:spcBef>
-            </a:pPr>
-            <a:r>
-              <a:rPr lang="en-US" dirty="0"/>
-              <a:t>Use “tidy” data where:</a:t>
-            </a:r>
-          </a:p>
-          <a:p>
-            <a:pPr marL="457200" lvl="1" indent="0">
-              <a:buNone/>
-            </a:pPr>
-            <a:r>
-              <a:rPr lang="en-US" dirty="0"/>
-              <a:t>- Every column is variable.   - Every row is an observation.    - Every cell is a single value.</a:t>
-            </a:r>
-            <a:endParaRPr lang="en-US" dirty="0">
-              <a:hlinkClick r:id="rId3"/>
-            </a:endParaRPr>
-          </a:p>
-          <a:p>
-            <a:pPr lvl="1"/>
-            <a:r>
-              <a:rPr lang="en-US" dirty="0">
-                <a:hlinkClick r:id="rId3"/>
-              </a:rPr>
-              <a:t>More info here</a:t>
-            </a:r>
-            <a:endParaRPr lang="en-US" dirty="0"/>
-          </a:p>
-          <a:p>
-            <a:endParaRPr lang="en-US" dirty="0"/>
-          </a:p>
-        </p:txBody>
-      </p:sp>
-      <p:sp>
-        <p:nvSpPr>
-          <p:cNvPr id="5" name="Slide Number Placeholder 4">
-            <a:extLst>
-              <a:ext uri="{FF2B5EF4-FFF2-40B4-BE49-F238E27FC236}">
-                <a16:creationId xmlns:a16="http://schemas.microsoft.com/office/drawing/2014/main" id="{E96AE24A-84E8-40ED-95ED-2E44A87F9D8D}"/>
+                <a16:creationId xmlns:a16="http://schemas.microsoft.com/office/drawing/2014/main" id="{30BB3C7C-3161-44C6-868B-6EE71E908460}"/>
               </a:ext>
             </a:extLst>
           </p:cNvPr>
@@ -28741,10 +28950,1447 @@
           </a:p>
         </p:txBody>
       </p:sp>
+      <p:graphicFrame>
+        <p:nvGraphicFramePr>
+          <p:cNvPr id="3" name="Table 4">
+            <a:extLst>
+              <a:ext uri="{FF2B5EF4-FFF2-40B4-BE49-F238E27FC236}">
+                <a16:creationId xmlns:a16="http://schemas.microsoft.com/office/drawing/2014/main" id="{7114020E-8AB5-4878-8ACD-F37DCC6D37B1}"/>
+              </a:ext>
+            </a:extLst>
+          </p:cNvPr>
+          <p:cNvGraphicFramePr>
+            <a:graphicFrameLocks noGrp="1"/>
+          </p:cNvGraphicFramePr>
+          <p:nvPr>
+            <p:extLst>
+              <p:ext uri="{D42A27DB-BD31-4B8C-83A1-F6EECF244321}">
+                <p14:modId xmlns:p14="http://schemas.microsoft.com/office/powerpoint/2010/main" val="2092990570"/>
+              </p:ext>
+            </p:extLst>
+          </p:nvPr>
+        </p:nvGraphicFramePr>
+        <p:xfrm>
+          <a:off x="267635" y="2484120"/>
+          <a:ext cx="5937222" cy="1889760"/>
+        </p:xfrm>
+        <a:graphic>
+          <a:graphicData uri="http://schemas.openxmlformats.org/drawingml/2006/table">
+            <a:tbl>
+              <a:tblPr firstRow="1" bandRow="1">
+                <a:tableStyleId>{9D7B26C5-4107-4FEC-AEDC-1716B250A1EF}</a:tableStyleId>
+              </a:tblPr>
+              <a:tblGrid>
+                <a:gridCol w="814090">
+                  <a:extLst>
+                    <a:ext uri="{9D8B030D-6E8A-4147-A177-3AD203B41FA5}">
+                      <a16:colId xmlns:a16="http://schemas.microsoft.com/office/drawing/2014/main" val="640234232"/>
+                    </a:ext>
+                  </a:extLst>
+                </a:gridCol>
+                <a:gridCol w="879730">
+                  <a:extLst>
+                    <a:ext uri="{9D8B030D-6E8A-4147-A177-3AD203B41FA5}">
+                      <a16:colId xmlns:a16="http://schemas.microsoft.com/office/drawing/2014/main" val="519276145"/>
+                    </a:ext>
+                  </a:extLst>
+                </a:gridCol>
+                <a:gridCol w="1075659">
+                  <a:extLst>
+                    <a:ext uri="{9D8B030D-6E8A-4147-A177-3AD203B41FA5}">
+                      <a16:colId xmlns:a16="http://schemas.microsoft.com/office/drawing/2014/main" val="1879728500"/>
+                    </a:ext>
+                  </a:extLst>
+                </a:gridCol>
+                <a:gridCol w="1502229">
+                  <a:extLst>
+                    <a:ext uri="{9D8B030D-6E8A-4147-A177-3AD203B41FA5}">
+                      <a16:colId xmlns:a16="http://schemas.microsoft.com/office/drawing/2014/main" val="2037657942"/>
+                    </a:ext>
+                  </a:extLst>
+                </a:gridCol>
+                <a:gridCol w="1665514">
+                  <a:extLst>
+                    <a:ext uri="{9D8B030D-6E8A-4147-A177-3AD203B41FA5}">
+                      <a16:colId xmlns:a16="http://schemas.microsoft.com/office/drawing/2014/main" val="238880982"/>
+                    </a:ext>
+                  </a:extLst>
+                </a:gridCol>
+              </a:tblGrid>
+              <a:tr h="370840">
+                <a:tc>
+                  <a:txBody>
+                    <a:bodyPr/>
+                    <a:lstStyle/>
+                    <a:p>
+                      <a:pPr algn="ctr"/>
+                      <a:r>
+                        <a:rPr lang="en-US" sz="2000" dirty="0"/>
+                        <a:t>Year</a:t>
+                      </a:r>
+                      <a:endParaRPr lang="en-US" sz="2000" dirty="0">
+                        <a:latin typeface="+mn-lt"/>
+                      </a:endParaRPr>
+                    </a:p>
+                  </a:txBody>
+                  <a:tcPr anchor="b"/>
+                </a:tc>
+                <a:tc>
+                  <a:txBody>
+                    <a:bodyPr/>
+                    <a:lstStyle/>
+                    <a:p>
+                      <a:pPr algn="ctr"/>
+                      <a:r>
+                        <a:rPr lang="en-US" sz="2000" dirty="0"/>
+                        <a:t>Auke Creek</a:t>
+                      </a:r>
+                      <a:endParaRPr lang="en-US" sz="2000" dirty="0">
+                        <a:latin typeface="+mn-lt"/>
+                      </a:endParaRPr>
+                    </a:p>
+                  </a:txBody>
+                  <a:tcPr anchor="b"/>
+                </a:tc>
+                <a:tc>
+                  <a:txBody>
+                    <a:bodyPr/>
+                    <a:lstStyle/>
+                    <a:p>
+                      <a:pPr algn="ctr">
+                        <a:tabLst>
+                          <a:tab pos="800100" algn="l"/>
+                        </a:tabLst>
+                      </a:pPr>
+                      <a:r>
+                        <a:rPr lang="en-US" sz="2000" dirty="0"/>
+                        <a:t>Berners River</a:t>
+                      </a:r>
+                      <a:endParaRPr lang="en-US" sz="2000" dirty="0">
+                        <a:latin typeface="+mn-lt"/>
+                      </a:endParaRPr>
+                    </a:p>
+                  </a:txBody>
+                  <a:tcPr anchor="b"/>
+                </a:tc>
+                <a:tc>
+                  <a:txBody>
+                    <a:bodyPr/>
+                    <a:lstStyle/>
+                    <a:p>
+                      <a:pPr algn="ctr"/>
+                      <a:r>
+                        <a:rPr lang="en-US" sz="2000" dirty="0"/>
+                        <a:t>Hugh Smith Lake</a:t>
+                      </a:r>
+                      <a:endParaRPr lang="en-US" sz="2000" dirty="0">
+                        <a:latin typeface="+mn-lt"/>
+                      </a:endParaRPr>
+                    </a:p>
+                  </a:txBody>
+                  <a:tcPr anchor="b"/>
+                </a:tc>
+                <a:tc>
+                  <a:txBody>
+                    <a:bodyPr/>
+                    <a:lstStyle/>
+                    <a:p>
+                      <a:pPr algn="ctr"/>
+                      <a:r>
+                        <a:rPr lang="en-US" sz="2000" dirty="0">
+                          <a:latin typeface="+mn-lt"/>
+                        </a:rPr>
+                        <a:t>Comment</a:t>
+                      </a:r>
+                    </a:p>
+                  </a:txBody>
+                  <a:tcPr anchor="b"/>
+                </a:tc>
+                <a:extLst>
+                  <a:ext uri="{0D108BD9-81ED-4DB2-BD59-A6C34878D82A}">
+                    <a16:rowId xmlns:a16="http://schemas.microsoft.com/office/drawing/2014/main" val="3732537577"/>
+                  </a:ext>
+                </a:extLst>
+              </a:tr>
+              <a:tr h="370840">
+                <a:tc>
+                  <a:txBody>
+                    <a:bodyPr/>
+                    <a:lstStyle/>
+                    <a:p>
+                      <a:pPr algn="ctr"/>
+                      <a:r>
+                        <a:rPr lang="en-US" sz="2000" dirty="0"/>
+                        <a:t>2018</a:t>
+                      </a:r>
+                      <a:endParaRPr lang="en-US" sz="2000" dirty="0">
+                        <a:latin typeface="+mn-lt"/>
+                      </a:endParaRPr>
+                    </a:p>
+                  </a:txBody>
+                  <a:tcPr/>
+                </a:tc>
+                <a:tc>
+                  <a:txBody>
+                    <a:bodyPr/>
+                    <a:lstStyle/>
+                    <a:p>
+                      <a:pPr algn="ctr" fontAlgn="b"/>
+                      <a:r>
+                        <a:rPr lang="en-US" sz="2000" b="0" u="none" strike="noStrike">
+                          <a:solidFill>
+                            <a:srgbClr val="000000"/>
+                          </a:solidFill>
+                          <a:effectLst/>
+                        </a:rPr>
+                        <a:t>146</a:t>
+                      </a:r>
+                      <a:endParaRPr lang="en-US" sz="2000" b="0" i="0" u="none" strike="noStrike">
+                        <a:solidFill>
+                          <a:srgbClr val="000000"/>
+                        </a:solidFill>
+                        <a:effectLst/>
+                        <a:latin typeface="+mn-lt"/>
+                      </a:endParaRPr>
+                    </a:p>
+                  </a:txBody>
+                  <a:tcPr marL="7620" marR="7620" marT="7620" marB="0" anchor="b"/>
+                </a:tc>
+                <a:tc>
+                  <a:txBody>
+                    <a:bodyPr/>
+                    <a:lstStyle/>
+                    <a:p>
+                      <a:pPr algn="ctr" fontAlgn="b"/>
+                      <a:r>
+                        <a:rPr lang="en-US" sz="2000" b="0" u="none" strike="noStrike">
+                          <a:solidFill>
+                            <a:srgbClr val="000000"/>
+                          </a:solidFill>
+                          <a:effectLst/>
+                        </a:rPr>
+                        <a:t>3550</a:t>
+                      </a:r>
+                      <a:endParaRPr lang="en-US" sz="2000" b="0" i="0" u="none" strike="noStrike">
+                        <a:solidFill>
+                          <a:srgbClr val="000000"/>
+                        </a:solidFill>
+                        <a:effectLst/>
+                        <a:latin typeface="+mn-lt"/>
+                      </a:endParaRPr>
+                    </a:p>
+                  </a:txBody>
+                  <a:tcPr marL="7620" marR="7620" marT="7620" marB="0" anchor="b"/>
+                </a:tc>
+                <a:tc>
+                  <a:txBody>
+                    <a:bodyPr/>
+                    <a:lstStyle/>
+                    <a:p>
+                      <a:pPr algn="ctr" fontAlgn="b"/>
+                      <a:r>
+                        <a:rPr lang="en-US" sz="2000" b="0" u="none" strike="noStrike" dirty="0">
+                          <a:solidFill>
+                            <a:srgbClr val="000000"/>
+                          </a:solidFill>
+                          <a:effectLst/>
+                        </a:rPr>
+                        <a:t>619</a:t>
+                      </a:r>
+                      <a:endParaRPr lang="en-US" sz="2000" b="0" i="0" u="none" strike="noStrike" dirty="0">
+                        <a:solidFill>
+                          <a:srgbClr val="000000"/>
+                        </a:solidFill>
+                        <a:effectLst/>
+                        <a:latin typeface="+mn-lt"/>
+                      </a:endParaRPr>
+                    </a:p>
+                  </a:txBody>
+                  <a:tcPr marL="7620" marR="7620" marT="7620" marB="0" anchor="b"/>
+                </a:tc>
+                <a:tc>
+                  <a:txBody>
+                    <a:bodyPr/>
+                    <a:lstStyle/>
+                    <a:p>
+                      <a:pPr algn="ctr" fontAlgn="b"/>
+                      <a:r>
+                        <a:rPr lang="en-US" sz="1600" b="0" i="0" u="none" strike="noStrike" dirty="0">
+                          <a:solidFill>
+                            <a:srgbClr val="000000"/>
+                          </a:solidFill>
+                          <a:effectLst/>
+                          <a:latin typeface="+mn-lt"/>
+                        </a:rPr>
+                        <a:t>No fish 7/24-8/25</a:t>
+                      </a:r>
+                    </a:p>
+                  </a:txBody>
+                  <a:tcPr marL="7620" marR="7620" marT="7620" marB="0" anchor="b"/>
+                </a:tc>
+                <a:extLst>
+                  <a:ext uri="{0D108BD9-81ED-4DB2-BD59-A6C34878D82A}">
+                    <a16:rowId xmlns:a16="http://schemas.microsoft.com/office/drawing/2014/main" val="3353214748"/>
+                  </a:ext>
+                </a:extLst>
+              </a:tr>
+              <a:tr h="370840">
+                <a:tc>
+                  <a:txBody>
+                    <a:bodyPr/>
+                    <a:lstStyle/>
+                    <a:p>
+                      <a:pPr algn="ctr"/>
+                      <a:r>
+                        <a:rPr lang="en-US" sz="2000" dirty="0"/>
+                        <a:t>2019</a:t>
+                      </a:r>
+                      <a:endParaRPr lang="en-US" sz="2000" dirty="0">
+                        <a:latin typeface="+mn-lt"/>
+                      </a:endParaRPr>
+                    </a:p>
+                  </a:txBody>
+                  <a:tcPr/>
+                </a:tc>
+                <a:tc>
+                  <a:txBody>
+                    <a:bodyPr/>
+                    <a:lstStyle/>
+                    <a:p>
+                      <a:pPr algn="ctr" fontAlgn="b"/>
+                      <a:r>
+                        <a:rPr lang="en-US" sz="2000" b="0" u="none" strike="noStrike" dirty="0">
+                          <a:solidFill>
+                            <a:srgbClr val="000000"/>
+                          </a:solidFill>
+                          <a:effectLst/>
+                        </a:rPr>
+                        <a:t>345</a:t>
+                      </a:r>
+                      <a:endParaRPr lang="en-US" sz="2000" b="0" i="0" u="none" strike="noStrike" dirty="0">
+                        <a:solidFill>
+                          <a:srgbClr val="000000"/>
+                        </a:solidFill>
+                        <a:effectLst/>
+                        <a:latin typeface="+mn-lt"/>
+                      </a:endParaRPr>
+                    </a:p>
+                  </a:txBody>
+                  <a:tcPr marL="7620" marR="7620" marT="7620" marB="0" anchor="b"/>
+                </a:tc>
+                <a:tc>
+                  <a:txBody>
+                    <a:bodyPr/>
+                    <a:lstStyle/>
+                    <a:p>
+                      <a:pPr algn="ctr" fontAlgn="b"/>
+                      <a:r>
+                        <a:rPr lang="en-US" sz="2000" b="0" u="none" strike="noStrike" dirty="0">
+                          <a:solidFill>
+                            <a:srgbClr val="000000"/>
+                          </a:solidFill>
+                          <a:effectLst/>
+                        </a:rPr>
+                        <a:t>9405</a:t>
+                      </a:r>
+                      <a:endParaRPr lang="en-US" sz="2000" b="0" i="0" u="none" strike="noStrike" dirty="0">
+                        <a:solidFill>
+                          <a:srgbClr val="000000"/>
+                        </a:solidFill>
+                        <a:effectLst/>
+                        <a:latin typeface="+mn-lt"/>
+                      </a:endParaRPr>
+                    </a:p>
+                  </a:txBody>
+                  <a:tcPr marL="7620" marR="7620" marT="7620" marB="0" anchor="b"/>
+                </a:tc>
+                <a:tc>
+                  <a:txBody>
+                    <a:bodyPr/>
+                    <a:lstStyle/>
+                    <a:p>
+                      <a:pPr algn="ctr" fontAlgn="b"/>
+                      <a:r>
+                        <a:rPr lang="en-US" sz="2000" b="0" u="none" strike="noStrike" dirty="0">
+                          <a:solidFill>
+                            <a:srgbClr val="000000"/>
+                          </a:solidFill>
+                          <a:effectLst/>
+                        </a:rPr>
+                        <a:t>1235</a:t>
+                      </a:r>
+                      <a:endParaRPr lang="en-US" sz="2000" b="0" i="0" u="none" strike="noStrike" dirty="0">
+                        <a:solidFill>
+                          <a:srgbClr val="000000"/>
+                        </a:solidFill>
+                        <a:effectLst/>
+                        <a:latin typeface="+mn-lt"/>
+                      </a:endParaRPr>
+                    </a:p>
+                  </a:txBody>
+                  <a:tcPr marL="7620" marR="7620" marT="7620" marB="0" anchor="b"/>
+                </a:tc>
+                <a:tc>
+                  <a:txBody>
+                    <a:bodyPr/>
+                    <a:lstStyle/>
+                    <a:p>
+                      <a:pPr algn="ctr" fontAlgn="b"/>
+                      <a:r>
+                        <a:rPr lang="en-US" sz="1600" b="0" i="0" u="none" strike="noStrike" dirty="0">
+                          <a:solidFill>
+                            <a:srgbClr val="000000"/>
+                          </a:solidFill>
+                          <a:effectLst/>
+                          <a:latin typeface="+mn-lt"/>
+                        </a:rPr>
+                        <a:t>Katie quit counting</a:t>
+                      </a:r>
+                    </a:p>
+                  </a:txBody>
+                  <a:tcPr marL="7620" marR="7620" marT="7620" marB="0" anchor="b"/>
+                </a:tc>
+                <a:extLst>
+                  <a:ext uri="{0D108BD9-81ED-4DB2-BD59-A6C34878D82A}">
+                    <a16:rowId xmlns:a16="http://schemas.microsoft.com/office/drawing/2014/main" val="1503242982"/>
+                  </a:ext>
+                </a:extLst>
+              </a:tr>
+              <a:tr h="370840">
+                <a:tc>
+                  <a:txBody>
+                    <a:bodyPr/>
+                    <a:lstStyle/>
+                    <a:p>
+                      <a:pPr algn="ctr"/>
+                      <a:r>
+                        <a:rPr lang="en-US" sz="2000" dirty="0"/>
+                        <a:t>2020</a:t>
+                      </a:r>
+                      <a:endParaRPr lang="en-US" sz="2000" dirty="0">
+                        <a:latin typeface="+mn-lt"/>
+                      </a:endParaRPr>
+                    </a:p>
+                  </a:txBody>
+                  <a:tcPr/>
+                </a:tc>
+                <a:tc>
+                  <a:txBody>
+                    <a:bodyPr/>
+                    <a:lstStyle/>
+                    <a:p>
+                      <a:pPr algn="ctr"/>
+                      <a:r>
+                        <a:rPr lang="en-US" sz="2000" dirty="0"/>
+                        <a:t>173</a:t>
+                      </a:r>
+                      <a:endParaRPr lang="en-US" sz="2000" dirty="0">
+                        <a:latin typeface="+mn-lt"/>
+                      </a:endParaRPr>
+                    </a:p>
+                  </a:txBody>
+                  <a:tcPr/>
+                </a:tc>
+                <a:tc>
+                  <a:txBody>
+                    <a:bodyPr/>
+                    <a:lstStyle/>
+                    <a:p>
+                      <a:pPr algn="ctr"/>
+                      <a:r>
+                        <a:rPr lang="en-US" sz="2000" dirty="0"/>
+                        <a:t>3296</a:t>
+                      </a:r>
+                      <a:endParaRPr lang="en-US" sz="2000" dirty="0">
+                        <a:latin typeface="+mn-lt"/>
+                      </a:endParaRPr>
+                    </a:p>
+                  </a:txBody>
+                  <a:tcPr/>
+                </a:tc>
+                <a:tc>
+                  <a:txBody>
+                    <a:bodyPr/>
+                    <a:lstStyle/>
+                    <a:p>
+                      <a:pPr algn="ctr"/>
+                      <a:r>
+                        <a:rPr lang="en-US" sz="2000" dirty="0"/>
+                        <a:t>634</a:t>
+                      </a:r>
+                      <a:endParaRPr lang="en-US" sz="2000" dirty="0">
+                        <a:latin typeface="+mn-lt"/>
+                      </a:endParaRPr>
+                    </a:p>
+                  </a:txBody>
+                  <a:tcPr/>
+                </a:tc>
+                <a:tc>
+                  <a:txBody>
+                    <a:bodyPr/>
+                    <a:lstStyle/>
+                    <a:p>
+                      <a:pPr algn="ctr"/>
+                      <a:r>
+                        <a:rPr lang="en-US" sz="1600" dirty="0">
+                          <a:latin typeface="+mn-lt"/>
+                        </a:rPr>
+                        <a:t>Prob 100 fish low</a:t>
+                      </a:r>
+                    </a:p>
+                  </a:txBody>
+                  <a:tcPr/>
+                </a:tc>
+                <a:extLst>
+                  <a:ext uri="{0D108BD9-81ED-4DB2-BD59-A6C34878D82A}">
+                    <a16:rowId xmlns:a16="http://schemas.microsoft.com/office/drawing/2014/main" val="2258635586"/>
+                  </a:ext>
+                </a:extLst>
+              </a:tr>
+            </a:tbl>
+          </a:graphicData>
+        </a:graphic>
+      </p:graphicFrame>
+      <p:graphicFrame>
+        <p:nvGraphicFramePr>
+          <p:cNvPr id="11" name="Table 4">
+            <a:extLst>
+              <a:ext uri="{FF2B5EF4-FFF2-40B4-BE49-F238E27FC236}">
+                <a16:creationId xmlns:a16="http://schemas.microsoft.com/office/drawing/2014/main" id="{C0655233-AA30-4E91-A597-5F4A89E2F6BD}"/>
+              </a:ext>
+            </a:extLst>
+          </p:cNvPr>
+          <p:cNvGraphicFramePr>
+            <a:graphicFrameLocks noGrp="1"/>
+          </p:cNvGraphicFramePr>
+          <p:nvPr>
+            <p:extLst>
+              <p:ext uri="{D42A27DB-BD31-4B8C-83A1-F6EECF244321}">
+                <p14:modId xmlns:p14="http://schemas.microsoft.com/office/powerpoint/2010/main" val="201800619"/>
+              </p:ext>
+            </p:extLst>
+          </p:nvPr>
+        </p:nvGraphicFramePr>
+        <p:xfrm>
+          <a:off x="6760498" y="2135724"/>
+          <a:ext cx="5075902" cy="4084320"/>
+        </p:xfrm>
+        <a:graphic>
+          <a:graphicData uri="http://schemas.openxmlformats.org/drawingml/2006/table">
+            <a:tbl>
+              <a:tblPr firstRow="1" bandRow="1">
+                <a:tableStyleId>{9D7B26C5-4107-4FEC-AEDC-1716B250A1EF}</a:tableStyleId>
+              </a:tblPr>
+              <a:tblGrid>
+                <a:gridCol w="796002">
+                  <a:extLst>
+                    <a:ext uri="{9D8B030D-6E8A-4147-A177-3AD203B41FA5}">
+                      <a16:colId xmlns:a16="http://schemas.microsoft.com/office/drawing/2014/main" val="640234232"/>
+                    </a:ext>
+                  </a:extLst>
+                </a:gridCol>
+                <a:gridCol w="1854200">
+                  <a:extLst>
+                    <a:ext uri="{9D8B030D-6E8A-4147-A177-3AD203B41FA5}">
+                      <a16:colId xmlns:a16="http://schemas.microsoft.com/office/drawing/2014/main" val="519276145"/>
+                    </a:ext>
+                  </a:extLst>
+                </a:gridCol>
+                <a:gridCol w="1003300">
+                  <a:extLst>
+                    <a:ext uri="{9D8B030D-6E8A-4147-A177-3AD203B41FA5}">
+                      <a16:colId xmlns:a16="http://schemas.microsoft.com/office/drawing/2014/main" val="2037657942"/>
+                    </a:ext>
+                  </a:extLst>
+                </a:gridCol>
+                <a:gridCol w="1422400">
+                  <a:extLst>
+                    <a:ext uri="{9D8B030D-6E8A-4147-A177-3AD203B41FA5}">
+                      <a16:colId xmlns:a16="http://schemas.microsoft.com/office/drawing/2014/main" val="4009930242"/>
+                    </a:ext>
+                  </a:extLst>
+                </a:gridCol>
+              </a:tblGrid>
+              <a:tr h="370840">
+                <a:tc>
+                  <a:txBody>
+                    <a:bodyPr/>
+                    <a:lstStyle/>
+                    <a:p>
+                      <a:pPr algn="ctr"/>
+                      <a:r>
+                        <a:rPr lang="en-US" sz="2000" dirty="0"/>
+                        <a:t>Year</a:t>
+                      </a:r>
+                      <a:endParaRPr lang="en-US" sz="2000" dirty="0">
+                        <a:latin typeface="+mn-lt"/>
+                      </a:endParaRPr>
+                    </a:p>
+                  </a:txBody>
+                  <a:tcPr/>
+                </a:tc>
+                <a:tc>
+                  <a:txBody>
+                    <a:bodyPr/>
+                    <a:lstStyle/>
+                    <a:p>
+                      <a:pPr algn="ctr"/>
+                      <a:r>
+                        <a:rPr lang="en-US" sz="2000" dirty="0"/>
+                        <a:t>River</a:t>
+                      </a:r>
+                      <a:endParaRPr lang="en-US" sz="2000" dirty="0">
+                        <a:latin typeface="+mn-lt"/>
+                      </a:endParaRPr>
+                    </a:p>
+                  </a:txBody>
+                  <a:tcPr/>
+                </a:tc>
+                <a:tc>
+                  <a:txBody>
+                    <a:bodyPr/>
+                    <a:lstStyle/>
+                    <a:p>
+                      <a:pPr algn="ctr"/>
+                      <a:r>
+                        <a:rPr lang="en-US" sz="2000" dirty="0"/>
+                        <a:t>Count</a:t>
+                      </a:r>
+                      <a:endParaRPr lang="en-US" sz="2000" dirty="0">
+                        <a:latin typeface="+mn-lt"/>
+                      </a:endParaRPr>
+                    </a:p>
+                  </a:txBody>
+                  <a:tcPr/>
+                </a:tc>
+                <a:tc>
+                  <a:txBody>
+                    <a:bodyPr/>
+                    <a:lstStyle/>
+                    <a:p>
+                      <a:pPr algn="ctr"/>
+                      <a:r>
+                        <a:rPr lang="en-US" sz="2000" dirty="0">
+                          <a:latin typeface="+mn-lt"/>
+                        </a:rPr>
+                        <a:t>Comment</a:t>
+                      </a:r>
+                    </a:p>
+                  </a:txBody>
+                  <a:tcPr/>
+                </a:tc>
+                <a:extLst>
+                  <a:ext uri="{0D108BD9-81ED-4DB2-BD59-A6C34878D82A}">
+                    <a16:rowId xmlns:a16="http://schemas.microsoft.com/office/drawing/2014/main" val="3732537577"/>
+                  </a:ext>
+                </a:extLst>
+              </a:tr>
+              <a:tr h="370840">
+                <a:tc>
+                  <a:txBody>
+                    <a:bodyPr/>
+                    <a:lstStyle/>
+                    <a:p>
+                      <a:pPr algn="ctr"/>
+                      <a:r>
+                        <a:rPr lang="en-US" sz="2000" dirty="0"/>
+                        <a:t>2018</a:t>
+                      </a:r>
+                      <a:endParaRPr lang="en-US" sz="2000" dirty="0">
+                        <a:latin typeface="+mn-lt"/>
+                      </a:endParaRPr>
+                    </a:p>
+                  </a:txBody>
+                  <a:tcPr/>
+                </a:tc>
+                <a:tc>
+                  <a:txBody>
+                    <a:bodyPr/>
+                    <a:lstStyle/>
+                    <a:p>
+                      <a:pPr algn="ctr" fontAlgn="b"/>
+                      <a:r>
+                        <a:rPr lang="en-US" sz="2000" b="0" u="none" strike="noStrike" dirty="0">
+                          <a:solidFill>
+                            <a:srgbClr val="000000"/>
+                          </a:solidFill>
+                          <a:effectLst/>
+                        </a:rPr>
+                        <a:t>Auke Creek</a:t>
+                      </a:r>
+                      <a:endParaRPr lang="en-US" sz="2000" b="0" i="0" u="none" strike="noStrike" dirty="0">
+                        <a:solidFill>
+                          <a:srgbClr val="000000"/>
+                        </a:solidFill>
+                        <a:effectLst/>
+                        <a:latin typeface="+mn-lt"/>
+                      </a:endParaRPr>
+                    </a:p>
+                  </a:txBody>
+                  <a:tcPr marL="7620" marR="7620" marT="7620" marB="0" anchor="b"/>
+                </a:tc>
+                <a:tc>
+                  <a:txBody>
+                    <a:bodyPr/>
+                    <a:lstStyle/>
+                    <a:p>
+                      <a:pPr algn="ctr" fontAlgn="b"/>
+                      <a:r>
+                        <a:rPr lang="en-US" sz="2000" b="0" u="none" strike="noStrike" dirty="0">
+                          <a:solidFill>
+                            <a:srgbClr val="000000"/>
+                          </a:solidFill>
+                          <a:effectLst/>
+                        </a:rPr>
+                        <a:t>619</a:t>
+                      </a:r>
+                      <a:endParaRPr lang="en-US" sz="2000" b="0" i="0" u="none" strike="noStrike" dirty="0">
+                        <a:solidFill>
+                          <a:srgbClr val="000000"/>
+                        </a:solidFill>
+                        <a:effectLst/>
+                        <a:latin typeface="+mn-lt"/>
+                      </a:endParaRPr>
+                    </a:p>
+                  </a:txBody>
+                  <a:tcPr marL="7620" marR="7620" marT="7620" marB="0" anchor="b"/>
+                </a:tc>
+                <a:tc>
+                  <a:txBody>
+                    <a:bodyPr/>
+                    <a:lstStyle/>
+                    <a:p>
+                      <a:pPr algn="ctr" fontAlgn="b"/>
+                      <a:r>
+                        <a:rPr lang="en-US" sz="1400" b="0" i="0" u="none" strike="noStrike" dirty="0">
+                          <a:solidFill>
+                            <a:srgbClr val="000000"/>
+                          </a:solidFill>
+                          <a:effectLst/>
+                          <a:latin typeface="+mn-lt"/>
+                        </a:rPr>
+                        <a:t>No fish 7/24-8/25</a:t>
+                      </a:r>
+                    </a:p>
+                  </a:txBody>
+                  <a:tcPr marL="7620" marR="7620" marT="7620" marB="0" anchor="ctr"/>
+                </a:tc>
+                <a:extLst>
+                  <a:ext uri="{0D108BD9-81ED-4DB2-BD59-A6C34878D82A}">
+                    <a16:rowId xmlns:a16="http://schemas.microsoft.com/office/drawing/2014/main" val="3353214748"/>
+                  </a:ext>
+                </a:extLst>
+              </a:tr>
+              <a:tr h="370840">
+                <a:tc>
+                  <a:txBody>
+                    <a:bodyPr/>
+                    <a:lstStyle/>
+                    <a:p>
+                      <a:pPr algn="ctr"/>
+                      <a:r>
+                        <a:rPr lang="en-US" sz="2000" dirty="0"/>
+                        <a:t>2019</a:t>
+                      </a:r>
+                      <a:endParaRPr lang="en-US" sz="2000" dirty="0">
+                        <a:latin typeface="+mn-lt"/>
+                      </a:endParaRPr>
+                    </a:p>
+                  </a:txBody>
+                  <a:tcPr/>
+                </a:tc>
+                <a:tc>
+                  <a:txBody>
+                    <a:bodyPr/>
+                    <a:lstStyle/>
+                    <a:p>
+                      <a:pPr algn="ctr" fontAlgn="b"/>
+                      <a:r>
+                        <a:rPr lang="en-US" sz="2000" b="0" u="none" strike="noStrike" dirty="0">
+                          <a:solidFill>
+                            <a:srgbClr val="000000"/>
+                          </a:solidFill>
+                          <a:effectLst/>
+                        </a:rPr>
+                        <a:t>Auke Creek</a:t>
+                      </a:r>
+                    </a:p>
+                  </a:txBody>
+                  <a:tcPr marL="7620" marR="7620" marT="7620" marB="0" anchor="b"/>
+                </a:tc>
+                <a:tc>
+                  <a:txBody>
+                    <a:bodyPr/>
+                    <a:lstStyle/>
+                    <a:p>
+                      <a:pPr algn="ctr" fontAlgn="b"/>
+                      <a:r>
+                        <a:rPr lang="en-US" sz="2000" b="0" u="none" strike="noStrike" dirty="0">
+                          <a:solidFill>
+                            <a:srgbClr val="000000"/>
+                          </a:solidFill>
+                          <a:effectLst/>
+                        </a:rPr>
+                        <a:t>1235</a:t>
+                      </a:r>
+                      <a:endParaRPr lang="en-US" sz="2000" b="0" i="0" u="none" strike="noStrike" dirty="0">
+                        <a:solidFill>
+                          <a:srgbClr val="000000"/>
+                        </a:solidFill>
+                        <a:effectLst/>
+                        <a:latin typeface="+mn-lt"/>
+                      </a:endParaRPr>
+                    </a:p>
+                  </a:txBody>
+                  <a:tcPr marL="7620" marR="7620" marT="7620" marB="0" anchor="b"/>
+                </a:tc>
+                <a:tc>
+                  <a:txBody>
+                    <a:bodyPr/>
+                    <a:lstStyle/>
+                    <a:p>
+                      <a:pPr algn="ctr" fontAlgn="b"/>
+                      <a:r>
+                        <a:rPr lang="en-US" sz="1400" b="0" i="0" u="none" strike="noStrike" dirty="0">
+                          <a:solidFill>
+                            <a:srgbClr val="000000"/>
+                          </a:solidFill>
+                          <a:effectLst/>
+                          <a:latin typeface="+mn-lt"/>
+                        </a:rPr>
+                        <a:t>Katie quit counting</a:t>
+                      </a:r>
+                    </a:p>
+                  </a:txBody>
+                  <a:tcPr marL="7620" marR="7620" marT="7620" marB="0" anchor="ctr"/>
+                </a:tc>
+                <a:extLst>
+                  <a:ext uri="{0D108BD9-81ED-4DB2-BD59-A6C34878D82A}">
+                    <a16:rowId xmlns:a16="http://schemas.microsoft.com/office/drawing/2014/main" val="1503242982"/>
+                  </a:ext>
+                </a:extLst>
+              </a:tr>
+              <a:tr h="370840">
+                <a:tc>
+                  <a:txBody>
+                    <a:bodyPr/>
+                    <a:lstStyle/>
+                    <a:p>
+                      <a:pPr algn="ctr"/>
+                      <a:r>
+                        <a:rPr lang="en-US" sz="2000" dirty="0"/>
+                        <a:t>2020</a:t>
+                      </a:r>
+                      <a:endParaRPr lang="en-US" sz="2000" dirty="0">
+                        <a:latin typeface="+mn-lt"/>
+                      </a:endParaRPr>
+                    </a:p>
+                  </a:txBody>
+                  <a:tcPr/>
+                </a:tc>
+                <a:tc>
+                  <a:txBody>
+                    <a:bodyPr/>
+                    <a:lstStyle/>
+                    <a:p>
+                      <a:pPr algn="ctr"/>
+                      <a:r>
+                        <a:rPr lang="en-US" sz="2000" dirty="0"/>
+                        <a:t>Auke Creek</a:t>
+                      </a:r>
+                      <a:endParaRPr lang="en-US" sz="2000" dirty="0">
+                        <a:latin typeface="+mn-lt"/>
+                      </a:endParaRPr>
+                    </a:p>
+                  </a:txBody>
+                  <a:tcPr/>
+                </a:tc>
+                <a:tc>
+                  <a:txBody>
+                    <a:bodyPr/>
+                    <a:lstStyle/>
+                    <a:p>
+                      <a:pPr algn="ctr"/>
+                      <a:r>
+                        <a:rPr lang="en-US" sz="2000" dirty="0"/>
+                        <a:t>634</a:t>
+                      </a:r>
+                      <a:endParaRPr lang="en-US" sz="2000" dirty="0">
+                        <a:latin typeface="+mn-lt"/>
+                      </a:endParaRPr>
+                    </a:p>
+                  </a:txBody>
+                  <a:tcPr/>
+                </a:tc>
+                <a:tc>
+                  <a:txBody>
+                    <a:bodyPr/>
+                    <a:lstStyle/>
+                    <a:p>
+                      <a:pPr algn="ctr"/>
+                      <a:r>
+                        <a:rPr lang="en-US" sz="1400" dirty="0">
+                          <a:latin typeface="+mn-lt"/>
+                        </a:rPr>
+                        <a:t>High water 8/30</a:t>
+                      </a:r>
+                    </a:p>
+                  </a:txBody>
+                  <a:tcPr anchor="ctr"/>
+                </a:tc>
+                <a:extLst>
+                  <a:ext uri="{0D108BD9-81ED-4DB2-BD59-A6C34878D82A}">
+                    <a16:rowId xmlns:a16="http://schemas.microsoft.com/office/drawing/2014/main" val="2258635586"/>
+                  </a:ext>
+                </a:extLst>
+              </a:tr>
+              <a:tr h="370840">
+                <a:tc>
+                  <a:txBody>
+                    <a:bodyPr/>
+                    <a:lstStyle/>
+                    <a:p>
+                      <a:pPr algn="ctr"/>
+                      <a:r>
+                        <a:rPr lang="en-US" sz="2000" dirty="0"/>
+                        <a:t>2018</a:t>
+                      </a:r>
+                      <a:endParaRPr lang="en-US" sz="2000" dirty="0">
+                        <a:latin typeface="+mn-lt"/>
+                      </a:endParaRPr>
+                    </a:p>
+                  </a:txBody>
+                  <a:tcPr/>
+                </a:tc>
+                <a:tc>
+                  <a:txBody>
+                    <a:bodyPr/>
+                    <a:lstStyle/>
+                    <a:p>
+                      <a:pPr algn="ctr"/>
+                      <a:r>
+                        <a:rPr lang="en-US" sz="2000" dirty="0">
+                          <a:latin typeface="+mn-lt"/>
+                        </a:rPr>
+                        <a:t>Berners River</a:t>
+                      </a:r>
+                    </a:p>
+                  </a:txBody>
+                  <a:tcPr/>
+                </a:tc>
+                <a:tc>
+                  <a:txBody>
+                    <a:bodyPr/>
+                    <a:lstStyle/>
+                    <a:p>
+                      <a:pPr algn="ctr" fontAlgn="b"/>
+                      <a:r>
+                        <a:rPr lang="en-US" sz="2000" b="0" u="none" strike="noStrike" dirty="0">
+                          <a:solidFill>
+                            <a:srgbClr val="000000"/>
+                          </a:solidFill>
+                          <a:effectLst/>
+                        </a:rPr>
+                        <a:t>3550</a:t>
+                      </a:r>
+                      <a:endParaRPr lang="en-US" sz="2000" b="0" i="0" u="none" strike="noStrike" dirty="0">
+                        <a:solidFill>
+                          <a:srgbClr val="000000"/>
+                        </a:solidFill>
+                        <a:effectLst/>
+                        <a:latin typeface="+mn-lt"/>
+                      </a:endParaRPr>
+                    </a:p>
+                  </a:txBody>
+                  <a:tcPr marL="7620" marR="7620" marT="7620" marB="0" anchor="b"/>
+                </a:tc>
+                <a:tc>
+                  <a:txBody>
+                    <a:bodyPr/>
+                    <a:lstStyle/>
+                    <a:p>
+                      <a:pPr algn="ctr" fontAlgn="b"/>
+                      <a:endParaRPr lang="en-US" sz="1400" b="0" i="0" u="none" strike="noStrike" dirty="0">
+                        <a:solidFill>
+                          <a:srgbClr val="000000"/>
+                        </a:solidFill>
+                        <a:effectLst/>
+                        <a:latin typeface="+mn-lt"/>
+                      </a:endParaRPr>
+                    </a:p>
+                  </a:txBody>
+                  <a:tcPr marL="7620" marR="7620" marT="7620" marB="0" anchor="ctr"/>
+                </a:tc>
+                <a:extLst>
+                  <a:ext uri="{0D108BD9-81ED-4DB2-BD59-A6C34878D82A}">
+                    <a16:rowId xmlns:a16="http://schemas.microsoft.com/office/drawing/2014/main" val="4061931577"/>
+                  </a:ext>
+                </a:extLst>
+              </a:tr>
+              <a:tr h="370840">
+                <a:tc>
+                  <a:txBody>
+                    <a:bodyPr/>
+                    <a:lstStyle/>
+                    <a:p>
+                      <a:pPr algn="ctr"/>
+                      <a:r>
+                        <a:rPr lang="en-US" sz="2000" dirty="0"/>
+                        <a:t>2019</a:t>
+                      </a:r>
+                      <a:endParaRPr lang="en-US" sz="2000" dirty="0">
+                        <a:latin typeface="+mn-lt"/>
+                      </a:endParaRPr>
+                    </a:p>
+                  </a:txBody>
+                  <a:tcPr/>
+                </a:tc>
+                <a:tc>
+                  <a:txBody>
+                    <a:bodyPr/>
+                    <a:lstStyle/>
+                    <a:p>
+                      <a:pPr algn="ctr"/>
+                      <a:r>
+                        <a:rPr lang="en-US" sz="2000" dirty="0">
+                          <a:latin typeface="+mn-lt"/>
+                        </a:rPr>
+                        <a:t>Berners River</a:t>
+                      </a:r>
+                    </a:p>
+                  </a:txBody>
+                  <a:tcPr/>
+                </a:tc>
+                <a:tc>
+                  <a:txBody>
+                    <a:bodyPr/>
+                    <a:lstStyle/>
+                    <a:p>
+                      <a:pPr algn="ctr" fontAlgn="b"/>
+                      <a:r>
+                        <a:rPr lang="en-US" sz="2000" b="0" u="none" strike="noStrike" dirty="0">
+                          <a:solidFill>
+                            <a:srgbClr val="000000"/>
+                          </a:solidFill>
+                          <a:effectLst/>
+                        </a:rPr>
+                        <a:t>9405</a:t>
+                      </a:r>
+                      <a:endParaRPr lang="en-US" sz="2000" b="0" i="0" u="none" strike="noStrike" dirty="0">
+                        <a:solidFill>
+                          <a:srgbClr val="000000"/>
+                        </a:solidFill>
+                        <a:effectLst/>
+                        <a:latin typeface="+mn-lt"/>
+                      </a:endParaRPr>
+                    </a:p>
+                  </a:txBody>
+                  <a:tcPr marL="7620" marR="7620" marT="7620" marB="0" anchor="b"/>
+                </a:tc>
+                <a:tc>
+                  <a:txBody>
+                    <a:bodyPr/>
+                    <a:lstStyle/>
+                    <a:p>
+                      <a:pPr algn="ctr" fontAlgn="b"/>
+                      <a:endParaRPr lang="en-US" sz="1400" b="0" i="0" u="none" strike="noStrike" dirty="0">
+                        <a:solidFill>
+                          <a:srgbClr val="000000"/>
+                        </a:solidFill>
+                        <a:effectLst/>
+                        <a:latin typeface="+mn-lt"/>
+                      </a:endParaRPr>
+                    </a:p>
+                  </a:txBody>
+                  <a:tcPr marL="7620" marR="7620" marT="7620" marB="0" anchor="ctr"/>
+                </a:tc>
+                <a:extLst>
+                  <a:ext uri="{0D108BD9-81ED-4DB2-BD59-A6C34878D82A}">
+                    <a16:rowId xmlns:a16="http://schemas.microsoft.com/office/drawing/2014/main" val="2959572238"/>
+                  </a:ext>
+                </a:extLst>
+              </a:tr>
+              <a:tr h="370840">
+                <a:tc>
+                  <a:txBody>
+                    <a:bodyPr/>
+                    <a:lstStyle/>
+                    <a:p>
+                      <a:pPr algn="ctr"/>
+                      <a:r>
+                        <a:rPr lang="en-US" sz="2000" dirty="0"/>
+                        <a:t>2020</a:t>
+                      </a:r>
+                      <a:endParaRPr lang="en-US" sz="2000" dirty="0">
+                        <a:latin typeface="+mn-lt"/>
+                      </a:endParaRPr>
+                    </a:p>
+                  </a:txBody>
+                  <a:tcPr/>
+                </a:tc>
+                <a:tc>
+                  <a:txBody>
+                    <a:bodyPr/>
+                    <a:lstStyle/>
+                    <a:p>
+                      <a:pPr algn="ctr"/>
+                      <a:r>
+                        <a:rPr lang="en-US" sz="2000" dirty="0">
+                          <a:latin typeface="+mn-lt"/>
+                        </a:rPr>
+                        <a:t>Berners River</a:t>
+                      </a:r>
+                    </a:p>
+                  </a:txBody>
+                  <a:tcPr/>
+                </a:tc>
+                <a:tc>
+                  <a:txBody>
+                    <a:bodyPr/>
+                    <a:lstStyle/>
+                    <a:p>
+                      <a:pPr algn="ctr"/>
+                      <a:r>
+                        <a:rPr lang="en-US" sz="2000" dirty="0"/>
+                        <a:t>3296</a:t>
+                      </a:r>
+                      <a:endParaRPr lang="en-US" sz="2000" dirty="0">
+                        <a:latin typeface="+mn-lt"/>
+                      </a:endParaRPr>
+                    </a:p>
+                  </a:txBody>
+                  <a:tcPr/>
+                </a:tc>
+                <a:tc>
+                  <a:txBody>
+                    <a:bodyPr/>
+                    <a:lstStyle/>
+                    <a:p>
+                      <a:pPr algn="ctr"/>
+                      <a:r>
+                        <a:rPr lang="en-US" sz="1400" dirty="0">
+                          <a:latin typeface="+mn-lt"/>
+                        </a:rPr>
+                        <a:t>Not a peak count</a:t>
+                      </a:r>
+                    </a:p>
+                  </a:txBody>
+                  <a:tcPr anchor="ctr"/>
+                </a:tc>
+                <a:extLst>
+                  <a:ext uri="{0D108BD9-81ED-4DB2-BD59-A6C34878D82A}">
+                    <a16:rowId xmlns:a16="http://schemas.microsoft.com/office/drawing/2014/main" val="1714161499"/>
+                  </a:ext>
+                </a:extLst>
+              </a:tr>
+              <a:tr h="370840">
+                <a:tc>
+                  <a:txBody>
+                    <a:bodyPr/>
+                    <a:lstStyle/>
+                    <a:p>
+                      <a:pPr algn="ctr"/>
+                      <a:r>
+                        <a:rPr lang="en-US" sz="2000" dirty="0"/>
+                        <a:t>2018</a:t>
+                      </a:r>
+                      <a:endParaRPr lang="en-US" sz="2000" dirty="0">
+                        <a:latin typeface="+mn-lt"/>
+                      </a:endParaRPr>
+                    </a:p>
+                  </a:txBody>
+                  <a:tcPr/>
+                </a:tc>
+                <a:tc>
+                  <a:txBody>
+                    <a:bodyPr/>
+                    <a:lstStyle/>
+                    <a:p>
+                      <a:pPr algn="ctr"/>
+                      <a:r>
+                        <a:rPr lang="en-US" sz="2000" dirty="0">
+                          <a:latin typeface="+mn-lt"/>
+                        </a:rPr>
+                        <a:t>Hugh Smith</a:t>
+                      </a:r>
+                    </a:p>
+                  </a:txBody>
+                  <a:tcPr/>
+                </a:tc>
+                <a:tc>
+                  <a:txBody>
+                    <a:bodyPr/>
+                    <a:lstStyle/>
+                    <a:p>
+                      <a:pPr algn="ctr" fontAlgn="b"/>
+                      <a:r>
+                        <a:rPr lang="en-US" sz="2000" b="0" u="none" strike="noStrike" dirty="0">
+                          <a:solidFill>
+                            <a:srgbClr val="000000"/>
+                          </a:solidFill>
+                          <a:effectLst/>
+                        </a:rPr>
+                        <a:t>619</a:t>
+                      </a:r>
+                      <a:endParaRPr lang="en-US" sz="2000" b="0" i="0" u="none" strike="noStrike" dirty="0">
+                        <a:solidFill>
+                          <a:srgbClr val="000000"/>
+                        </a:solidFill>
+                        <a:effectLst/>
+                        <a:latin typeface="+mn-lt"/>
+                      </a:endParaRPr>
+                    </a:p>
+                  </a:txBody>
+                  <a:tcPr marL="7620" marR="7620" marT="7620" marB="0" anchor="b"/>
+                </a:tc>
+                <a:tc>
+                  <a:txBody>
+                    <a:bodyPr/>
+                    <a:lstStyle/>
+                    <a:p>
+                      <a:pPr algn="ctr" fontAlgn="b"/>
+                      <a:endParaRPr lang="en-US" sz="1400" b="0" i="0" u="none" strike="noStrike" dirty="0">
+                        <a:solidFill>
+                          <a:srgbClr val="000000"/>
+                        </a:solidFill>
+                        <a:effectLst/>
+                        <a:latin typeface="+mn-lt"/>
+                      </a:endParaRPr>
+                    </a:p>
+                  </a:txBody>
+                  <a:tcPr marL="7620" marR="7620" marT="7620" marB="0" anchor="ctr"/>
+                </a:tc>
+                <a:extLst>
+                  <a:ext uri="{0D108BD9-81ED-4DB2-BD59-A6C34878D82A}">
+                    <a16:rowId xmlns:a16="http://schemas.microsoft.com/office/drawing/2014/main" val="2881580272"/>
+                  </a:ext>
+                </a:extLst>
+              </a:tr>
+              <a:tr h="370840">
+                <a:tc>
+                  <a:txBody>
+                    <a:bodyPr/>
+                    <a:lstStyle/>
+                    <a:p>
+                      <a:pPr algn="ctr"/>
+                      <a:r>
+                        <a:rPr lang="en-US" sz="2000" dirty="0"/>
+                        <a:t>2019</a:t>
+                      </a:r>
+                      <a:endParaRPr lang="en-US" sz="2000" dirty="0">
+                        <a:latin typeface="+mn-lt"/>
+                      </a:endParaRPr>
+                    </a:p>
+                  </a:txBody>
+                  <a:tcPr/>
+                </a:tc>
+                <a:tc>
+                  <a:txBody>
+                    <a:bodyPr/>
+                    <a:lstStyle/>
+                    <a:p>
+                      <a:pPr algn="ctr"/>
+                      <a:r>
+                        <a:rPr lang="en-US" sz="2000" dirty="0">
+                          <a:latin typeface="+mn-lt"/>
+                        </a:rPr>
+                        <a:t>Hugh Smith</a:t>
+                      </a:r>
+                    </a:p>
+                  </a:txBody>
+                  <a:tcPr/>
+                </a:tc>
+                <a:tc>
+                  <a:txBody>
+                    <a:bodyPr/>
+                    <a:lstStyle/>
+                    <a:p>
+                      <a:pPr algn="ctr" fontAlgn="b"/>
+                      <a:r>
+                        <a:rPr lang="en-US" sz="2000" b="0" u="none" strike="noStrike" dirty="0">
+                          <a:solidFill>
+                            <a:srgbClr val="000000"/>
+                          </a:solidFill>
+                          <a:effectLst/>
+                        </a:rPr>
+                        <a:t>1235</a:t>
+                      </a:r>
+                      <a:endParaRPr lang="en-US" sz="2000" b="0" i="0" u="none" strike="noStrike" dirty="0">
+                        <a:solidFill>
+                          <a:srgbClr val="000000"/>
+                        </a:solidFill>
+                        <a:effectLst/>
+                        <a:latin typeface="+mn-lt"/>
+                      </a:endParaRPr>
+                    </a:p>
+                  </a:txBody>
+                  <a:tcPr marL="7620" marR="7620" marT="7620" marB="0" anchor="b"/>
+                </a:tc>
+                <a:tc>
+                  <a:txBody>
+                    <a:bodyPr/>
+                    <a:lstStyle/>
+                    <a:p>
+                      <a:pPr marL="0" marR="0" lvl="0" indent="0" algn="ctr" defTabSz="914400" rtl="0" eaLnBrk="1" fontAlgn="b" latinLnBrk="0" hangingPunct="1">
+                        <a:lnSpc>
+                          <a:spcPct val="100000"/>
+                        </a:lnSpc>
+                        <a:spcBef>
+                          <a:spcPts val="0"/>
+                        </a:spcBef>
+                        <a:spcAft>
+                          <a:spcPts val="0"/>
+                        </a:spcAft>
+                        <a:buClrTx/>
+                        <a:buSzTx/>
+                        <a:buFontTx/>
+                        <a:buNone/>
+                        <a:tabLst/>
+                        <a:defRPr/>
+                      </a:pPr>
+                      <a:r>
+                        <a:rPr lang="en-US" sz="1400" dirty="0">
+                          <a:latin typeface="+mn-lt"/>
+                        </a:rPr>
+                        <a:t>Prob 100 fish low</a:t>
+                      </a:r>
+                    </a:p>
+                  </a:txBody>
+                  <a:tcPr marL="7620" marR="7620" marT="7620" marB="0" anchor="ctr"/>
+                </a:tc>
+                <a:extLst>
+                  <a:ext uri="{0D108BD9-81ED-4DB2-BD59-A6C34878D82A}">
+                    <a16:rowId xmlns:a16="http://schemas.microsoft.com/office/drawing/2014/main" val="2152170278"/>
+                  </a:ext>
+                </a:extLst>
+              </a:tr>
+              <a:tr h="370840">
+                <a:tc>
+                  <a:txBody>
+                    <a:bodyPr/>
+                    <a:lstStyle/>
+                    <a:p>
+                      <a:pPr algn="ctr"/>
+                      <a:r>
+                        <a:rPr lang="en-US" sz="2000" dirty="0"/>
+                        <a:t>2020</a:t>
+                      </a:r>
+                      <a:endParaRPr lang="en-US" sz="2000" dirty="0">
+                        <a:latin typeface="+mn-lt"/>
+                      </a:endParaRPr>
+                    </a:p>
+                  </a:txBody>
+                  <a:tcPr/>
+                </a:tc>
+                <a:tc>
+                  <a:txBody>
+                    <a:bodyPr/>
+                    <a:lstStyle/>
+                    <a:p>
+                      <a:pPr algn="ctr"/>
+                      <a:r>
+                        <a:rPr lang="en-US" sz="2000" dirty="0">
+                          <a:latin typeface="+mn-lt"/>
+                        </a:rPr>
+                        <a:t>Hugh Smith</a:t>
+                      </a:r>
+                    </a:p>
+                  </a:txBody>
+                  <a:tcPr/>
+                </a:tc>
+                <a:tc>
+                  <a:txBody>
+                    <a:bodyPr/>
+                    <a:lstStyle/>
+                    <a:p>
+                      <a:pPr algn="ctr"/>
+                      <a:r>
+                        <a:rPr lang="en-US" sz="2000" dirty="0"/>
+                        <a:t>634</a:t>
+                      </a:r>
+                      <a:endParaRPr lang="en-US" sz="2000" dirty="0">
+                        <a:latin typeface="+mn-lt"/>
+                      </a:endParaRPr>
+                    </a:p>
+                  </a:txBody>
+                  <a:tcPr/>
+                </a:tc>
+                <a:tc>
+                  <a:txBody>
+                    <a:bodyPr/>
+                    <a:lstStyle/>
+                    <a:p>
+                      <a:pPr algn="ctr"/>
+                      <a:r>
+                        <a:rPr lang="en-US" sz="1400" dirty="0">
+                          <a:latin typeface="+mn-lt"/>
+                        </a:rPr>
+                        <a:t>Katie didn’t count jacks</a:t>
+                      </a:r>
+                    </a:p>
+                  </a:txBody>
+                  <a:tcPr anchor="ctr"/>
+                </a:tc>
+                <a:extLst>
+                  <a:ext uri="{0D108BD9-81ED-4DB2-BD59-A6C34878D82A}">
+                    <a16:rowId xmlns:a16="http://schemas.microsoft.com/office/drawing/2014/main" val="1645221756"/>
+                  </a:ext>
+                </a:extLst>
+              </a:tr>
+            </a:tbl>
+          </a:graphicData>
+        </a:graphic>
+      </p:graphicFrame>
+      <p:sp>
+        <p:nvSpPr>
+          <p:cNvPr id="9" name="TextBox 8">
+            <a:extLst>
+              <a:ext uri="{FF2B5EF4-FFF2-40B4-BE49-F238E27FC236}">
+                <a16:creationId xmlns:a16="http://schemas.microsoft.com/office/drawing/2014/main" id="{FA1FB079-744E-47C5-8873-12A2B57385C8}"/>
+              </a:ext>
+            </a:extLst>
+          </p:cNvPr>
+          <p:cNvSpPr txBox="1"/>
+          <p:nvPr/>
+        </p:nvSpPr>
+        <p:spPr>
+          <a:xfrm>
+            <a:off x="817652" y="1462948"/>
+            <a:ext cx="10341204" cy="584775"/>
+          </a:xfrm>
+          <a:prstGeom prst="rect">
+            <a:avLst/>
+          </a:prstGeom>
+          <a:noFill/>
+          <a:ln>
+            <a:solidFill>
+              <a:srgbClr val="38D7EC"/>
+            </a:solidFill>
+          </a:ln>
+          <a:effectLst>
+            <a:glow rad="38100">
+              <a:srgbClr val="38D7EC"/>
+            </a:glow>
+          </a:effectLst>
+        </p:spPr>
+        <p:txBody>
+          <a:bodyPr wrap="square" rtlCol="0">
+            <a:spAutoFit/>
+          </a:bodyPr>
+          <a:lstStyle/>
+          <a:p>
+            <a:pPr algn="ctr"/>
+            <a:r>
+              <a:rPr lang="en-US" sz="3200" dirty="0"/>
+              <a:t>To see why: if there were a comment, which does it refer to? </a:t>
+            </a:r>
+          </a:p>
+        </p:txBody>
+      </p:sp>
     </p:spTree>
     <p:extLst>
       <p:ext uri="{BB962C8B-B14F-4D97-AF65-F5344CB8AC3E}">
-        <p14:creationId xmlns:p14="http://schemas.microsoft.com/office/powerpoint/2010/main" val="3581434168"/>
+        <p14:creationId xmlns:p14="http://schemas.microsoft.com/office/powerpoint/2010/main" val="567591901"/>
       </p:ext>
     </p:extLst>
   </p:cSld>
@@ -28785,73 +30431,7 @@
                                           </p:stCondLst>
                                         </p:cTn>
                                         <p:tgtEl>
-                                          <p:spTgt spid="4">
-                                            <p:txEl>
-                                              <p:pRg st="1" end="1"/>
-                                            </p:txEl>
-                                          </p:spTgt>
-                                        </p:tgtEl>
-                                        <p:attrNameLst>
-                                          <p:attrName>style.visibility</p:attrName>
-                                        </p:attrNameLst>
-                                      </p:cBhvr>
-                                      <p:to>
-                                        <p:strVal val="visible"/>
-                                      </p:to>
-                                    </p:set>
-                                  </p:childTnLst>
-                                </p:cTn>
-                              </p:par>
-                              <p:par>
-                                <p:cTn id="7" presetID="1" presetClass="entr" presetSubtype="0" fill="hold" nodeType="withEffect">
-                                  <p:stCondLst>
-                                    <p:cond delay="0"/>
-                                  </p:stCondLst>
-                                  <p:childTnLst>
-                                    <p:set>
-                                      <p:cBhvr>
-                                        <p:cTn id="8" dur="1" fill="hold">
-                                          <p:stCondLst>
-                                            <p:cond delay="0"/>
-                                          </p:stCondLst>
-                                        </p:cTn>
-                                        <p:tgtEl>
-                                          <p:spTgt spid="4">
-                                            <p:txEl>
-                                              <p:pRg st="2" end="2"/>
-                                            </p:txEl>
-                                          </p:spTgt>
-                                        </p:tgtEl>
-                                        <p:attrNameLst>
-                                          <p:attrName>style.visibility</p:attrName>
-                                        </p:attrNameLst>
-                                      </p:cBhvr>
-                                      <p:to>
-                                        <p:strVal val="visible"/>
-                                      </p:to>
-                                    </p:set>
-                                  </p:childTnLst>
-                                </p:cTn>
-                              </p:par>
-                              <p:par>
-                                <p:cTn id="9" presetID="1" presetClass="entr" presetSubtype="0" fill="hold" nodeType="withEffect">
-                                  <p:stCondLst>
-                                    <p:cond delay="0"/>
-                                  </p:stCondLst>
-                                  <p:childTnLst>
-                                    <p:set>
-                                      <p:cBhvr>
-                                        <p:cTn id="10" dur="1" fill="hold">
-                                          <p:stCondLst>
-                                            <p:cond delay="0"/>
-                                          </p:stCondLst>
-                                        </p:cTn>
-                                        <p:tgtEl>
-                                          <p:spTgt spid="4">
-                                            <p:txEl>
-                                              <p:pRg st="3" end="3"/>
-                                            </p:txEl>
-                                          </p:spTgt>
+                                          <p:spTgt spid="3"/>
                                         </p:tgtEl>
                                         <p:attrNameLst>
                                           <p:attrName>style.visibility</p:attrName>
@@ -28871,178 +30451,32 @@
                     </p:cTn>
                   </p:par>
                   <p:par>
-                    <p:cTn id="11" fill="hold">
+                    <p:cTn id="7" fill="hold">
                       <p:stCondLst>
                         <p:cond delay="indefinite"/>
                       </p:stCondLst>
                       <p:childTnLst>
                         <p:par>
-                          <p:cTn id="12" fill="hold">
+                          <p:cTn id="8" fill="hold">
                             <p:stCondLst>
                               <p:cond delay="0"/>
                             </p:stCondLst>
                             <p:childTnLst>
                               <p:par>
-                                <p:cTn id="13" presetID="1" presetClass="entr" presetSubtype="0" fill="hold" nodeType="clickEffect">
+                                <p:cTn id="9" presetID="1" presetClass="entr" presetSubtype="0" fill="hold" nodeType="clickEffect">
                                   <p:stCondLst>
                                     <p:cond delay="0"/>
                                   </p:stCondLst>
                                   <p:childTnLst>
                                     <p:set>
                                       <p:cBhvr>
-                                        <p:cTn id="14" dur="1" fill="hold">
+                                        <p:cTn id="10" dur="1" fill="hold">
                                           <p:stCondLst>
                                             <p:cond delay="0"/>
                                           </p:stCondLst>
                                         </p:cTn>
                                         <p:tgtEl>
-                                          <p:spTgt spid="4">
-                                            <p:txEl>
-                                              <p:pRg st="4" end="4"/>
-                                            </p:txEl>
-                                          </p:spTgt>
-                                        </p:tgtEl>
-                                        <p:attrNameLst>
-                                          <p:attrName>style.visibility</p:attrName>
-                                        </p:attrNameLst>
-                                      </p:cBhvr>
-                                      <p:to>
-                                        <p:strVal val="visible"/>
-                                      </p:to>
-                                    </p:set>
-                                  </p:childTnLst>
-                                </p:cTn>
-                              </p:par>
-                              <p:par>
-                                <p:cTn id="15" presetID="1" presetClass="entr" presetSubtype="0" fill="hold" nodeType="withEffect">
-                                  <p:stCondLst>
-                                    <p:cond delay="0"/>
-                                  </p:stCondLst>
-                                  <p:childTnLst>
-                                    <p:set>
-                                      <p:cBhvr>
-                                        <p:cTn id="16" dur="1" fill="hold">
-                                          <p:stCondLst>
-                                            <p:cond delay="0"/>
-                                          </p:stCondLst>
-                                        </p:cTn>
-                                        <p:tgtEl>
-                                          <p:spTgt spid="4">
-                                            <p:txEl>
-                                              <p:pRg st="5" end="5"/>
-                                            </p:txEl>
-                                          </p:spTgt>
-                                        </p:tgtEl>
-                                        <p:attrNameLst>
-                                          <p:attrName>style.visibility</p:attrName>
-                                        </p:attrNameLst>
-                                      </p:cBhvr>
-                                      <p:to>
-                                        <p:strVal val="visible"/>
-                                      </p:to>
-                                    </p:set>
-                                  </p:childTnLst>
-                                </p:cTn>
-                              </p:par>
-                            </p:childTnLst>
-                          </p:cTn>
-                        </p:par>
-                      </p:childTnLst>
-                    </p:cTn>
-                  </p:par>
-                  <p:par>
-                    <p:cTn id="17" fill="hold">
-                      <p:stCondLst>
-                        <p:cond delay="indefinite"/>
-                      </p:stCondLst>
-                      <p:childTnLst>
-                        <p:par>
-                          <p:cTn id="18" fill="hold">
-                            <p:stCondLst>
-                              <p:cond delay="0"/>
-                            </p:stCondLst>
-                            <p:childTnLst>
-                              <p:par>
-                                <p:cTn id="19" presetID="1" presetClass="entr" presetSubtype="0" fill="hold" nodeType="clickEffect">
-                                  <p:stCondLst>
-                                    <p:cond delay="0"/>
-                                  </p:stCondLst>
-                                  <p:childTnLst>
-                                    <p:set>
-                                      <p:cBhvr>
-                                        <p:cTn id="20" dur="1" fill="hold">
-                                          <p:stCondLst>
-                                            <p:cond delay="0"/>
-                                          </p:stCondLst>
-                                        </p:cTn>
-                                        <p:tgtEl>
-                                          <p:spTgt spid="4">
-                                            <p:txEl>
-                                              <p:pRg st="6" end="6"/>
-                                            </p:txEl>
-                                          </p:spTgt>
-                                        </p:tgtEl>
-                                        <p:attrNameLst>
-                                          <p:attrName>style.visibility</p:attrName>
-                                        </p:attrNameLst>
-                                      </p:cBhvr>
-                                      <p:to>
-                                        <p:strVal val="visible"/>
-                                      </p:to>
-                                    </p:set>
-                                  </p:childTnLst>
-                                </p:cTn>
-                              </p:par>
-                              <p:par>
-                                <p:cTn id="21" presetID="1" presetClass="entr" presetSubtype="0" fill="hold" nodeType="withEffect">
-                                  <p:stCondLst>
-                                    <p:cond delay="0"/>
-                                  </p:stCondLst>
-                                  <p:childTnLst>
-                                    <p:set>
-                                      <p:cBhvr>
-                                        <p:cTn id="22" dur="1" fill="hold">
-                                          <p:stCondLst>
-                                            <p:cond delay="0"/>
-                                          </p:stCondLst>
-                                        </p:cTn>
-                                        <p:tgtEl>
-                                          <p:spTgt spid="4">
-                                            <p:txEl>
-                                              <p:pRg st="7" end="7"/>
-                                            </p:txEl>
-                                          </p:spTgt>
-                                        </p:tgtEl>
-                                        <p:attrNameLst>
-                                          <p:attrName>style.visibility</p:attrName>
-                                        </p:attrNameLst>
-                                      </p:cBhvr>
-                                      <p:to>
-                                        <p:strVal val="visible"/>
-                                      </p:to>
-                                    </p:set>
-                                  </p:childTnLst>
-                                </p:cTn>
-                              </p:par>
-                              <p:par>
-                                <p:cTn id="23" presetID="1" presetClass="entr" presetSubtype="0" fill="hold" nodeType="withEffect">
-                                  <p:stCondLst>
-                                    <p:cond delay="0"/>
-                                  </p:stCondLst>
-                                  <p:childTnLst>
-                                    <p:set>
-                                      <p:cBhvr>
-                                        <p:cTn id="24" dur="1" fill="hold">
-                                          <p:stCondLst>
-                                            <p:cond delay="0"/>
-                                          </p:stCondLst>
-                                        </p:cTn>
-                                        <p:tgtEl>
-                                          <p:spTgt spid="4">
-                                            <p:txEl>
-                                              <p:pRg st="8" end="8"/>
-                                            </p:txEl>
-                                          </p:spTgt>
+                                          <p:spTgt spid="11"/>
                                         </p:tgtEl>
                                         <p:attrNameLst>
                                           <p:attrName>style.visibility</p:attrName>
